--- a/ModernJS/Projects/Todo App.pptx
+++ b/ModernJS/Projects/Todo App.pptx
@@ -6,27 +6,28 @@
   </p:sldMasterIdLst>
   <p:sldIdLst>
     <p:sldId id="256" r:id="rId2"/>
-    <p:sldId id="262" r:id="rId3"/>
-    <p:sldId id="269" r:id="rId4"/>
-    <p:sldId id="270" r:id="rId5"/>
-    <p:sldId id="271" r:id="rId6"/>
-    <p:sldId id="272" r:id="rId7"/>
-    <p:sldId id="263" r:id="rId8"/>
-    <p:sldId id="264" r:id="rId9"/>
-    <p:sldId id="275" r:id="rId10"/>
-    <p:sldId id="276" r:id="rId11"/>
-    <p:sldId id="265" r:id="rId12"/>
-    <p:sldId id="266" r:id="rId13"/>
-    <p:sldId id="279" r:id="rId14"/>
-    <p:sldId id="280" r:id="rId15"/>
-    <p:sldId id="267" r:id="rId16"/>
-    <p:sldId id="277" r:id="rId17"/>
-    <p:sldId id="278" r:id="rId18"/>
-    <p:sldId id="268" r:id="rId19"/>
-    <p:sldId id="273" r:id="rId20"/>
-    <p:sldId id="274" r:id="rId21"/>
-    <p:sldId id="282" r:id="rId22"/>
-    <p:sldId id="281" r:id="rId23"/>
+    <p:sldId id="283" r:id="rId3"/>
+    <p:sldId id="262" r:id="rId4"/>
+    <p:sldId id="269" r:id="rId5"/>
+    <p:sldId id="270" r:id="rId6"/>
+    <p:sldId id="271" r:id="rId7"/>
+    <p:sldId id="272" r:id="rId8"/>
+    <p:sldId id="263" r:id="rId9"/>
+    <p:sldId id="264" r:id="rId10"/>
+    <p:sldId id="275" r:id="rId11"/>
+    <p:sldId id="276" r:id="rId12"/>
+    <p:sldId id="265" r:id="rId13"/>
+    <p:sldId id="266" r:id="rId14"/>
+    <p:sldId id="279" r:id="rId15"/>
+    <p:sldId id="280" r:id="rId16"/>
+    <p:sldId id="267" r:id="rId17"/>
+    <p:sldId id="277" r:id="rId18"/>
+    <p:sldId id="278" r:id="rId19"/>
+    <p:sldId id="268" r:id="rId20"/>
+    <p:sldId id="273" r:id="rId21"/>
+    <p:sldId id="274" r:id="rId22"/>
+    <p:sldId id="282" r:id="rId23"/>
+    <p:sldId id="281" r:id="rId24"/>
   </p:sldIdLst>
   <p:sldSz cx="12192000" cy="6858000"/>
   <p:notesSz cx="6858000" cy="9144000"/>
@@ -880,6 +881,753 @@
 </dgm:colorsDef>
 </file>
 
+<file path=ppt/diagrams/colors10.xml><?xml version="1.0" encoding="utf-8"?>
+<dgm:colorsDef xmlns:dgm="http://schemas.openxmlformats.org/drawingml/2006/diagram" xmlns:a="http://schemas.openxmlformats.org/drawingml/2006/main" uniqueId="urn:microsoft.com/office/officeart/2005/8/colors/accent1_2">
+  <dgm:title val=""/>
+  <dgm:desc val=""/>
+  <dgm:catLst>
+    <dgm:cat type="accent1" pri="11200"/>
+  </dgm:catLst>
+  <dgm:styleLbl name="node0">
+    <dgm:fillClrLst meth="repeat">
+      <a:schemeClr val="accent1"/>
+    </dgm:fillClrLst>
+    <dgm:linClrLst meth="repeat">
+      <a:schemeClr val="lt1"/>
+    </dgm:linClrLst>
+    <dgm:effectClrLst/>
+    <dgm:txLinClrLst/>
+    <dgm:txFillClrLst/>
+    <dgm:txEffectClrLst/>
+  </dgm:styleLbl>
+  <dgm:styleLbl name="alignNode1">
+    <dgm:fillClrLst meth="repeat">
+      <a:schemeClr val="accent1"/>
+    </dgm:fillClrLst>
+    <dgm:linClrLst meth="repeat">
+      <a:schemeClr val="accent1"/>
+    </dgm:linClrLst>
+    <dgm:effectClrLst/>
+    <dgm:txLinClrLst/>
+    <dgm:txFillClrLst/>
+    <dgm:txEffectClrLst/>
+  </dgm:styleLbl>
+  <dgm:styleLbl name="node1">
+    <dgm:fillClrLst meth="repeat">
+      <a:schemeClr val="accent1"/>
+    </dgm:fillClrLst>
+    <dgm:linClrLst meth="repeat">
+      <a:schemeClr val="lt1"/>
+    </dgm:linClrLst>
+    <dgm:effectClrLst/>
+    <dgm:txLinClrLst/>
+    <dgm:txFillClrLst/>
+    <dgm:txEffectClrLst/>
+  </dgm:styleLbl>
+  <dgm:styleLbl name="lnNode1">
+    <dgm:fillClrLst meth="repeat">
+      <a:schemeClr val="accent1"/>
+    </dgm:fillClrLst>
+    <dgm:linClrLst meth="repeat">
+      <a:schemeClr val="lt1"/>
+    </dgm:linClrLst>
+    <dgm:effectClrLst/>
+    <dgm:txLinClrLst/>
+    <dgm:txFillClrLst/>
+    <dgm:txEffectClrLst/>
+  </dgm:styleLbl>
+  <dgm:styleLbl name="vennNode1">
+    <dgm:fillClrLst meth="repeat">
+      <a:schemeClr val="accent1">
+        <a:alpha val="50000"/>
+      </a:schemeClr>
+    </dgm:fillClrLst>
+    <dgm:linClrLst meth="repeat">
+      <a:schemeClr val="lt1"/>
+    </dgm:linClrLst>
+    <dgm:effectClrLst/>
+    <dgm:txLinClrLst/>
+    <dgm:txFillClrLst/>
+    <dgm:txEffectClrLst/>
+  </dgm:styleLbl>
+  <dgm:styleLbl name="node2">
+    <dgm:fillClrLst meth="repeat">
+      <a:schemeClr val="accent1"/>
+    </dgm:fillClrLst>
+    <dgm:linClrLst meth="repeat">
+      <a:schemeClr val="lt1"/>
+    </dgm:linClrLst>
+    <dgm:effectClrLst/>
+    <dgm:txLinClrLst/>
+    <dgm:txFillClrLst/>
+    <dgm:txEffectClrLst/>
+  </dgm:styleLbl>
+  <dgm:styleLbl name="node3">
+    <dgm:fillClrLst meth="repeat">
+      <a:schemeClr val="accent1"/>
+    </dgm:fillClrLst>
+    <dgm:linClrLst meth="repeat">
+      <a:schemeClr val="lt1"/>
+    </dgm:linClrLst>
+    <dgm:effectClrLst/>
+    <dgm:txLinClrLst/>
+    <dgm:txFillClrLst/>
+    <dgm:txEffectClrLst/>
+  </dgm:styleLbl>
+  <dgm:styleLbl name="node4">
+    <dgm:fillClrLst meth="repeat">
+      <a:schemeClr val="accent1"/>
+    </dgm:fillClrLst>
+    <dgm:linClrLst meth="repeat">
+      <a:schemeClr val="lt1"/>
+    </dgm:linClrLst>
+    <dgm:effectClrLst/>
+    <dgm:txLinClrLst/>
+    <dgm:txFillClrLst/>
+    <dgm:txEffectClrLst/>
+  </dgm:styleLbl>
+  <dgm:styleLbl name="fgImgPlace1">
+    <dgm:fillClrLst meth="repeat">
+      <a:schemeClr val="accent1">
+        <a:tint val="50000"/>
+      </a:schemeClr>
+    </dgm:fillClrLst>
+    <dgm:linClrLst meth="repeat">
+      <a:schemeClr val="lt1"/>
+    </dgm:linClrLst>
+    <dgm:effectClrLst/>
+    <dgm:txLinClrLst/>
+    <dgm:txFillClrLst meth="repeat">
+      <a:schemeClr val="lt1"/>
+    </dgm:txFillClrLst>
+    <dgm:txEffectClrLst/>
+  </dgm:styleLbl>
+  <dgm:styleLbl name="alignImgPlace1">
+    <dgm:fillClrLst meth="repeat">
+      <a:schemeClr val="accent1">
+        <a:tint val="50000"/>
+      </a:schemeClr>
+    </dgm:fillClrLst>
+    <dgm:linClrLst meth="repeat">
+      <a:schemeClr val="lt1"/>
+    </dgm:linClrLst>
+    <dgm:effectClrLst/>
+    <dgm:txLinClrLst/>
+    <dgm:txFillClrLst meth="repeat">
+      <a:schemeClr val="lt1"/>
+    </dgm:txFillClrLst>
+    <dgm:txEffectClrLst/>
+  </dgm:styleLbl>
+  <dgm:styleLbl name="bgImgPlace1">
+    <dgm:fillClrLst meth="repeat">
+      <a:schemeClr val="accent1">
+        <a:tint val="50000"/>
+      </a:schemeClr>
+    </dgm:fillClrLst>
+    <dgm:linClrLst meth="repeat">
+      <a:schemeClr val="lt1"/>
+    </dgm:linClrLst>
+    <dgm:effectClrLst/>
+    <dgm:txLinClrLst/>
+    <dgm:txFillClrLst meth="repeat">
+      <a:schemeClr val="lt1"/>
+    </dgm:txFillClrLst>
+    <dgm:txEffectClrLst/>
+  </dgm:styleLbl>
+  <dgm:styleLbl name="sibTrans2D1">
+    <dgm:fillClrLst meth="repeat">
+      <a:schemeClr val="accent1">
+        <a:tint val="60000"/>
+      </a:schemeClr>
+    </dgm:fillClrLst>
+    <dgm:linClrLst meth="repeat">
+      <a:schemeClr val="accent1">
+        <a:tint val="60000"/>
+      </a:schemeClr>
+    </dgm:linClrLst>
+    <dgm:effectClrLst/>
+    <dgm:txLinClrLst/>
+    <dgm:txFillClrLst/>
+    <dgm:txEffectClrLst/>
+  </dgm:styleLbl>
+  <dgm:styleLbl name="fgSibTrans2D1">
+    <dgm:fillClrLst meth="repeat">
+      <a:schemeClr val="accent1">
+        <a:tint val="60000"/>
+      </a:schemeClr>
+    </dgm:fillClrLst>
+    <dgm:linClrLst meth="repeat">
+      <a:schemeClr val="accent1">
+        <a:tint val="60000"/>
+      </a:schemeClr>
+    </dgm:linClrLst>
+    <dgm:effectClrLst/>
+    <dgm:txLinClrLst/>
+    <dgm:txFillClrLst/>
+    <dgm:txEffectClrLst/>
+  </dgm:styleLbl>
+  <dgm:styleLbl name="bgSibTrans2D1">
+    <dgm:fillClrLst meth="repeat">
+      <a:schemeClr val="accent1">
+        <a:tint val="60000"/>
+      </a:schemeClr>
+    </dgm:fillClrLst>
+    <dgm:linClrLst meth="repeat">
+      <a:schemeClr val="accent1">
+        <a:tint val="60000"/>
+      </a:schemeClr>
+    </dgm:linClrLst>
+    <dgm:effectClrLst/>
+    <dgm:txLinClrLst/>
+    <dgm:txFillClrLst/>
+    <dgm:txEffectClrLst/>
+  </dgm:styleLbl>
+  <dgm:styleLbl name="sibTrans1D1">
+    <dgm:fillClrLst meth="repeat">
+      <a:schemeClr val="accent1"/>
+    </dgm:fillClrLst>
+    <dgm:linClrLst meth="repeat">
+      <a:schemeClr val="accent1"/>
+    </dgm:linClrLst>
+    <dgm:effectClrLst/>
+    <dgm:txLinClrLst/>
+    <dgm:txFillClrLst meth="repeat">
+      <a:schemeClr val="tx1"/>
+    </dgm:txFillClrLst>
+    <dgm:txEffectClrLst/>
+  </dgm:styleLbl>
+  <dgm:styleLbl name="callout">
+    <dgm:fillClrLst meth="repeat">
+      <a:schemeClr val="accent1"/>
+    </dgm:fillClrLst>
+    <dgm:linClrLst meth="repeat">
+      <a:schemeClr val="accent1">
+        <a:tint val="50000"/>
+      </a:schemeClr>
+    </dgm:linClrLst>
+    <dgm:effectClrLst/>
+    <dgm:txLinClrLst/>
+    <dgm:txFillClrLst meth="repeat">
+      <a:schemeClr val="tx1"/>
+    </dgm:txFillClrLst>
+    <dgm:txEffectClrLst/>
+  </dgm:styleLbl>
+  <dgm:styleLbl name="asst0">
+    <dgm:fillClrLst meth="repeat">
+      <a:schemeClr val="accent1"/>
+    </dgm:fillClrLst>
+    <dgm:linClrLst meth="repeat">
+      <a:schemeClr val="lt1"/>
+    </dgm:linClrLst>
+    <dgm:effectClrLst/>
+    <dgm:txLinClrLst/>
+    <dgm:txFillClrLst/>
+    <dgm:txEffectClrLst/>
+  </dgm:styleLbl>
+  <dgm:styleLbl name="asst1">
+    <dgm:fillClrLst meth="repeat">
+      <a:schemeClr val="accent1"/>
+    </dgm:fillClrLst>
+    <dgm:linClrLst meth="repeat">
+      <a:schemeClr val="lt1"/>
+    </dgm:linClrLst>
+    <dgm:effectClrLst/>
+    <dgm:txLinClrLst/>
+    <dgm:txFillClrLst/>
+    <dgm:txEffectClrLst/>
+  </dgm:styleLbl>
+  <dgm:styleLbl name="asst2">
+    <dgm:fillClrLst meth="repeat">
+      <a:schemeClr val="accent1"/>
+    </dgm:fillClrLst>
+    <dgm:linClrLst meth="repeat">
+      <a:schemeClr val="lt1"/>
+    </dgm:linClrLst>
+    <dgm:effectClrLst/>
+    <dgm:txLinClrLst/>
+    <dgm:txFillClrLst/>
+    <dgm:txEffectClrLst/>
+  </dgm:styleLbl>
+  <dgm:styleLbl name="asst3">
+    <dgm:fillClrLst meth="repeat">
+      <a:schemeClr val="accent1"/>
+    </dgm:fillClrLst>
+    <dgm:linClrLst meth="repeat">
+      <a:schemeClr val="lt1"/>
+    </dgm:linClrLst>
+    <dgm:effectClrLst/>
+    <dgm:txLinClrLst/>
+    <dgm:txFillClrLst/>
+    <dgm:txEffectClrLst/>
+  </dgm:styleLbl>
+  <dgm:styleLbl name="asst4">
+    <dgm:fillClrLst meth="repeat">
+      <a:schemeClr val="accent1"/>
+    </dgm:fillClrLst>
+    <dgm:linClrLst meth="repeat">
+      <a:schemeClr val="lt1"/>
+    </dgm:linClrLst>
+    <dgm:effectClrLst/>
+    <dgm:txLinClrLst/>
+    <dgm:txFillClrLst/>
+    <dgm:txEffectClrLst/>
+  </dgm:styleLbl>
+  <dgm:styleLbl name="parChTrans2D1">
+    <dgm:fillClrLst meth="repeat">
+      <a:schemeClr val="accent1">
+        <a:tint val="60000"/>
+      </a:schemeClr>
+    </dgm:fillClrLst>
+    <dgm:linClrLst meth="repeat">
+      <a:schemeClr val="accent1">
+        <a:tint val="60000"/>
+      </a:schemeClr>
+    </dgm:linClrLst>
+    <dgm:effectClrLst/>
+    <dgm:txLinClrLst/>
+    <dgm:txFillClrLst meth="repeat">
+      <a:schemeClr val="lt1"/>
+    </dgm:txFillClrLst>
+    <dgm:txEffectClrLst/>
+  </dgm:styleLbl>
+  <dgm:styleLbl name="parChTrans2D2">
+    <dgm:fillClrLst meth="repeat">
+      <a:schemeClr val="accent1"/>
+    </dgm:fillClrLst>
+    <dgm:linClrLst meth="repeat">
+      <a:schemeClr val="accent1"/>
+    </dgm:linClrLst>
+    <dgm:effectClrLst/>
+    <dgm:txLinClrLst/>
+    <dgm:txFillClrLst meth="repeat">
+      <a:schemeClr val="lt1"/>
+    </dgm:txFillClrLst>
+    <dgm:txEffectClrLst/>
+  </dgm:styleLbl>
+  <dgm:styleLbl name="parChTrans2D3">
+    <dgm:fillClrLst meth="repeat">
+      <a:schemeClr val="accent1"/>
+    </dgm:fillClrLst>
+    <dgm:linClrLst meth="repeat">
+      <a:schemeClr val="accent1"/>
+    </dgm:linClrLst>
+    <dgm:effectClrLst/>
+    <dgm:txLinClrLst/>
+    <dgm:txFillClrLst meth="repeat">
+      <a:schemeClr val="lt1"/>
+    </dgm:txFillClrLst>
+    <dgm:txEffectClrLst/>
+  </dgm:styleLbl>
+  <dgm:styleLbl name="parChTrans2D4">
+    <dgm:fillClrLst meth="repeat">
+      <a:schemeClr val="accent1"/>
+    </dgm:fillClrLst>
+    <dgm:linClrLst meth="repeat">
+      <a:schemeClr val="accent1"/>
+    </dgm:linClrLst>
+    <dgm:effectClrLst/>
+    <dgm:txLinClrLst/>
+    <dgm:txFillClrLst meth="repeat">
+      <a:schemeClr val="lt1"/>
+    </dgm:txFillClrLst>
+    <dgm:txEffectClrLst/>
+  </dgm:styleLbl>
+  <dgm:styleLbl name="parChTrans1D1">
+    <dgm:fillClrLst meth="repeat">
+      <a:schemeClr val="accent1"/>
+    </dgm:fillClrLst>
+    <dgm:linClrLst meth="repeat">
+      <a:schemeClr val="accent1">
+        <a:shade val="60000"/>
+      </a:schemeClr>
+    </dgm:linClrLst>
+    <dgm:effectClrLst/>
+    <dgm:txLinClrLst/>
+    <dgm:txFillClrLst meth="repeat">
+      <a:schemeClr val="tx1"/>
+    </dgm:txFillClrLst>
+    <dgm:txEffectClrLst/>
+  </dgm:styleLbl>
+  <dgm:styleLbl name="parChTrans1D2">
+    <dgm:fillClrLst meth="repeat">
+      <a:schemeClr val="accent1"/>
+    </dgm:fillClrLst>
+    <dgm:linClrLst meth="repeat">
+      <a:schemeClr val="accent1">
+        <a:shade val="60000"/>
+      </a:schemeClr>
+    </dgm:linClrLst>
+    <dgm:effectClrLst/>
+    <dgm:txLinClrLst/>
+    <dgm:txFillClrLst meth="repeat">
+      <a:schemeClr val="tx1"/>
+    </dgm:txFillClrLst>
+    <dgm:txEffectClrLst/>
+  </dgm:styleLbl>
+  <dgm:styleLbl name="parChTrans1D3">
+    <dgm:fillClrLst meth="repeat">
+      <a:schemeClr val="accent1"/>
+    </dgm:fillClrLst>
+    <dgm:linClrLst meth="repeat">
+      <a:schemeClr val="accent1">
+        <a:shade val="80000"/>
+      </a:schemeClr>
+    </dgm:linClrLst>
+    <dgm:effectClrLst/>
+    <dgm:txLinClrLst/>
+    <dgm:txFillClrLst meth="repeat">
+      <a:schemeClr val="tx1"/>
+    </dgm:txFillClrLst>
+    <dgm:txEffectClrLst/>
+  </dgm:styleLbl>
+  <dgm:styleLbl name="parChTrans1D4">
+    <dgm:fillClrLst meth="repeat">
+      <a:schemeClr val="accent1"/>
+    </dgm:fillClrLst>
+    <dgm:linClrLst meth="repeat">
+      <a:schemeClr val="accent1">
+        <a:shade val="80000"/>
+      </a:schemeClr>
+    </dgm:linClrLst>
+    <dgm:effectClrLst/>
+    <dgm:txLinClrLst/>
+    <dgm:txFillClrLst meth="repeat">
+      <a:schemeClr val="tx1"/>
+    </dgm:txFillClrLst>
+    <dgm:txEffectClrLst/>
+  </dgm:styleLbl>
+  <dgm:styleLbl name="fgAcc1">
+    <dgm:fillClrLst meth="repeat">
+      <a:schemeClr val="lt1">
+        <a:alpha val="90000"/>
+      </a:schemeClr>
+    </dgm:fillClrLst>
+    <dgm:linClrLst meth="repeat">
+      <a:schemeClr val="accent1"/>
+    </dgm:linClrLst>
+    <dgm:effectClrLst/>
+    <dgm:txLinClrLst/>
+    <dgm:txFillClrLst meth="repeat">
+      <a:schemeClr val="dk1"/>
+    </dgm:txFillClrLst>
+    <dgm:txEffectClrLst/>
+  </dgm:styleLbl>
+  <dgm:styleLbl name="conFgAcc1">
+    <dgm:fillClrLst meth="repeat">
+      <a:schemeClr val="lt1">
+        <a:alpha val="90000"/>
+      </a:schemeClr>
+    </dgm:fillClrLst>
+    <dgm:linClrLst meth="repeat">
+      <a:schemeClr val="accent1"/>
+    </dgm:linClrLst>
+    <dgm:effectClrLst/>
+    <dgm:txLinClrLst/>
+    <dgm:txFillClrLst meth="repeat">
+      <a:schemeClr val="dk1"/>
+    </dgm:txFillClrLst>
+    <dgm:txEffectClrLst/>
+  </dgm:styleLbl>
+  <dgm:styleLbl name="alignAcc1">
+    <dgm:fillClrLst meth="repeat">
+      <a:schemeClr val="lt1">
+        <a:alpha val="90000"/>
+      </a:schemeClr>
+    </dgm:fillClrLst>
+    <dgm:linClrLst meth="repeat">
+      <a:schemeClr val="accent1"/>
+    </dgm:linClrLst>
+    <dgm:effectClrLst/>
+    <dgm:txLinClrLst/>
+    <dgm:txFillClrLst meth="repeat">
+      <a:schemeClr val="dk1"/>
+    </dgm:txFillClrLst>
+    <dgm:txEffectClrLst/>
+  </dgm:styleLbl>
+  <dgm:styleLbl name="trAlignAcc1">
+    <dgm:fillClrLst meth="repeat">
+      <a:schemeClr val="lt1">
+        <a:alpha val="40000"/>
+      </a:schemeClr>
+    </dgm:fillClrLst>
+    <dgm:linClrLst meth="repeat">
+      <a:schemeClr val="accent1"/>
+    </dgm:linClrLst>
+    <dgm:effectClrLst/>
+    <dgm:txLinClrLst/>
+    <dgm:txFillClrLst meth="repeat">
+      <a:schemeClr val="dk1"/>
+    </dgm:txFillClrLst>
+    <dgm:txEffectClrLst/>
+  </dgm:styleLbl>
+  <dgm:styleLbl name="bgAcc1">
+    <dgm:fillClrLst meth="repeat">
+      <a:schemeClr val="lt1">
+        <a:alpha val="90000"/>
+      </a:schemeClr>
+    </dgm:fillClrLst>
+    <dgm:linClrLst meth="repeat">
+      <a:schemeClr val="accent1"/>
+    </dgm:linClrLst>
+    <dgm:effectClrLst/>
+    <dgm:txLinClrLst/>
+    <dgm:txFillClrLst meth="repeat">
+      <a:schemeClr val="dk1"/>
+    </dgm:txFillClrLst>
+    <dgm:txEffectClrLst/>
+  </dgm:styleLbl>
+  <dgm:styleLbl name="solidFgAcc1">
+    <dgm:fillClrLst meth="repeat">
+      <a:schemeClr val="lt1"/>
+    </dgm:fillClrLst>
+    <dgm:linClrLst meth="repeat">
+      <a:schemeClr val="accent1"/>
+    </dgm:linClrLst>
+    <dgm:effectClrLst/>
+    <dgm:txLinClrLst/>
+    <dgm:txFillClrLst meth="repeat">
+      <a:schemeClr val="dk1"/>
+    </dgm:txFillClrLst>
+    <dgm:txEffectClrLst/>
+  </dgm:styleLbl>
+  <dgm:styleLbl name="solidAlignAcc1">
+    <dgm:fillClrLst meth="repeat">
+      <a:schemeClr val="lt1"/>
+    </dgm:fillClrLst>
+    <dgm:linClrLst meth="repeat">
+      <a:schemeClr val="accent1"/>
+    </dgm:linClrLst>
+    <dgm:effectClrLst/>
+    <dgm:txLinClrLst/>
+    <dgm:txFillClrLst meth="repeat">
+      <a:schemeClr val="dk1"/>
+    </dgm:txFillClrLst>
+    <dgm:txEffectClrLst/>
+  </dgm:styleLbl>
+  <dgm:styleLbl name="solidBgAcc1">
+    <dgm:fillClrLst meth="repeat">
+      <a:schemeClr val="lt1"/>
+    </dgm:fillClrLst>
+    <dgm:linClrLst meth="repeat">
+      <a:schemeClr val="accent1"/>
+    </dgm:linClrLst>
+    <dgm:effectClrLst/>
+    <dgm:txLinClrLst/>
+    <dgm:txFillClrLst meth="repeat">
+      <a:schemeClr val="dk1"/>
+    </dgm:txFillClrLst>
+    <dgm:txEffectClrLst/>
+  </dgm:styleLbl>
+  <dgm:styleLbl name="fgAccFollowNode1">
+    <dgm:fillClrLst meth="repeat">
+      <a:schemeClr val="accent1">
+        <a:alpha val="90000"/>
+        <a:tint val="40000"/>
+      </a:schemeClr>
+    </dgm:fillClrLst>
+    <dgm:linClrLst meth="repeat">
+      <a:schemeClr val="accent1">
+        <a:alpha val="90000"/>
+        <a:tint val="40000"/>
+      </a:schemeClr>
+    </dgm:linClrLst>
+    <dgm:effectClrLst/>
+    <dgm:txLinClrLst/>
+    <dgm:txFillClrLst meth="repeat">
+      <a:schemeClr val="dk1"/>
+    </dgm:txFillClrLst>
+    <dgm:txEffectClrLst/>
+  </dgm:styleLbl>
+  <dgm:styleLbl name="alignAccFollowNode1">
+    <dgm:fillClrLst meth="repeat">
+      <a:schemeClr val="accent1">
+        <a:alpha val="90000"/>
+        <a:tint val="40000"/>
+      </a:schemeClr>
+    </dgm:fillClrLst>
+    <dgm:linClrLst meth="repeat">
+      <a:schemeClr val="accent1">
+        <a:alpha val="90000"/>
+        <a:tint val="40000"/>
+      </a:schemeClr>
+    </dgm:linClrLst>
+    <dgm:effectClrLst/>
+    <dgm:txLinClrLst/>
+    <dgm:txFillClrLst meth="repeat">
+      <a:schemeClr val="dk1"/>
+    </dgm:txFillClrLst>
+    <dgm:txEffectClrLst/>
+  </dgm:styleLbl>
+  <dgm:styleLbl name="bgAccFollowNode1">
+    <dgm:fillClrLst meth="repeat">
+      <a:schemeClr val="accent1">
+        <a:alpha val="90000"/>
+        <a:tint val="40000"/>
+      </a:schemeClr>
+    </dgm:fillClrLst>
+    <dgm:linClrLst meth="repeat">
+      <a:schemeClr val="accent1">
+        <a:alpha val="90000"/>
+        <a:tint val="40000"/>
+      </a:schemeClr>
+    </dgm:linClrLst>
+    <dgm:effectClrLst/>
+    <dgm:txLinClrLst/>
+    <dgm:txFillClrLst meth="repeat">
+      <a:schemeClr val="dk1"/>
+    </dgm:txFillClrLst>
+    <dgm:txEffectClrLst/>
+  </dgm:styleLbl>
+  <dgm:styleLbl name="fgAcc0">
+    <dgm:fillClrLst meth="repeat">
+      <a:schemeClr val="lt1">
+        <a:alpha val="90000"/>
+      </a:schemeClr>
+    </dgm:fillClrLst>
+    <dgm:linClrLst meth="repeat">
+      <a:schemeClr val="accent1"/>
+    </dgm:linClrLst>
+    <dgm:effectClrLst/>
+    <dgm:txLinClrLst/>
+    <dgm:txFillClrLst meth="repeat">
+      <a:schemeClr val="dk1"/>
+    </dgm:txFillClrLst>
+    <dgm:txEffectClrLst/>
+  </dgm:styleLbl>
+  <dgm:styleLbl name="fgAcc2">
+    <dgm:fillClrLst meth="repeat">
+      <a:schemeClr val="lt1">
+        <a:alpha val="90000"/>
+      </a:schemeClr>
+    </dgm:fillClrLst>
+    <dgm:linClrLst meth="repeat">
+      <a:schemeClr val="accent1"/>
+    </dgm:linClrLst>
+    <dgm:effectClrLst/>
+    <dgm:txLinClrLst/>
+    <dgm:txFillClrLst meth="repeat">
+      <a:schemeClr val="dk1"/>
+    </dgm:txFillClrLst>
+    <dgm:txEffectClrLst/>
+  </dgm:styleLbl>
+  <dgm:styleLbl name="fgAcc3">
+    <dgm:fillClrLst meth="repeat">
+      <a:schemeClr val="lt1">
+        <a:alpha val="90000"/>
+      </a:schemeClr>
+    </dgm:fillClrLst>
+    <dgm:linClrLst meth="repeat">
+      <a:schemeClr val="accent1"/>
+    </dgm:linClrLst>
+    <dgm:effectClrLst/>
+    <dgm:txLinClrLst/>
+    <dgm:txFillClrLst meth="repeat">
+      <a:schemeClr val="dk1"/>
+    </dgm:txFillClrLst>
+    <dgm:txEffectClrLst/>
+  </dgm:styleLbl>
+  <dgm:styleLbl name="fgAcc4">
+    <dgm:fillClrLst meth="repeat">
+      <a:schemeClr val="lt1">
+        <a:alpha val="90000"/>
+      </a:schemeClr>
+    </dgm:fillClrLst>
+    <dgm:linClrLst meth="repeat">
+      <a:schemeClr val="accent1"/>
+    </dgm:linClrLst>
+    <dgm:effectClrLst/>
+    <dgm:txLinClrLst/>
+    <dgm:txFillClrLst meth="repeat">
+      <a:schemeClr val="dk1"/>
+    </dgm:txFillClrLst>
+    <dgm:txEffectClrLst/>
+  </dgm:styleLbl>
+  <dgm:styleLbl name="bgShp">
+    <dgm:fillClrLst meth="repeat">
+      <a:schemeClr val="accent1">
+        <a:tint val="40000"/>
+      </a:schemeClr>
+    </dgm:fillClrLst>
+    <dgm:linClrLst meth="repeat">
+      <a:schemeClr val="accent1"/>
+    </dgm:linClrLst>
+    <dgm:effectClrLst/>
+    <dgm:txLinClrLst/>
+    <dgm:txFillClrLst meth="repeat">
+      <a:schemeClr val="dk1"/>
+    </dgm:txFillClrLst>
+    <dgm:txEffectClrLst/>
+  </dgm:styleLbl>
+  <dgm:styleLbl name="dkBgShp">
+    <dgm:fillClrLst meth="repeat">
+      <a:schemeClr val="accent1">
+        <a:shade val="80000"/>
+      </a:schemeClr>
+    </dgm:fillClrLst>
+    <dgm:linClrLst meth="repeat">
+      <a:schemeClr val="accent1"/>
+    </dgm:linClrLst>
+    <dgm:effectClrLst/>
+    <dgm:txLinClrLst/>
+    <dgm:txFillClrLst meth="repeat">
+      <a:schemeClr val="lt1"/>
+    </dgm:txFillClrLst>
+    <dgm:txEffectClrLst/>
+  </dgm:styleLbl>
+  <dgm:styleLbl name="trBgShp">
+    <dgm:fillClrLst meth="repeat">
+      <a:schemeClr val="accent1">
+        <a:tint val="50000"/>
+        <a:alpha val="40000"/>
+      </a:schemeClr>
+    </dgm:fillClrLst>
+    <dgm:linClrLst meth="repeat">
+      <a:schemeClr val="accent1"/>
+    </dgm:linClrLst>
+    <dgm:effectClrLst/>
+    <dgm:txLinClrLst/>
+    <dgm:txFillClrLst meth="repeat">
+      <a:schemeClr val="lt1"/>
+    </dgm:txFillClrLst>
+    <dgm:txEffectClrLst/>
+  </dgm:styleLbl>
+  <dgm:styleLbl name="fgShp">
+    <dgm:fillClrLst meth="repeat">
+      <a:schemeClr val="accent1">
+        <a:tint val="60000"/>
+      </a:schemeClr>
+    </dgm:fillClrLst>
+    <dgm:linClrLst meth="repeat">
+      <a:schemeClr val="lt1"/>
+    </dgm:linClrLst>
+    <dgm:effectClrLst/>
+    <dgm:txLinClrLst/>
+    <dgm:txFillClrLst meth="repeat">
+      <a:schemeClr val="dk1"/>
+    </dgm:txFillClrLst>
+    <dgm:txEffectClrLst/>
+  </dgm:styleLbl>
+  <dgm:styleLbl name="revTx">
+    <dgm:fillClrLst meth="repeat">
+      <a:schemeClr val="lt1">
+        <a:alpha val="0"/>
+      </a:schemeClr>
+    </dgm:fillClrLst>
+    <dgm:linClrLst meth="repeat">
+      <a:schemeClr val="dk1">
+        <a:alpha val="0"/>
+      </a:schemeClr>
+    </dgm:linClrLst>
+    <dgm:effectClrLst/>
+    <dgm:txLinClrLst/>
+    <dgm:txFillClrLst meth="repeat">
+      <a:schemeClr val="tx1"/>
+    </dgm:txFillClrLst>
+    <dgm:txEffectClrLst/>
+  </dgm:styleLbl>
+</dgm:colorsDef>
+</file>
+
 <file path=ppt/diagrams/colors2.xml><?xml version="1.0" encoding="utf-8"?>
 <dgm:colorsDef xmlns:dgm="http://schemas.openxmlformats.org/drawingml/2006/diagram" xmlns:a="http://schemas.openxmlformats.org/drawingml/2006/main" uniqueId="urn:microsoft.com/office/officeart/2005/8/colors/accent1_2">
   <dgm:title val=""/>
@@ -6857,6 +7605,286 @@
 </file>
 
 <file path=ppt/diagrams/data1.xml><?xml version="1.0" encoding="utf-8"?>
+<dgm:dataModel xmlns:dgm="http://schemas.openxmlformats.org/drawingml/2006/diagram" xmlns:a="http://schemas.openxmlformats.org/drawingml/2006/main">
+  <dgm:ptLst>
+    <dgm:pt modelId="{25FDADB5-6EA3-4B5C-92F0-3CECD4C5E025}" type="doc">
+      <dgm:prSet loTypeId="urn:microsoft.com/office/officeart/2005/8/layout/vList2" loCatId="list" qsTypeId="urn:microsoft.com/office/officeart/2005/8/quickstyle/simple1" qsCatId="simple" csTypeId="urn:microsoft.com/office/officeart/2005/8/colors/accent1_2" csCatId="accent1" phldr="1"/>
+      <dgm:spPr/>
+      <dgm:t>
+        <a:bodyPr/>
+        <a:lstStyle/>
+        <a:p>
+          <a:endParaRPr lang="fr-FR"/>
+        </a:p>
+      </dgm:t>
+    </dgm:pt>
+    <dgm:pt modelId="{4C1A6729-0A00-4223-95CD-105F33F523F4}">
+      <dgm:prSet/>
+      <dgm:spPr/>
+      <dgm:t>
+        <a:bodyPr/>
+        <a:lstStyle/>
+        <a:p>
+          <a:r>
+            <a:rPr lang="en-GB" dirty="0"/>
+            <a:t>JavaScript + BS5 To-do App Project</a:t>
+          </a:r>
+          <a:endParaRPr lang="fr-FR" dirty="0"/>
+        </a:p>
+      </dgm:t>
+    </dgm:pt>
+    <dgm:pt modelId="{D4FFE73A-4FC5-432B-A857-42B4E513B27F}" type="parTrans" cxnId="{90470927-215A-4F12-8C3D-B08C68B14560}">
+      <dgm:prSet/>
+      <dgm:spPr/>
+      <dgm:t>
+        <a:bodyPr/>
+        <a:lstStyle/>
+        <a:p>
+          <a:endParaRPr lang="fr-FR"/>
+        </a:p>
+      </dgm:t>
+    </dgm:pt>
+    <dgm:pt modelId="{7D2CD819-BFF6-4299-9790-0B04C0925FAF}" type="sibTrans" cxnId="{90470927-215A-4F12-8C3D-B08C68B14560}">
+      <dgm:prSet/>
+      <dgm:spPr/>
+      <dgm:t>
+        <a:bodyPr/>
+        <a:lstStyle/>
+        <a:p>
+          <a:endParaRPr lang="fr-FR"/>
+        </a:p>
+      </dgm:t>
+    </dgm:pt>
+    <dgm:pt modelId="{6B456928-3541-4B31-B850-BB558CE84C15}">
+      <dgm:prSet/>
+      <dgm:spPr/>
+      <dgm:t>
+        <a:bodyPr/>
+        <a:lstStyle/>
+        <a:p>
+          <a:r>
+            <a:rPr lang="en-GB" dirty="0"/>
+            <a:t>Questions</a:t>
+          </a:r>
+          <a:endParaRPr lang="fr-FR" dirty="0"/>
+        </a:p>
+      </dgm:t>
+    </dgm:pt>
+    <dgm:pt modelId="{A0FC3258-6342-4AD5-ADBB-3AE1207EC263}" type="parTrans" cxnId="{C9201D2D-9392-47DB-9603-81224A8740AE}">
+      <dgm:prSet/>
+      <dgm:spPr/>
+      <dgm:t>
+        <a:bodyPr/>
+        <a:lstStyle/>
+        <a:p>
+          <a:endParaRPr lang="fr-FR"/>
+        </a:p>
+      </dgm:t>
+    </dgm:pt>
+    <dgm:pt modelId="{8964D7B6-AEBC-4415-98A0-BA0DA4CDEE61}" type="sibTrans" cxnId="{C9201D2D-9392-47DB-9603-81224A8740AE}">
+      <dgm:prSet/>
+      <dgm:spPr/>
+      <dgm:t>
+        <a:bodyPr/>
+        <a:lstStyle/>
+        <a:p>
+          <a:endParaRPr lang="fr-FR"/>
+        </a:p>
+      </dgm:t>
+    </dgm:pt>
+    <dgm:pt modelId="{05DCD8A6-0DCB-4331-A7D0-9A7C3390D281}">
+      <dgm:prSet/>
+      <dgm:spPr/>
+      <dgm:t>
+        <a:bodyPr/>
+        <a:lstStyle/>
+        <a:p>
+          <a:r>
+            <a:rPr lang="en-GB"/>
+            <a:t>JavaScript Foundation</a:t>
+          </a:r>
+          <a:endParaRPr lang="fr-FR" dirty="0"/>
+        </a:p>
+      </dgm:t>
+    </dgm:pt>
+    <dgm:pt modelId="{E477B76A-BBDF-4E7E-92E8-7B9FDD76D4DD}" type="parTrans" cxnId="{D4A3F91A-154B-4EC0-A780-F104C5C7758F}">
+      <dgm:prSet/>
+      <dgm:spPr/>
+      <dgm:t>
+        <a:bodyPr/>
+        <a:lstStyle/>
+        <a:p>
+          <a:endParaRPr lang="fr-FR"/>
+        </a:p>
+      </dgm:t>
+    </dgm:pt>
+    <dgm:pt modelId="{110578ED-D7AF-434E-9F52-464B2FAE15F4}" type="sibTrans" cxnId="{D4A3F91A-154B-4EC0-A780-F104C5C7758F}">
+      <dgm:prSet/>
+      <dgm:spPr/>
+      <dgm:t>
+        <a:bodyPr/>
+        <a:lstStyle/>
+        <a:p>
+          <a:endParaRPr lang="fr-FR"/>
+        </a:p>
+      </dgm:t>
+    </dgm:pt>
+    <dgm:pt modelId="{1318305E-4CFE-4DB3-B72C-F8BD8D2C5C77}" type="pres">
+      <dgm:prSet presAssocID="{25FDADB5-6EA3-4B5C-92F0-3CECD4C5E025}" presName="linear" presStyleCnt="0">
+        <dgm:presLayoutVars>
+          <dgm:animLvl val="lvl"/>
+          <dgm:resizeHandles val="exact"/>
+        </dgm:presLayoutVars>
+      </dgm:prSet>
+      <dgm:spPr/>
+    </dgm:pt>
+    <dgm:pt modelId="{9638B654-BED5-44DA-B9B7-60B750D90537}" type="pres">
+      <dgm:prSet presAssocID="{05DCD8A6-0DCB-4331-A7D0-9A7C3390D281}" presName="parentText" presStyleLbl="node1" presStyleIdx="0" presStyleCnt="3">
+        <dgm:presLayoutVars>
+          <dgm:chMax val="0"/>
+          <dgm:bulletEnabled val="1"/>
+        </dgm:presLayoutVars>
+      </dgm:prSet>
+      <dgm:spPr/>
+    </dgm:pt>
+    <dgm:pt modelId="{6657BDE4-ED31-4E6E-A003-362B65FF9530}" type="pres">
+      <dgm:prSet presAssocID="{110578ED-D7AF-434E-9F52-464B2FAE15F4}" presName="spacer" presStyleCnt="0"/>
+      <dgm:spPr/>
+    </dgm:pt>
+    <dgm:pt modelId="{3A7A5CE4-1104-4199-99C9-4D1595864D11}" type="pres">
+      <dgm:prSet presAssocID="{4C1A6729-0A00-4223-95CD-105F33F523F4}" presName="parentText" presStyleLbl="node1" presStyleIdx="1" presStyleCnt="3">
+        <dgm:presLayoutVars>
+          <dgm:chMax val="0"/>
+          <dgm:bulletEnabled val="1"/>
+        </dgm:presLayoutVars>
+      </dgm:prSet>
+      <dgm:spPr/>
+    </dgm:pt>
+    <dgm:pt modelId="{93FB897C-AE88-4BD7-9670-19B5DF62B1C6}" type="pres">
+      <dgm:prSet presAssocID="{7D2CD819-BFF6-4299-9790-0B04C0925FAF}" presName="spacer" presStyleCnt="0"/>
+      <dgm:spPr/>
+    </dgm:pt>
+    <dgm:pt modelId="{89976BB1-322B-4A27-B680-FCA615CCF343}" type="pres">
+      <dgm:prSet presAssocID="{6B456928-3541-4B31-B850-BB558CE84C15}" presName="parentText" presStyleLbl="node1" presStyleIdx="2" presStyleCnt="3">
+        <dgm:presLayoutVars>
+          <dgm:chMax val="0"/>
+          <dgm:bulletEnabled val="1"/>
+        </dgm:presLayoutVars>
+      </dgm:prSet>
+      <dgm:spPr/>
+    </dgm:pt>
+  </dgm:ptLst>
+  <dgm:cxnLst>
+    <dgm:cxn modelId="{D4A3F91A-154B-4EC0-A780-F104C5C7758F}" srcId="{25FDADB5-6EA3-4B5C-92F0-3CECD4C5E025}" destId="{05DCD8A6-0DCB-4331-A7D0-9A7C3390D281}" srcOrd="0" destOrd="0" parTransId="{E477B76A-BBDF-4E7E-92E8-7B9FDD76D4DD}" sibTransId="{110578ED-D7AF-434E-9F52-464B2FAE15F4}"/>
+    <dgm:cxn modelId="{90470927-215A-4F12-8C3D-B08C68B14560}" srcId="{25FDADB5-6EA3-4B5C-92F0-3CECD4C5E025}" destId="{4C1A6729-0A00-4223-95CD-105F33F523F4}" srcOrd="1" destOrd="0" parTransId="{D4FFE73A-4FC5-432B-A857-42B4E513B27F}" sibTransId="{7D2CD819-BFF6-4299-9790-0B04C0925FAF}"/>
+    <dgm:cxn modelId="{C9201D2D-9392-47DB-9603-81224A8740AE}" srcId="{25FDADB5-6EA3-4B5C-92F0-3CECD4C5E025}" destId="{6B456928-3541-4B31-B850-BB558CE84C15}" srcOrd="2" destOrd="0" parTransId="{A0FC3258-6342-4AD5-ADBB-3AE1207EC263}" sibTransId="{8964D7B6-AEBC-4415-98A0-BA0DA4CDEE61}"/>
+    <dgm:cxn modelId="{23448041-E4E8-4118-9EA8-19CADA2575C4}" type="presOf" srcId="{25FDADB5-6EA3-4B5C-92F0-3CECD4C5E025}" destId="{1318305E-4CFE-4DB3-B72C-F8BD8D2C5C77}" srcOrd="0" destOrd="0" presId="urn:microsoft.com/office/officeart/2005/8/layout/vList2"/>
+    <dgm:cxn modelId="{8D846678-001E-4005-85FD-A7B09BCAFCE0}" type="presOf" srcId="{4C1A6729-0A00-4223-95CD-105F33F523F4}" destId="{3A7A5CE4-1104-4199-99C9-4D1595864D11}" srcOrd="0" destOrd="0" presId="urn:microsoft.com/office/officeart/2005/8/layout/vList2"/>
+    <dgm:cxn modelId="{AA5339C9-4B15-4B19-A1EC-7FA9E5D509F6}" type="presOf" srcId="{6B456928-3541-4B31-B850-BB558CE84C15}" destId="{89976BB1-322B-4A27-B680-FCA615CCF343}" srcOrd="0" destOrd="0" presId="urn:microsoft.com/office/officeart/2005/8/layout/vList2"/>
+    <dgm:cxn modelId="{5F532BD4-2221-40BE-ADCA-78C44201B81A}" type="presOf" srcId="{05DCD8A6-0DCB-4331-A7D0-9A7C3390D281}" destId="{9638B654-BED5-44DA-B9B7-60B750D90537}" srcOrd="0" destOrd="0" presId="urn:microsoft.com/office/officeart/2005/8/layout/vList2"/>
+    <dgm:cxn modelId="{34030FAC-C89C-4770-BD5F-CDFEF8E88954}" type="presParOf" srcId="{1318305E-4CFE-4DB3-B72C-F8BD8D2C5C77}" destId="{9638B654-BED5-44DA-B9B7-60B750D90537}" srcOrd="0" destOrd="0" presId="urn:microsoft.com/office/officeart/2005/8/layout/vList2"/>
+    <dgm:cxn modelId="{C0A3596E-1A4E-4050-9F53-2649BEE9C906}" type="presParOf" srcId="{1318305E-4CFE-4DB3-B72C-F8BD8D2C5C77}" destId="{6657BDE4-ED31-4E6E-A003-362B65FF9530}" srcOrd="1" destOrd="0" presId="urn:microsoft.com/office/officeart/2005/8/layout/vList2"/>
+    <dgm:cxn modelId="{3315E2E3-52A3-4ABD-8EBA-A0521106C75E}" type="presParOf" srcId="{1318305E-4CFE-4DB3-B72C-F8BD8D2C5C77}" destId="{3A7A5CE4-1104-4199-99C9-4D1595864D11}" srcOrd="2" destOrd="0" presId="urn:microsoft.com/office/officeart/2005/8/layout/vList2"/>
+    <dgm:cxn modelId="{E01AB41F-3F0D-4F76-B880-E89057D063FC}" type="presParOf" srcId="{1318305E-4CFE-4DB3-B72C-F8BD8D2C5C77}" destId="{93FB897C-AE88-4BD7-9670-19B5DF62B1C6}" srcOrd="3" destOrd="0" presId="urn:microsoft.com/office/officeart/2005/8/layout/vList2"/>
+    <dgm:cxn modelId="{A31F42D6-AE32-42A2-86BA-E63123C46304}" type="presParOf" srcId="{1318305E-4CFE-4DB3-B72C-F8BD8D2C5C77}" destId="{89976BB1-322B-4A27-B680-FCA615CCF343}" srcOrd="4" destOrd="0" presId="urn:microsoft.com/office/officeart/2005/8/layout/vList2"/>
+  </dgm:cxnLst>
+  <dgm:bg/>
+  <dgm:whole/>
+  <dgm:extLst>
+    <a:ext uri="http://schemas.microsoft.com/office/drawing/2008/diagram">
+      <dsp:dataModelExt xmlns:dsp="http://schemas.microsoft.com/office/drawing/2008/diagram" relId="rId6" minVer="http://schemas.openxmlformats.org/drawingml/2006/diagram"/>
+    </a:ext>
+  </dgm:extLst>
+</dgm:dataModel>
+</file>
+
+<file path=ppt/diagrams/data10.xml><?xml version="1.0" encoding="utf-8"?>
+<dgm:dataModel xmlns:dgm="http://schemas.openxmlformats.org/drawingml/2006/diagram" xmlns:a="http://schemas.openxmlformats.org/drawingml/2006/main">
+  <dgm:ptLst>
+    <dgm:pt modelId="{76C30ABF-8A6D-4F6B-95E0-421246929C1E}" type="doc">
+      <dgm:prSet loTypeId="urn:microsoft.com/office/officeart/2005/8/layout/vList2" loCatId="list" qsTypeId="urn:microsoft.com/office/officeart/2005/8/quickstyle/simple1" qsCatId="simple" csTypeId="urn:microsoft.com/office/officeart/2005/8/colors/accent1_2" csCatId="accent1" phldr="1"/>
+      <dgm:spPr/>
+      <dgm:t>
+        <a:bodyPr/>
+        <a:lstStyle/>
+        <a:p>
+          <a:endParaRPr lang="fr-FR"/>
+        </a:p>
+      </dgm:t>
+    </dgm:pt>
+    <dgm:pt modelId="{0FDA098E-6A04-4318-ADEB-EE65C51D2D65}">
+      <dgm:prSet/>
+      <dgm:spPr/>
+      <dgm:t>
+        <a:bodyPr/>
+        <a:lstStyle/>
+        <a:p>
+          <a:r>
+            <a:rPr lang="en-US" b="0" i="0" dirty="0"/>
+            <a:t>An event listener is added to the to listen for click events.</a:t>
+          </a:r>
+          <a:endParaRPr lang="fr-FR" dirty="0"/>
+        </a:p>
+      </dgm:t>
+    </dgm:pt>
+    <dgm:pt modelId="{76B59040-A84F-41C4-85F9-D20540276BDA}" type="parTrans" cxnId="{77E207E3-6192-4833-991B-F75AB23CDB93}">
+      <dgm:prSet/>
+      <dgm:spPr/>
+      <dgm:t>
+        <a:bodyPr/>
+        <a:lstStyle/>
+        <a:p>
+          <a:endParaRPr lang="fr-FR"/>
+        </a:p>
+      </dgm:t>
+    </dgm:pt>
+    <dgm:pt modelId="{CF5BB242-B880-4731-B0A5-FC36E471CE1D}" type="sibTrans" cxnId="{77E207E3-6192-4833-991B-F75AB23CDB93}">
+      <dgm:prSet/>
+      <dgm:spPr/>
+      <dgm:t>
+        <a:bodyPr/>
+        <a:lstStyle/>
+        <a:p>
+          <a:endParaRPr lang="fr-FR"/>
+        </a:p>
+      </dgm:t>
+    </dgm:pt>
+    <dgm:pt modelId="{3C7D40A0-C208-4B0E-8A58-982B43EA604D}" type="pres">
+      <dgm:prSet presAssocID="{76C30ABF-8A6D-4F6B-95E0-421246929C1E}" presName="linear" presStyleCnt="0">
+        <dgm:presLayoutVars>
+          <dgm:animLvl val="lvl"/>
+          <dgm:resizeHandles val="exact"/>
+        </dgm:presLayoutVars>
+      </dgm:prSet>
+      <dgm:spPr/>
+    </dgm:pt>
+    <dgm:pt modelId="{BF00494C-7DE8-4B85-852A-7DFDC9DE1D67}" type="pres">
+      <dgm:prSet presAssocID="{0FDA098E-6A04-4318-ADEB-EE65C51D2D65}" presName="parentText" presStyleLbl="node1" presStyleIdx="0" presStyleCnt="1" custScaleY="38869" custLinFactNeighborY="-11565">
+        <dgm:presLayoutVars>
+          <dgm:chMax val="0"/>
+          <dgm:bulletEnabled val="1"/>
+        </dgm:presLayoutVars>
+      </dgm:prSet>
+      <dgm:spPr/>
+    </dgm:pt>
+  </dgm:ptLst>
+  <dgm:cxnLst>
+    <dgm:cxn modelId="{ABB25419-F0CB-471A-9141-5FD10C419A7E}" type="presOf" srcId="{0FDA098E-6A04-4318-ADEB-EE65C51D2D65}" destId="{BF00494C-7DE8-4B85-852A-7DFDC9DE1D67}" srcOrd="0" destOrd="0" presId="urn:microsoft.com/office/officeart/2005/8/layout/vList2"/>
+    <dgm:cxn modelId="{7771BD85-98AC-4958-8231-51EA63E99726}" type="presOf" srcId="{76C30ABF-8A6D-4F6B-95E0-421246929C1E}" destId="{3C7D40A0-C208-4B0E-8A58-982B43EA604D}" srcOrd="0" destOrd="0" presId="urn:microsoft.com/office/officeart/2005/8/layout/vList2"/>
+    <dgm:cxn modelId="{77E207E3-6192-4833-991B-F75AB23CDB93}" srcId="{76C30ABF-8A6D-4F6B-95E0-421246929C1E}" destId="{0FDA098E-6A04-4318-ADEB-EE65C51D2D65}" srcOrd="0" destOrd="0" parTransId="{76B59040-A84F-41C4-85F9-D20540276BDA}" sibTransId="{CF5BB242-B880-4731-B0A5-FC36E471CE1D}"/>
+    <dgm:cxn modelId="{374EBCCF-6FA3-45AE-B83A-43B150871B92}" type="presParOf" srcId="{3C7D40A0-C208-4B0E-8A58-982B43EA604D}" destId="{BF00494C-7DE8-4B85-852A-7DFDC9DE1D67}" srcOrd="0" destOrd="0" presId="urn:microsoft.com/office/officeart/2005/8/layout/vList2"/>
+  </dgm:cxnLst>
+  <dgm:bg/>
+  <dgm:whole/>
+  <dgm:extLst>
+    <a:ext uri="http://schemas.microsoft.com/office/drawing/2008/diagram">
+      <dsp:dataModelExt xmlns:dsp="http://schemas.microsoft.com/office/drawing/2008/diagram" relId="rId6" minVer="http://schemas.openxmlformats.org/drawingml/2006/diagram"/>
+    </a:ext>
+  </dgm:extLst>
+</dgm:dataModel>
+</file>
+
+<file path=ppt/diagrams/data2.xml><?xml version="1.0" encoding="utf-8"?>
 <dgm:dataModel xmlns:dgm="http://schemas.openxmlformats.org/drawingml/2006/diagram" xmlns:a="http://schemas.openxmlformats.org/drawingml/2006/main">
   <dgm:ptLst>
     <dgm:pt modelId="{76C30ABF-8A6D-4F6B-95E0-421246929C1E}" type="doc">
@@ -7039,7 +8067,7 @@
 </dgm:dataModel>
 </file>
 
-<file path=ppt/diagrams/data2.xml><?xml version="1.0" encoding="utf-8"?>
+<file path=ppt/diagrams/data3.xml><?xml version="1.0" encoding="utf-8"?>
 <dgm:dataModel xmlns:dgm="http://schemas.openxmlformats.org/drawingml/2006/diagram" xmlns:a="http://schemas.openxmlformats.org/drawingml/2006/main">
   <dgm:ptLst>
     <dgm:pt modelId="{76C30ABF-8A6D-4F6B-95E0-421246929C1E}" type="doc">
@@ -7129,7 +8157,7 @@
 </dgm:dataModel>
 </file>
 
-<file path=ppt/diagrams/data3.xml><?xml version="1.0" encoding="utf-8"?>
+<file path=ppt/diagrams/data4.xml><?xml version="1.0" encoding="utf-8"?>
 <dgm:dataModel xmlns:dgm="http://schemas.openxmlformats.org/drawingml/2006/diagram" xmlns:a="http://schemas.openxmlformats.org/drawingml/2006/main">
   <dgm:ptLst>
     <dgm:pt modelId="{76C30ABF-8A6D-4F6B-95E0-421246929C1E}" type="doc">
@@ -7267,7 +8295,7 @@
 </dgm:dataModel>
 </file>
 
-<file path=ppt/diagrams/data4.xml><?xml version="1.0" encoding="utf-8"?>
+<file path=ppt/diagrams/data5.xml><?xml version="1.0" encoding="utf-8"?>
 <dgm:dataModel xmlns:dgm="http://schemas.openxmlformats.org/drawingml/2006/diagram" xmlns:a="http://schemas.openxmlformats.org/drawingml/2006/main">
   <dgm:ptLst>
     <dgm:pt modelId="{76C30ABF-8A6D-4F6B-95E0-421246929C1E}" type="doc">
@@ -7401,7 +8429,7 @@
 </dgm:dataModel>
 </file>
 
-<file path=ppt/diagrams/data5.xml><?xml version="1.0" encoding="utf-8"?>
+<file path=ppt/diagrams/data6.xml><?xml version="1.0" encoding="utf-8"?>
 <dgm:dataModel xmlns:dgm="http://schemas.openxmlformats.org/drawingml/2006/diagram" xmlns:a="http://schemas.openxmlformats.org/drawingml/2006/main">
   <dgm:ptLst>
     <dgm:pt modelId="{76C30ABF-8A6D-4F6B-95E0-421246929C1E}" type="doc">
@@ -7555,7 +8583,7 @@
 </dgm:dataModel>
 </file>
 
-<file path=ppt/diagrams/data6.xml><?xml version="1.0" encoding="utf-8"?>
+<file path=ppt/diagrams/data7.xml><?xml version="1.0" encoding="utf-8"?>
 <dgm:dataModel xmlns:dgm="http://schemas.openxmlformats.org/drawingml/2006/diagram" xmlns:a="http://schemas.openxmlformats.org/drawingml/2006/main">
   <dgm:ptLst>
     <dgm:pt modelId="{76C30ABF-8A6D-4F6B-95E0-421246929C1E}" type="doc">
@@ -7709,7 +8737,7 @@
 </dgm:dataModel>
 </file>
 
-<file path=ppt/diagrams/data7.xml><?xml version="1.0" encoding="utf-8"?>
+<file path=ppt/diagrams/data8.xml><?xml version="1.0" encoding="utf-8"?>
 <dgm:dataModel xmlns:dgm="http://schemas.openxmlformats.org/drawingml/2006/diagram" xmlns:a="http://schemas.openxmlformats.org/drawingml/2006/main">
   <dgm:ptLst>
     <dgm:pt modelId="{76C30ABF-8A6D-4F6B-95E0-421246929C1E}" type="doc">
@@ -7903,7 +8931,7 @@
 </dgm:dataModel>
 </file>
 
-<file path=ppt/diagrams/data8.xml><?xml version="1.0" encoding="utf-8"?>
+<file path=ppt/diagrams/data9.xml><?xml version="1.0" encoding="utf-8"?>
 <dgm:dataModel xmlns:dgm="http://schemas.openxmlformats.org/drawingml/2006/diagram" xmlns:a="http://schemas.openxmlformats.org/drawingml/2006/main">
   <dgm:ptLst>
     <dgm:pt modelId="{76C30ABF-8A6D-4F6B-95E0-421246929C1E}" type="doc">
@@ -7989,93 +9017,343 @@
 </dgm:dataModel>
 </file>
 
-<file path=ppt/diagrams/data9.xml><?xml version="1.0" encoding="utf-8"?>
-<dgm:dataModel xmlns:dgm="http://schemas.openxmlformats.org/drawingml/2006/diagram" xmlns:a="http://schemas.openxmlformats.org/drawingml/2006/main">
-  <dgm:ptLst>
-    <dgm:pt modelId="{76C30ABF-8A6D-4F6B-95E0-421246929C1E}" type="doc">
-      <dgm:prSet loTypeId="urn:microsoft.com/office/officeart/2005/8/layout/vList2" loCatId="list" qsTypeId="urn:microsoft.com/office/officeart/2005/8/quickstyle/simple1" qsCatId="simple" csTypeId="urn:microsoft.com/office/officeart/2005/8/colors/accent1_2" csCatId="accent1" phldr="1"/>
-      <dgm:spPr/>
-      <dgm:t>
-        <a:bodyPr/>
+<file path=ppt/diagrams/drawing1.xml><?xml version="1.0" encoding="utf-8"?>
+<dsp:drawing xmlns:dgm="http://schemas.openxmlformats.org/drawingml/2006/diagram" xmlns:dsp="http://schemas.microsoft.com/office/drawing/2008/diagram" xmlns:a="http://schemas.openxmlformats.org/drawingml/2006/main">
+  <dsp:spTree>
+    <dsp:nvGrpSpPr>
+      <dsp:cNvPr id="0" name=""/>
+      <dsp:cNvGrpSpPr/>
+    </dsp:nvGrpSpPr>
+    <dsp:grpSpPr/>
+    <dsp:sp modelId="{9638B654-BED5-44DA-B9B7-60B750D90537}">
+      <dsp:nvSpPr>
+        <dsp:cNvPr id="0" name=""/>
+        <dsp:cNvSpPr/>
+      </dsp:nvSpPr>
+      <dsp:spPr>
+        <a:xfrm>
+          <a:off x="0" y="29947"/>
+          <a:ext cx="10058399" cy="1223235"/>
+        </a:xfrm>
+        <a:prstGeom prst="roundRect">
+          <a:avLst/>
+        </a:prstGeom>
+        <a:solidFill>
+          <a:schemeClr val="accent1">
+            <a:hueOff val="0"/>
+            <a:satOff val="0"/>
+            <a:lumOff val="0"/>
+            <a:alphaOff val="0"/>
+          </a:schemeClr>
+        </a:solidFill>
+        <a:ln w="15875" cap="flat" cmpd="sng" algn="ctr">
+          <a:solidFill>
+            <a:schemeClr val="lt1">
+              <a:hueOff val="0"/>
+              <a:satOff val="0"/>
+              <a:lumOff val="0"/>
+              <a:alphaOff val="0"/>
+            </a:schemeClr>
+          </a:solidFill>
+          <a:prstDash val="solid"/>
+        </a:ln>
+        <a:effectLst/>
+      </dsp:spPr>
+      <dsp:style>
+        <a:lnRef idx="2">
+          <a:scrgbClr r="0" g="0" b="0"/>
+        </a:lnRef>
+        <a:fillRef idx="1">
+          <a:scrgbClr r="0" g="0" b="0"/>
+        </a:fillRef>
+        <a:effectRef idx="0">
+          <a:scrgbClr r="0" g="0" b="0"/>
+        </a:effectRef>
+        <a:fontRef idx="minor">
+          <a:schemeClr val="lt1"/>
+        </a:fontRef>
+      </dsp:style>
+      <dsp:txBody>
+        <a:bodyPr spcFirstLastPara="0" vert="horz" wrap="square" lIns="194310" tIns="194310" rIns="194310" bIns="194310" numCol="1" spcCol="1270" anchor="ctr" anchorCtr="0">
+          <a:noAutofit/>
+        </a:bodyPr>
         <a:lstStyle/>
         <a:p>
-          <a:endParaRPr lang="fr-FR"/>
+          <a:pPr marL="0" lvl="0" indent="0" algn="l" defTabSz="2266950">
+            <a:lnSpc>
+              <a:spcPct val="90000"/>
+            </a:lnSpc>
+            <a:spcBef>
+              <a:spcPct val="0"/>
+            </a:spcBef>
+            <a:spcAft>
+              <a:spcPct val="35000"/>
+            </a:spcAft>
+            <a:buNone/>
+          </a:pPr>
+          <a:r>
+            <a:rPr lang="en-GB" sz="5100" kern="1200"/>
+            <a:t>JavaScript Foundation</a:t>
+          </a:r>
+          <a:endParaRPr lang="fr-FR" sz="5100" kern="1200" dirty="0"/>
         </a:p>
-      </dgm:t>
-    </dgm:pt>
-    <dgm:pt modelId="{0FDA098E-6A04-4318-ADEB-EE65C51D2D65}">
-      <dgm:prSet/>
-      <dgm:spPr/>
-      <dgm:t>
-        <a:bodyPr/>
+      </dsp:txBody>
+      <dsp:txXfrm>
+        <a:off x="59713" y="89660"/>
+        <a:ext cx="9938973" cy="1103809"/>
+      </dsp:txXfrm>
+    </dsp:sp>
+    <dsp:sp modelId="{3A7A5CE4-1104-4199-99C9-4D1595864D11}">
+      <dsp:nvSpPr>
+        <dsp:cNvPr id="0" name=""/>
+        <dsp:cNvSpPr/>
+      </dsp:nvSpPr>
+      <dsp:spPr>
+        <a:xfrm>
+          <a:off x="0" y="1400062"/>
+          <a:ext cx="10058399" cy="1223235"/>
+        </a:xfrm>
+        <a:prstGeom prst="roundRect">
+          <a:avLst/>
+        </a:prstGeom>
+        <a:solidFill>
+          <a:schemeClr val="accent1">
+            <a:hueOff val="0"/>
+            <a:satOff val="0"/>
+            <a:lumOff val="0"/>
+            <a:alphaOff val="0"/>
+          </a:schemeClr>
+        </a:solidFill>
+        <a:ln w="15875" cap="flat" cmpd="sng" algn="ctr">
+          <a:solidFill>
+            <a:schemeClr val="lt1">
+              <a:hueOff val="0"/>
+              <a:satOff val="0"/>
+              <a:lumOff val="0"/>
+              <a:alphaOff val="0"/>
+            </a:schemeClr>
+          </a:solidFill>
+          <a:prstDash val="solid"/>
+        </a:ln>
+        <a:effectLst/>
+      </dsp:spPr>
+      <dsp:style>
+        <a:lnRef idx="2">
+          <a:scrgbClr r="0" g="0" b="0"/>
+        </a:lnRef>
+        <a:fillRef idx="1">
+          <a:scrgbClr r="0" g="0" b="0"/>
+        </a:fillRef>
+        <a:effectRef idx="0">
+          <a:scrgbClr r="0" g="0" b="0"/>
+        </a:effectRef>
+        <a:fontRef idx="minor">
+          <a:schemeClr val="lt1"/>
+        </a:fontRef>
+      </dsp:style>
+      <dsp:txBody>
+        <a:bodyPr spcFirstLastPara="0" vert="horz" wrap="square" lIns="194310" tIns="194310" rIns="194310" bIns="194310" numCol="1" spcCol="1270" anchor="ctr" anchorCtr="0">
+          <a:noAutofit/>
+        </a:bodyPr>
         <a:lstStyle/>
         <a:p>
+          <a:pPr marL="0" lvl="0" indent="0" algn="l" defTabSz="2266950">
+            <a:lnSpc>
+              <a:spcPct val="90000"/>
+            </a:lnSpc>
+            <a:spcBef>
+              <a:spcPct val="0"/>
+            </a:spcBef>
+            <a:spcAft>
+              <a:spcPct val="35000"/>
+            </a:spcAft>
+            <a:buNone/>
+          </a:pPr>
           <a:r>
-            <a:rPr lang="en-US" b="0" i="0" dirty="0"/>
+            <a:rPr lang="en-GB" sz="5100" kern="1200" dirty="0"/>
+            <a:t>JavaScript + BS5 To-do App Project</a:t>
+          </a:r>
+          <a:endParaRPr lang="fr-FR" sz="5100" kern="1200" dirty="0"/>
+        </a:p>
+      </dsp:txBody>
+      <dsp:txXfrm>
+        <a:off x="59713" y="1459775"/>
+        <a:ext cx="9938973" cy="1103809"/>
+      </dsp:txXfrm>
+    </dsp:sp>
+    <dsp:sp modelId="{89976BB1-322B-4A27-B680-FCA615CCF343}">
+      <dsp:nvSpPr>
+        <dsp:cNvPr id="0" name=""/>
+        <dsp:cNvSpPr/>
+      </dsp:nvSpPr>
+      <dsp:spPr>
+        <a:xfrm>
+          <a:off x="0" y="2770177"/>
+          <a:ext cx="10058399" cy="1223235"/>
+        </a:xfrm>
+        <a:prstGeom prst="roundRect">
+          <a:avLst/>
+        </a:prstGeom>
+        <a:solidFill>
+          <a:schemeClr val="accent1">
+            <a:hueOff val="0"/>
+            <a:satOff val="0"/>
+            <a:lumOff val="0"/>
+            <a:alphaOff val="0"/>
+          </a:schemeClr>
+        </a:solidFill>
+        <a:ln w="15875" cap="flat" cmpd="sng" algn="ctr">
+          <a:solidFill>
+            <a:schemeClr val="lt1">
+              <a:hueOff val="0"/>
+              <a:satOff val="0"/>
+              <a:lumOff val="0"/>
+              <a:alphaOff val="0"/>
+            </a:schemeClr>
+          </a:solidFill>
+          <a:prstDash val="solid"/>
+        </a:ln>
+        <a:effectLst/>
+      </dsp:spPr>
+      <dsp:style>
+        <a:lnRef idx="2">
+          <a:scrgbClr r="0" g="0" b="0"/>
+        </a:lnRef>
+        <a:fillRef idx="1">
+          <a:scrgbClr r="0" g="0" b="0"/>
+        </a:fillRef>
+        <a:effectRef idx="0">
+          <a:scrgbClr r="0" g="0" b="0"/>
+        </a:effectRef>
+        <a:fontRef idx="minor">
+          <a:schemeClr val="lt1"/>
+        </a:fontRef>
+      </dsp:style>
+      <dsp:txBody>
+        <a:bodyPr spcFirstLastPara="0" vert="horz" wrap="square" lIns="194310" tIns="194310" rIns="194310" bIns="194310" numCol="1" spcCol="1270" anchor="ctr" anchorCtr="0">
+          <a:noAutofit/>
+        </a:bodyPr>
+        <a:lstStyle/>
+        <a:p>
+          <a:pPr marL="0" lvl="0" indent="0" algn="l" defTabSz="2266950">
+            <a:lnSpc>
+              <a:spcPct val="90000"/>
+            </a:lnSpc>
+            <a:spcBef>
+              <a:spcPct val="0"/>
+            </a:spcBef>
+            <a:spcAft>
+              <a:spcPct val="35000"/>
+            </a:spcAft>
+            <a:buNone/>
+          </a:pPr>
+          <a:r>
+            <a:rPr lang="en-GB" sz="5100" kern="1200" dirty="0"/>
+            <a:t>Questions</a:t>
+          </a:r>
+          <a:endParaRPr lang="fr-FR" sz="5100" kern="1200" dirty="0"/>
+        </a:p>
+      </dsp:txBody>
+      <dsp:txXfrm>
+        <a:off x="59713" y="2829890"/>
+        <a:ext cx="9938973" cy="1103809"/>
+      </dsp:txXfrm>
+    </dsp:sp>
+  </dsp:spTree>
+</dsp:drawing>
+</file>
+
+<file path=ppt/diagrams/drawing10.xml><?xml version="1.0" encoding="utf-8"?>
+<dsp:drawing xmlns:dgm="http://schemas.openxmlformats.org/drawingml/2006/diagram" xmlns:dsp="http://schemas.microsoft.com/office/drawing/2008/diagram" xmlns:a="http://schemas.openxmlformats.org/drawingml/2006/main">
+  <dsp:spTree>
+    <dsp:nvGrpSpPr>
+      <dsp:cNvPr id="0" name=""/>
+      <dsp:cNvGrpSpPr/>
+    </dsp:nvGrpSpPr>
+    <dsp:grpSpPr/>
+    <dsp:sp modelId="{BF00494C-7DE8-4B85-852A-7DFDC9DE1D67}">
+      <dsp:nvSpPr>
+        <dsp:cNvPr id="0" name=""/>
+        <dsp:cNvSpPr/>
+      </dsp:nvSpPr>
+      <dsp:spPr>
+        <a:xfrm>
+          <a:off x="0" y="0"/>
+          <a:ext cx="3417887" cy="1346111"/>
+        </a:xfrm>
+        <a:prstGeom prst="roundRect">
+          <a:avLst/>
+        </a:prstGeom>
+        <a:solidFill>
+          <a:schemeClr val="accent1">
+            <a:hueOff val="0"/>
+            <a:satOff val="0"/>
+            <a:lumOff val="0"/>
+            <a:alphaOff val="0"/>
+          </a:schemeClr>
+        </a:solidFill>
+        <a:ln w="15875" cap="flat" cmpd="sng" algn="ctr">
+          <a:solidFill>
+            <a:schemeClr val="lt1">
+              <a:hueOff val="0"/>
+              <a:satOff val="0"/>
+              <a:lumOff val="0"/>
+              <a:alphaOff val="0"/>
+            </a:schemeClr>
+          </a:solidFill>
+          <a:prstDash val="solid"/>
+        </a:ln>
+        <a:effectLst/>
+      </dsp:spPr>
+      <dsp:style>
+        <a:lnRef idx="2">
+          <a:scrgbClr r="0" g="0" b="0"/>
+        </a:lnRef>
+        <a:fillRef idx="1">
+          <a:scrgbClr r="0" g="0" b="0"/>
+        </a:fillRef>
+        <a:effectRef idx="0">
+          <a:scrgbClr r="0" g="0" b="0"/>
+        </a:effectRef>
+        <a:fontRef idx="minor">
+          <a:schemeClr val="lt1"/>
+        </a:fontRef>
+      </dsp:style>
+      <dsp:txBody>
+        <a:bodyPr spcFirstLastPara="0" vert="horz" wrap="square" lIns="91440" tIns="91440" rIns="91440" bIns="91440" numCol="1" spcCol="1270" anchor="ctr" anchorCtr="0">
+          <a:noAutofit/>
+        </a:bodyPr>
+        <a:lstStyle/>
+        <a:p>
+          <a:pPr marL="0" lvl="0" indent="0" algn="l" defTabSz="1066800">
+            <a:lnSpc>
+              <a:spcPct val="90000"/>
+            </a:lnSpc>
+            <a:spcBef>
+              <a:spcPct val="0"/>
+            </a:spcBef>
+            <a:spcAft>
+              <a:spcPct val="35000"/>
+            </a:spcAft>
+            <a:buNone/>
+          </a:pPr>
+          <a:r>
+            <a:rPr lang="en-US" sz="2400" b="0" i="0" kern="1200" dirty="0"/>
             <a:t>An event listener is added to the to listen for click events.</a:t>
           </a:r>
-          <a:endParaRPr lang="fr-FR" dirty="0"/>
+          <a:endParaRPr lang="fr-FR" sz="2400" kern="1200" dirty="0"/>
         </a:p>
-      </dgm:t>
-    </dgm:pt>
-    <dgm:pt modelId="{76B59040-A84F-41C4-85F9-D20540276BDA}" type="parTrans" cxnId="{77E207E3-6192-4833-991B-F75AB23CDB93}">
-      <dgm:prSet/>
-      <dgm:spPr/>
-      <dgm:t>
-        <a:bodyPr/>
-        <a:lstStyle/>
-        <a:p>
-          <a:endParaRPr lang="fr-FR"/>
-        </a:p>
-      </dgm:t>
-    </dgm:pt>
-    <dgm:pt modelId="{CF5BB242-B880-4731-B0A5-FC36E471CE1D}" type="sibTrans" cxnId="{77E207E3-6192-4833-991B-F75AB23CDB93}">
-      <dgm:prSet/>
-      <dgm:spPr/>
-      <dgm:t>
-        <a:bodyPr/>
-        <a:lstStyle/>
-        <a:p>
-          <a:endParaRPr lang="fr-FR"/>
-        </a:p>
-      </dgm:t>
-    </dgm:pt>
-    <dgm:pt modelId="{3C7D40A0-C208-4B0E-8A58-982B43EA604D}" type="pres">
-      <dgm:prSet presAssocID="{76C30ABF-8A6D-4F6B-95E0-421246929C1E}" presName="linear" presStyleCnt="0">
-        <dgm:presLayoutVars>
-          <dgm:animLvl val="lvl"/>
-          <dgm:resizeHandles val="exact"/>
-        </dgm:presLayoutVars>
-      </dgm:prSet>
-      <dgm:spPr/>
-    </dgm:pt>
-    <dgm:pt modelId="{BF00494C-7DE8-4B85-852A-7DFDC9DE1D67}" type="pres">
-      <dgm:prSet presAssocID="{0FDA098E-6A04-4318-ADEB-EE65C51D2D65}" presName="parentText" presStyleLbl="node1" presStyleIdx="0" presStyleCnt="1" custScaleY="38869" custLinFactNeighborY="-11565">
-        <dgm:presLayoutVars>
-          <dgm:chMax val="0"/>
-          <dgm:bulletEnabled val="1"/>
-        </dgm:presLayoutVars>
-      </dgm:prSet>
-      <dgm:spPr/>
-    </dgm:pt>
-  </dgm:ptLst>
-  <dgm:cxnLst>
-    <dgm:cxn modelId="{ABB25419-F0CB-471A-9141-5FD10C419A7E}" type="presOf" srcId="{0FDA098E-6A04-4318-ADEB-EE65C51D2D65}" destId="{BF00494C-7DE8-4B85-852A-7DFDC9DE1D67}" srcOrd="0" destOrd="0" presId="urn:microsoft.com/office/officeart/2005/8/layout/vList2"/>
-    <dgm:cxn modelId="{7771BD85-98AC-4958-8231-51EA63E99726}" type="presOf" srcId="{76C30ABF-8A6D-4F6B-95E0-421246929C1E}" destId="{3C7D40A0-C208-4B0E-8A58-982B43EA604D}" srcOrd="0" destOrd="0" presId="urn:microsoft.com/office/officeart/2005/8/layout/vList2"/>
-    <dgm:cxn modelId="{77E207E3-6192-4833-991B-F75AB23CDB93}" srcId="{76C30ABF-8A6D-4F6B-95E0-421246929C1E}" destId="{0FDA098E-6A04-4318-ADEB-EE65C51D2D65}" srcOrd="0" destOrd="0" parTransId="{76B59040-A84F-41C4-85F9-D20540276BDA}" sibTransId="{CF5BB242-B880-4731-B0A5-FC36E471CE1D}"/>
-    <dgm:cxn modelId="{374EBCCF-6FA3-45AE-B83A-43B150871B92}" type="presParOf" srcId="{3C7D40A0-C208-4B0E-8A58-982B43EA604D}" destId="{BF00494C-7DE8-4B85-852A-7DFDC9DE1D67}" srcOrd="0" destOrd="0" presId="urn:microsoft.com/office/officeart/2005/8/layout/vList2"/>
-  </dgm:cxnLst>
-  <dgm:bg/>
-  <dgm:whole/>
-  <dgm:extLst>
-    <a:ext uri="http://schemas.microsoft.com/office/drawing/2008/diagram">
-      <dsp:dataModelExt xmlns:dsp="http://schemas.microsoft.com/office/drawing/2008/diagram" relId="rId6" minVer="http://schemas.openxmlformats.org/drawingml/2006/diagram"/>
-    </a:ext>
-  </dgm:extLst>
-</dgm:dataModel>
+      </dsp:txBody>
+      <dsp:txXfrm>
+        <a:off x="65712" y="65712"/>
+        <a:ext cx="3286463" cy="1214687"/>
+      </dsp:txXfrm>
+    </dsp:sp>
+  </dsp:spTree>
+</dsp:drawing>
 </file>
 
-<file path=ppt/diagrams/drawing1.xml><?xml version="1.0" encoding="utf-8"?>
+<file path=ppt/diagrams/drawing2.xml><?xml version="1.0" encoding="utf-8"?>
 <dsp:drawing xmlns:dgm="http://schemas.openxmlformats.org/drawingml/2006/diagram" xmlns:dsp="http://schemas.microsoft.com/office/drawing/2008/diagram" xmlns:a="http://schemas.openxmlformats.org/drawingml/2006/main">
   <dsp:spTree>
     <dsp:nvGrpSpPr>
@@ -8286,7 +9564,7 @@
 </dsp:drawing>
 </file>
 
-<file path=ppt/diagrams/drawing2.xml><?xml version="1.0" encoding="utf-8"?>
+<file path=ppt/diagrams/drawing3.xml><?xml version="1.0" encoding="utf-8"?>
 <dsp:drawing xmlns:dgm="http://schemas.openxmlformats.org/drawingml/2006/diagram" xmlns:dsp="http://schemas.microsoft.com/office/drawing/2008/diagram" xmlns:a="http://schemas.openxmlformats.org/drawingml/2006/main">
   <dsp:spTree>
     <dsp:nvGrpSpPr>
@@ -8380,7 +9658,7 @@
 </dsp:drawing>
 </file>
 
-<file path=ppt/diagrams/drawing3.xml><?xml version="1.0" encoding="utf-8"?>
+<file path=ppt/diagrams/drawing4.xml><?xml version="1.0" encoding="utf-8"?>
 <dsp:drawing xmlns:dgm="http://schemas.openxmlformats.org/drawingml/2006/diagram" xmlns:dsp="http://schemas.microsoft.com/office/drawing/2008/diagram" xmlns:a="http://schemas.openxmlformats.org/drawingml/2006/main">
   <dsp:spTree>
     <dsp:nvGrpSpPr>
@@ -8535,7 +9813,7 @@
 </dsp:drawing>
 </file>
 
-<file path=ppt/diagrams/drawing4.xml><?xml version="1.0" encoding="utf-8"?>
+<file path=ppt/diagrams/drawing5.xml><?xml version="1.0" encoding="utf-8"?>
 <dsp:drawing xmlns:dgm="http://schemas.openxmlformats.org/drawingml/2006/diagram" xmlns:dsp="http://schemas.microsoft.com/office/drawing/2008/diagram" xmlns:a="http://schemas.openxmlformats.org/drawingml/2006/main">
   <dsp:spTree>
     <dsp:nvGrpSpPr>
@@ -8686,7 +9964,7 @@
 </dsp:drawing>
 </file>
 
-<file path=ppt/diagrams/drawing5.xml><?xml version="1.0" encoding="utf-8"?>
+<file path=ppt/diagrams/drawing6.xml><?xml version="1.0" encoding="utf-8"?>
 <dsp:drawing xmlns:dgm="http://schemas.openxmlformats.org/drawingml/2006/diagram" xmlns:dsp="http://schemas.microsoft.com/office/drawing/2008/diagram" xmlns:a="http://schemas.openxmlformats.org/drawingml/2006/main">
   <dsp:spTree>
     <dsp:nvGrpSpPr>
@@ -8857,7 +10135,7 @@
 </dsp:drawing>
 </file>
 
-<file path=ppt/diagrams/drawing6.xml><?xml version="1.0" encoding="utf-8"?>
+<file path=ppt/diagrams/drawing7.xml><?xml version="1.0" encoding="utf-8"?>
 <dsp:drawing xmlns:dgm="http://schemas.openxmlformats.org/drawingml/2006/diagram" xmlns:dsp="http://schemas.microsoft.com/office/drawing/2008/diagram" xmlns:a="http://schemas.openxmlformats.org/drawingml/2006/main">
   <dsp:spTree>
     <dsp:nvGrpSpPr>
@@ -9028,7 +10306,7 @@
 </dsp:drawing>
 </file>
 
-<file path=ppt/diagrams/drawing7.xml><?xml version="1.0" encoding="utf-8"?>
+<file path=ppt/diagrams/drawing8.xml><?xml version="1.0" encoding="utf-8"?>
 <dsp:drawing xmlns:dgm="http://schemas.openxmlformats.org/drawingml/2006/diagram" xmlns:dsp="http://schemas.microsoft.com/office/drawing/2008/diagram" xmlns:a="http://schemas.openxmlformats.org/drawingml/2006/main">
   <dsp:spTree>
     <dsp:nvGrpSpPr>
@@ -9274,7 +10552,7 @@
 </dsp:drawing>
 </file>
 
-<file path=ppt/diagrams/drawing8.xml><?xml version="1.0" encoding="utf-8"?>
+<file path=ppt/diagrams/drawing9.xml><?xml version="1.0" encoding="utf-8"?>
 <dsp:drawing xmlns:dgm="http://schemas.openxmlformats.org/drawingml/2006/diagram" xmlns:dsp="http://schemas.microsoft.com/office/drawing/2008/diagram" xmlns:a="http://schemas.openxmlformats.org/drawingml/2006/main">
   <dsp:spTree>
     <dsp:nvGrpSpPr>
@@ -9364,97 +10642,174 @@
 </dsp:drawing>
 </file>
 
-<file path=ppt/diagrams/drawing9.xml><?xml version="1.0" encoding="utf-8"?>
-<dsp:drawing xmlns:dgm="http://schemas.openxmlformats.org/drawingml/2006/diagram" xmlns:dsp="http://schemas.microsoft.com/office/drawing/2008/diagram" xmlns:a="http://schemas.openxmlformats.org/drawingml/2006/main">
-  <dsp:spTree>
-    <dsp:nvGrpSpPr>
-      <dsp:cNvPr id="0" name=""/>
-      <dsp:cNvGrpSpPr/>
-    </dsp:nvGrpSpPr>
-    <dsp:grpSpPr/>
-    <dsp:sp modelId="{BF00494C-7DE8-4B85-852A-7DFDC9DE1D67}">
-      <dsp:nvSpPr>
-        <dsp:cNvPr id="0" name=""/>
-        <dsp:cNvSpPr/>
-      </dsp:nvSpPr>
-      <dsp:spPr>
-        <a:xfrm>
-          <a:off x="0" y="0"/>
-          <a:ext cx="3417887" cy="1346111"/>
-        </a:xfrm>
-        <a:prstGeom prst="roundRect">
-          <a:avLst/>
-        </a:prstGeom>
-        <a:solidFill>
-          <a:schemeClr val="accent1">
-            <a:hueOff val="0"/>
-            <a:satOff val="0"/>
-            <a:lumOff val="0"/>
-            <a:alphaOff val="0"/>
-          </a:schemeClr>
-        </a:solidFill>
-        <a:ln w="15875" cap="flat" cmpd="sng" algn="ctr">
-          <a:solidFill>
-            <a:schemeClr val="lt1">
-              <a:hueOff val="0"/>
-              <a:satOff val="0"/>
-              <a:lumOff val="0"/>
-              <a:alphaOff val="0"/>
-            </a:schemeClr>
-          </a:solidFill>
-          <a:prstDash val="solid"/>
-        </a:ln>
-        <a:effectLst/>
-      </dsp:spPr>
-      <dsp:style>
-        <a:lnRef idx="2">
-          <a:scrgbClr r="0" g="0" b="0"/>
-        </a:lnRef>
-        <a:fillRef idx="1">
-          <a:scrgbClr r="0" g="0" b="0"/>
-        </a:fillRef>
-        <a:effectRef idx="0">
-          <a:scrgbClr r="0" g="0" b="0"/>
-        </a:effectRef>
-        <a:fontRef idx="minor">
-          <a:schemeClr val="lt1"/>
-        </a:fontRef>
-      </dsp:style>
-      <dsp:txBody>
-        <a:bodyPr spcFirstLastPara="0" vert="horz" wrap="square" lIns="91440" tIns="91440" rIns="91440" bIns="91440" numCol="1" spcCol="1270" anchor="ctr" anchorCtr="0">
-          <a:noAutofit/>
-        </a:bodyPr>
-        <a:lstStyle/>
-        <a:p>
-          <a:pPr marL="0" lvl="0" indent="0" algn="l" defTabSz="1066800">
-            <a:lnSpc>
-              <a:spcPct val="90000"/>
-            </a:lnSpc>
-            <a:spcBef>
-              <a:spcPct val="0"/>
-            </a:spcBef>
-            <a:spcAft>
-              <a:spcPct val="35000"/>
-            </a:spcAft>
-            <a:buNone/>
-          </a:pPr>
-          <a:r>
-            <a:rPr lang="en-US" sz="2400" b="0" i="0" kern="1200" dirty="0"/>
-            <a:t>An event listener is added to the to listen for click events.</a:t>
-          </a:r>
-          <a:endParaRPr lang="fr-FR" sz="2400" kern="1200" dirty="0"/>
-        </a:p>
-      </dsp:txBody>
-      <dsp:txXfrm>
-        <a:off x="65712" y="65712"/>
-        <a:ext cx="3286463" cy="1214687"/>
-      </dsp:txXfrm>
-    </dsp:sp>
-  </dsp:spTree>
-</dsp:drawing>
+<file path=ppt/diagrams/layout1.xml><?xml version="1.0" encoding="utf-8"?>
+<dgm:layoutDef xmlns:dgm="http://schemas.openxmlformats.org/drawingml/2006/diagram" xmlns:a="http://schemas.openxmlformats.org/drawingml/2006/main" uniqueId="urn:microsoft.com/office/officeart/2005/8/layout/vList2">
+  <dgm:title val=""/>
+  <dgm:desc val=""/>
+  <dgm:catLst>
+    <dgm:cat type="list" pri="3000"/>
+    <dgm:cat type="convert" pri="1000"/>
+  </dgm:catLst>
+  <dgm:sampData>
+    <dgm:dataModel>
+      <dgm:ptLst>
+        <dgm:pt modelId="0" type="doc"/>
+        <dgm:pt modelId="1">
+          <dgm:prSet phldr="1"/>
+        </dgm:pt>
+        <dgm:pt modelId="11">
+          <dgm:prSet phldr="1"/>
+        </dgm:pt>
+        <dgm:pt modelId="2">
+          <dgm:prSet phldr="1"/>
+        </dgm:pt>
+        <dgm:pt modelId="21">
+          <dgm:prSet phldr="1"/>
+        </dgm:pt>
+      </dgm:ptLst>
+      <dgm:cxnLst>
+        <dgm:cxn modelId="4" srcId="0" destId="1" srcOrd="0" destOrd="0"/>
+        <dgm:cxn modelId="5" srcId="0" destId="2" srcOrd="1" destOrd="0"/>
+        <dgm:cxn modelId="12" srcId="1" destId="11" srcOrd="0" destOrd="0"/>
+        <dgm:cxn modelId="23" srcId="2" destId="21" srcOrd="0" destOrd="0"/>
+      </dgm:cxnLst>
+      <dgm:bg/>
+      <dgm:whole/>
+    </dgm:dataModel>
+  </dgm:sampData>
+  <dgm:styleData>
+    <dgm:dataModel>
+      <dgm:ptLst>
+        <dgm:pt modelId="0" type="doc"/>
+        <dgm:pt modelId="1"/>
+        <dgm:pt modelId="2"/>
+      </dgm:ptLst>
+      <dgm:cxnLst>
+        <dgm:cxn modelId="3" srcId="0" destId="1" srcOrd="0" destOrd="0"/>
+        <dgm:cxn modelId="4" srcId="0" destId="2" srcOrd="1" destOrd="0"/>
+      </dgm:cxnLst>
+      <dgm:bg/>
+      <dgm:whole/>
+    </dgm:dataModel>
+  </dgm:styleData>
+  <dgm:clrData>
+    <dgm:dataModel>
+      <dgm:ptLst>
+        <dgm:pt modelId="0" type="doc"/>
+        <dgm:pt modelId="1"/>
+        <dgm:pt modelId="2"/>
+        <dgm:pt modelId="3"/>
+        <dgm:pt modelId="4"/>
+      </dgm:ptLst>
+      <dgm:cxnLst>
+        <dgm:cxn modelId="5" srcId="0" destId="1" srcOrd="0" destOrd="0"/>
+        <dgm:cxn modelId="6" srcId="0" destId="2" srcOrd="1" destOrd="0"/>
+        <dgm:cxn modelId="7" srcId="0" destId="3" srcOrd="2" destOrd="0"/>
+        <dgm:cxn modelId="8" srcId="0" destId="4" srcOrd="3" destOrd="0"/>
+      </dgm:cxnLst>
+      <dgm:bg/>
+      <dgm:whole/>
+    </dgm:dataModel>
+  </dgm:clrData>
+  <dgm:layoutNode name="linear">
+    <dgm:varLst>
+      <dgm:animLvl val="lvl"/>
+      <dgm:resizeHandles val="exact"/>
+    </dgm:varLst>
+    <dgm:alg type="lin">
+      <dgm:param type="linDir" val="fromT"/>
+      <dgm:param type="vertAlign" val="mid"/>
+    </dgm:alg>
+    <dgm:shape xmlns:r="http://schemas.openxmlformats.org/officeDocument/2006/relationships" r:blip="">
+      <dgm:adjLst/>
+    </dgm:shape>
+    <dgm:presOf/>
+    <dgm:constrLst>
+      <dgm:constr type="w" for="ch" forName="parentText" refType="w"/>
+      <dgm:constr type="h" for="ch" forName="parentText" refType="primFontSz" refFor="ch" refForName="parentText" fact="0.52"/>
+      <dgm:constr type="w" for="ch" forName="childText" refType="w"/>
+      <dgm:constr type="h" for="ch" forName="childText" refType="primFontSz" refFor="ch" refForName="parentText" fact="0.46"/>
+      <dgm:constr type="h" for="ch" forName="parentText" op="equ"/>
+      <dgm:constr type="primFontSz" for="ch" forName="parentText" op="equ" val="65"/>
+      <dgm:constr type="primFontSz" for="ch" forName="childText" refType="primFontSz" refFor="ch" refForName="parentText" op="equ"/>
+      <dgm:constr type="h" for="ch" forName="spacer" refType="primFontSz" refFor="ch" refForName="parentText" fact="0.08"/>
+    </dgm:constrLst>
+    <dgm:ruleLst>
+      <dgm:rule type="primFontSz" for="ch" forName="parentText" val="5" fact="NaN" max="NaN"/>
+    </dgm:ruleLst>
+    <dgm:forEach name="Name0" axis="ch" ptType="node">
+      <dgm:layoutNode name="parentText" styleLbl="node1">
+        <dgm:varLst>
+          <dgm:chMax val="0"/>
+          <dgm:bulletEnabled val="1"/>
+        </dgm:varLst>
+        <dgm:alg type="tx">
+          <dgm:param type="parTxLTRAlign" val="l"/>
+          <dgm:param type="parTxRTLAlign" val="r"/>
+        </dgm:alg>
+        <dgm:shape xmlns:r="http://schemas.openxmlformats.org/officeDocument/2006/relationships" type="roundRect" r:blip="">
+          <dgm:adjLst/>
+        </dgm:shape>
+        <dgm:presOf axis="self"/>
+        <dgm:constrLst>
+          <dgm:constr type="tMarg" refType="primFontSz" fact="0.3"/>
+          <dgm:constr type="bMarg" refType="primFontSz" fact="0.3"/>
+          <dgm:constr type="lMarg" refType="primFontSz" fact="0.3"/>
+          <dgm:constr type="rMarg" refType="primFontSz" fact="0.3"/>
+        </dgm:constrLst>
+        <dgm:ruleLst>
+          <dgm:rule type="h" val="INF" fact="NaN" max="NaN"/>
+        </dgm:ruleLst>
+      </dgm:layoutNode>
+      <dgm:choose name="Name1">
+        <dgm:if name="Name2" axis="ch" ptType="node" func="cnt" op="gte" val="1">
+          <dgm:layoutNode name="childText" styleLbl="revTx">
+            <dgm:varLst>
+              <dgm:bulletEnabled val="1"/>
+            </dgm:varLst>
+            <dgm:alg type="tx">
+              <dgm:param type="stBulletLvl" val="1"/>
+              <dgm:param type="lnSpAfChP" val="20"/>
+            </dgm:alg>
+            <dgm:shape xmlns:r="http://schemas.openxmlformats.org/officeDocument/2006/relationships" type="rect" r:blip="">
+              <dgm:adjLst/>
+            </dgm:shape>
+            <dgm:presOf axis="des" ptType="node"/>
+            <dgm:constrLst>
+              <dgm:constr type="tMarg" refType="primFontSz" fact="0.1"/>
+              <dgm:constr type="bMarg" refType="primFontSz" fact="0.1"/>
+              <dgm:constr type="lMarg" refType="w" fact="0.09"/>
+            </dgm:constrLst>
+            <dgm:ruleLst>
+              <dgm:rule type="h" val="INF" fact="NaN" max="NaN"/>
+            </dgm:ruleLst>
+          </dgm:layoutNode>
+        </dgm:if>
+        <dgm:else name="Name3">
+          <dgm:choose name="Name4">
+            <dgm:if name="Name5" axis="par ch" ptType="doc node" func="cnt" op="gte" val="2">
+              <dgm:forEach name="Name6" axis="followSib" ptType="sibTrans" cnt="1">
+                <dgm:layoutNode name="spacer">
+                  <dgm:alg type="sp"/>
+                  <dgm:shape xmlns:r="http://schemas.openxmlformats.org/officeDocument/2006/relationships" r:blip="">
+                    <dgm:adjLst/>
+                  </dgm:shape>
+                  <dgm:presOf/>
+                  <dgm:constrLst/>
+                  <dgm:ruleLst/>
+                </dgm:layoutNode>
+              </dgm:forEach>
+            </dgm:if>
+            <dgm:else name="Name7"/>
+          </dgm:choose>
+        </dgm:else>
+      </dgm:choose>
+    </dgm:forEach>
+  </dgm:layoutNode>
+</dgm:layoutDef>
 </file>
 
-<file path=ppt/diagrams/layout1.xml><?xml version="1.0" encoding="utf-8"?>
+<file path=ppt/diagrams/layout10.xml><?xml version="1.0" encoding="utf-8"?>
 <dgm:layoutDef xmlns:dgm="http://schemas.openxmlformats.org/drawingml/2006/diagram" xmlns:a="http://schemas.openxmlformats.org/drawingml/2006/main" uniqueId="urn:microsoft.com/office/officeart/2005/8/layout/vList2">
   <dgm:title val=""/>
   <dgm:desc val=""/>
@@ -11991,6 +13346,1040 @@
 </dgm:styleDef>
 </file>
 
+<file path=ppt/diagrams/quickStyle10.xml><?xml version="1.0" encoding="utf-8"?>
+<dgm:styleDef xmlns:dgm="http://schemas.openxmlformats.org/drawingml/2006/diagram" xmlns:a="http://schemas.openxmlformats.org/drawingml/2006/main" uniqueId="urn:microsoft.com/office/officeart/2005/8/quickstyle/simple1">
+  <dgm:title val=""/>
+  <dgm:desc val=""/>
+  <dgm:catLst>
+    <dgm:cat type="simple" pri="10100"/>
+  </dgm:catLst>
+  <dgm:scene3d>
+    <a:camera prst="orthographicFront"/>
+    <a:lightRig rig="threePt" dir="t"/>
+  </dgm:scene3d>
+  <dgm:styleLbl name="node0">
+    <dgm:scene3d>
+      <a:camera prst="orthographicFront"/>
+      <a:lightRig rig="threePt" dir="t"/>
+    </dgm:scene3d>
+    <dgm:sp3d/>
+    <dgm:txPr/>
+    <dgm:style>
+      <a:lnRef idx="2">
+        <a:scrgbClr r="0" g="0" b="0"/>
+      </a:lnRef>
+      <a:fillRef idx="1">
+        <a:scrgbClr r="0" g="0" b="0"/>
+      </a:fillRef>
+      <a:effectRef idx="0">
+        <a:scrgbClr r="0" g="0" b="0"/>
+      </a:effectRef>
+      <a:fontRef idx="minor">
+        <a:schemeClr val="lt1"/>
+      </a:fontRef>
+    </dgm:style>
+  </dgm:styleLbl>
+  <dgm:styleLbl name="lnNode1">
+    <dgm:scene3d>
+      <a:camera prst="orthographicFront"/>
+      <a:lightRig rig="threePt" dir="t"/>
+    </dgm:scene3d>
+    <dgm:sp3d/>
+    <dgm:txPr/>
+    <dgm:style>
+      <a:lnRef idx="2">
+        <a:scrgbClr r="0" g="0" b="0"/>
+      </a:lnRef>
+      <a:fillRef idx="1">
+        <a:scrgbClr r="0" g="0" b="0"/>
+      </a:fillRef>
+      <a:effectRef idx="0">
+        <a:scrgbClr r="0" g="0" b="0"/>
+      </a:effectRef>
+      <a:fontRef idx="minor">
+        <a:schemeClr val="lt1"/>
+      </a:fontRef>
+    </dgm:style>
+  </dgm:styleLbl>
+  <dgm:styleLbl name="vennNode1">
+    <dgm:scene3d>
+      <a:camera prst="orthographicFront"/>
+      <a:lightRig rig="threePt" dir="t"/>
+    </dgm:scene3d>
+    <dgm:sp3d/>
+    <dgm:txPr/>
+    <dgm:style>
+      <a:lnRef idx="2">
+        <a:scrgbClr r="0" g="0" b="0"/>
+      </a:lnRef>
+      <a:fillRef idx="1">
+        <a:scrgbClr r="0" g="0" b="0"/>
+      </a:fillRef>
+      <a:effectRef idx="0">
+        <a:scrgbClr r="0" g="0" b="0"/>
+      </a:effectRef>
+      <a:fontRef idx="minor">
+        <a:schemeClr val="tx1"/>
+      </a:fontRef>
+    </dgm:style>
+  </dgm:styleLbl>
+  <dgm:styleLbl name="alignNode1">
+    <dgm:scene3d>
+      <a:camera prst="orthographicFront"/>
+      <a:lightRig rig="threePt" dir="t"/>
+    </dgm:scene3d>
+    <dgm:sp3d/>
+    <dgm:txPr/>
+    <dgm:style>
+      <a:lnRef idx="2">
+        <a:scrgbClr r="0" g="0" b="0"/>
+      </a:lnRef>
+      <a:fillRef idx="1">
+        <a:scrgbClr r="0" g="0" b="0"/>
+      </a:fillRef>
+      <a:effectRef idx="0">
+        <a:scrgbClr r="0" g="0" b="0"/>
+      </a:effectRef>
+      <a:fontRef idx="minor">
+        <a:schemeClr val="lt1"/>
+      </a:fontRef>
+    </dgm:style>
+  </dgm:styleLbl>
+  <dgm:styleLbl name="node1">
+    <dgm:scene3d>
+      <a:camera prst="orthographicFront"/>
+      <a:lightRig rig="threePt" dir="t"/>
+    </dgm:scene3d>
+    <dgm:sp3d/>
+    <dgm:txPr/>
+    <dgm:style>
+      <a:lnRef idx="2">
+        <a:scrgbClr r="0" g="0" b="0"/>
+      </a:lnRef>
+      <a:fillRef idx="1">
+        <a:scrgbClr r="0" g="0" b="0"/>
+      </a:fillRef>
+      <a:effectRef idx="0">
+        <a:scrgbClr r="0" g="0" b="0"/>
+      </a:effectRef>
+      <a:fontRef idx="minor">
+        <a:schemeClr val="lt1"/>
+      </a:fontRef>
+    </dgm:style>
+  </dgm:styleLbl>
+  <dgm:styleLbl name="node2">
+    <dgm:scene3d>
+      <a:camera prst="orthographicFront"/>
+      <a:lightRig rig="threePt" dir="t"/>
+    </dgm:scene3d>
+    <dgm:sp3d/>
+    <dgm:txPr/>
+    <dgm:style>
+      <a:lnRef idx="2">
+        <a:scrgbClr r="0" g="0" b="0"/>
+      </a:lnRef>
+      <a:fillRef idx="1">
+        <a:scrgbClr r="0" g="0" b="0"/>
+      </a:fillRef>
+      <a:effectRef idx="0">
+        <a:scrgbClr r="0" g="0" b="0"/>
+      </a:effectRef>
+      <a:fontRef idx="minor">
+        <a:schemeClr val="lt1"/>
+      </a:fontRef>
+    </dgm:style>
+  </dgm:styleLbl>
+  <dgm:styleLbl name="node3">
+    <dgm:scene3d>
+      <a:camera prst="orthographicFront"/>
+      <a:lightRig rig="threePt" dir="t"/>
+    </dgm:scene3d>
+    <dgm:sp3d/>
+    <dgm:txPr/>
+    <dgm:style>
+      <a:lnRef idx="2">
+        <a:scrgbClr r="0" g="0" b="0"/>
+      </a:lnRef>
+      <a:fillRef idx="1">
+        <a:scrgbClr r="0" g="0" b="0"/>
+      </a:fillRef>
+      <a:effectRef idx="0">
+        <a:scrgbClr r="0" g="0" b="0"/>
+      </a:effectRef>
+      <a:fontRef idx="minor">
+        <a:schemeClr val="lt1"/>
+      </a:fontRef>
+    </dgm:style>
+  </dgm:styleLbl>
+  <dgm:styleLbl name="node4">
+    <dgm:scene3d>
+      <a:camera prst="orthographicFront"/>
+      <a:lightRig rig="threePt" dir="t"/>
+    </dgm:scene3d>
+    <dgm:sp3d/>
+    <dgm:txPr/>
+    <dgm:style>
+      <a:lnRef idx="2">
+        <a:scrgbClr r="0" g="0" b="0"/>
+      </a:lnRef>
+      <a:fillRef idx="1">
+        <a:scrgbClr r="0" g="0" b="0"/>
+      </a:fillRef>
+      <a:effectRef idx="0">
+        <a:scrgbClr r="0" g="0" b="0"/>
+      </a:effectRef>
+      <a:fontRef idx="minor">
+        <a:schemeClr val="lt1"/>
+      </a:fontRef>
+    </dgm:style>
+  </dgm:styleLbl>
+  <dgm:styleLbl name="fgImgPlace1">
+    <dgm:scene3d>
+      <a:camera prst="orthographicFront"/>
+      <a:lightRig rig="threePt" dir="t"/>
+    </dgm:scene3d>
+    <dgm:sp3d/>
+    <dgm:txPr/>
+    <dgm:style>
+      <a:lnRef idx="2">
+        <a:scrgbClr r="0" g="0" b="0"/>
+      </a:lnRef>
+      <a:fillRef idx="1">
+        <a:scrgbClr r="0" g="0" b="0"/>
+      </a:fillRef>
+      <a:effectRef idx="0">
+        <a:scrgbClr r="0" g="0" b="0"/>
+      </a:effectRef>
+      <a:fontRef idx="minor"/>
+    </dgm:style>
+  </dgm:styleLbl>
+  <dgm:styleLbl name="alignImgPlace1">
+    <dgm:scene3d>
+      <a:camera prst="orthographicFront"/>
+      <a:lightRig rig="threePt" dir="t"/>
+    </dgm:scene3d>
+    <dgm:sp3d/>
+    <dgm:txPr/>
+    <dgm:style>
+      <a:lnRef idx="2">
+        <a:scrgbClr r="0" g="0" b="0"/>
+      </a:lnRef>
+      <a:fillRef idx="1">
+        <a:scrgbClr r="0" g="0" b="0"/>
+      </a:fillRef>
+      <a:effectRef idx="0">
+        <a:scrgbClr r="0" g="0" b="0"/>
+      </a:effectRef>
+      <a:fontRef idx="minor"/>
+    </dgm:style>
+  </dgm:styleLbl>
+  <dgm:styleLbl name="bgImgPlace1">
+    <dgm:scene3d>
+      <a:camera prst="orthographicFront"/>
+      <a:lightRig rig="threePt" dir="t"/>
+    </dgm:scene3d>
+    <dgm:sp3d/>
+    <dgm:txPr/>
+    <dgm:style>
+      <a:lnRef idx="2">
+        <a:scrgbClr r="0" g="0" b="0"/>
+      </a:lnRef>
+      <a:fillRef idx="1">
+        <a:scrgbClr r="0" g="0" b="0"/>
+      </a:fillRef>
+      <a:effectRef idx="0">
+        <a:scrgbClr r="0" g="0" b="0"/>
+      </a:effectRef>
+      <a:fontRef idx="minor"/>
+    </dgm:style>
+  </dgm:styleLbl>
+  <dgm:styleLbl name="sibTrans2D1">
+    <dgm:scene3d>
+      <a:camera prst="orthographicFront"/>
+      <a:lightRig rig="threePt" dir="t"/>
+    </dgm:scene3d>
+    <dgm:sp3d/>
+    <dgm:txPr/>
+    <dgm:style>
+      <a:lnRef idx="0">
+        <a:scrgbClr r="0" g="0" b="0"/>
+      </a:lnRef>
+      <a:fillRef idx="1">
+        <a:scrgbClr r="0" g="0" b="0"/>
+      </a:fillRef>
+      <a:effectRef idx="0">
+        <a:scrgbClr r="0" g="0" b="0"/>
+      </a:effectRef>
+      <a:fontRef idx="minor">
+        <a:schemeClr val="lt1"/>
+      </a:fontRef>
+    </dgm:style>
+  </dgm:styleLbl>
+  <dgm:styleLbl name="fgSibTrans2D1">
+    <dgm:scene3d>
+      <a:camera prst="orthographicFront"/>
+      <a:lightRig rig="threePt" dir="t"/>
+    </dgm:scene3d>
+    <dgm:sp3d/>
+    <dgm:txPr/>
+    <dgm:style>
+      <a:lnRef idx="0">
+        <a:scrgbClr r="0" g="0" b="0"/>
+      </a:lnRef>
+      <a:fillRef idx="1">
+        <a:scrgbClr r="0" g="0" b="0"/>
+      </a:fillRef>
+      <a:effectRef idx="0">
+        <a:scrgbClr r="0" g="0" b="0"/>
+      </a:effectRef>
+      <a:fontRef idx="minor">
+        <a:schemeClr val="lt1"/>
+      </a:fontRef>
+    </dgm:style>
+  </dgm:styleLbl>
+  <dgm:styleLbl name="bgSibTrans2D1">
+    <dgm:scene3d>
+      <a:camera prst="orthographicFront"/>
+      <a:lightRig rig="threePt" dir="t"/>
+    </dgm:scene3d>
+    <dgm:sp3d/>
+    <dgm:txPr/>
+    <dgm:style>
+      <a:lnRef idx="0">
+        <a:scrgbClr r="0" g="0" b="0"/>
+      </a:lnRef>
+      <a:fillRef idx="1">
+        <a:scrgbClr r="0" g="0" b="0"/>
+      </a:fillRef>
+      <a:effectRef idx="0">
+        <a:scrgbClr r="0" g="0" b="0"/>
+      </a:effectRef>
+      <a:fontRef idx="minor">
+        <a:schemeClr val="lt1"/>
+      </a:fontRef>
+    </dgm:style>
+  </dgm:styleLbl>
+  <dgm:styleLbl name="sibTrans1D1">
+    <dgm:scene3d>
+      <a:camera prst="orthographicFront"/>
+      <a:lightRig rig="threePt" dir="t"/>
+    </dgm:scene3d>
+    <dgm:sp3d/>
+    <dgm:txPr/>
+    <dgm:style>
+      <a:lnRef idx="1">
+        <a:scrgbClr r="0" g="0" b="0"/>
+      </a:lnRef>
+      <a:fillRef idx="0">
+        <a:scrgbClr r="0" g="0" b="0"/>
+      </a:fillRef>
+      <a:effectRef idx="0">
+        <a:scrgbClr r="0" g="0" b="0"/>
+      </a:effectRef>
+      <a:fontRef idx="minor"/>
+    </dgm:style>
+  </dgm:styleLbl>
+  <dgm:styleLbl name="callout">
+    <dgm:scene3d>
+      <a:camera prst="orthographicFront"/>
+      <a:lightRig rig="threePt" dir="t"/>
+    </dgm:scene3d>
+    <dgm:sp3d/>
+    <dgm:txPr/>
+    <dgm:style>
+      <a:lnRef idx="2">
+        <a:scrgbClr r="0" g="0" b="0"/>
+      </a:lnRef>
+      <a:fillRef idx="1">
+        <a:scrgbClr r="0" g="0" b="0"/>
+      </a:fillRef>
+      <a:effectRef idx="0">
+        <a:scrgbClr r="0" g="0" b="0"/>
+      </a:effectRef>
+      <a:fontRef idx="minor"/>
+    </dgm:style>
+  </dgm:styleLbl>
+  <dgm:styleLbl name="asst0">
+    <dgm:scene3d>
+      <a:camera prst="orthographicFront"/>
+      <a:lightRig rig="threePt" dir="t"/>
+    </dgm:scene3d>
+    <dgm:sp3d/>
+    <dgm:txPr/>
+    <dgm:style>
+      <a:lnRef idx="2">
+        <a:scrgbClr r="0" g="0" b="0"/>
+      </a:lnRef>
+      <a:fillRef idx="1">
+        <a:scrgbClr r="0" g="0" b="0"/>
+      </a:fillRef>
+      <a:effectRef idx="0">
+        <a:scrgbClr r="0" g="0" b="0"/>
+      </a:effectRef>
+      <a:fontRef idx="minor">
+        <a:schemeClr val="lt1"/>
+      </a:fontRef>
+    </dgm:style>
+  </dgm:styleLbl>
+  <dgm:styleLbl name="asst1">
+    <dgm:scene3d>
+      <a:camera prst="orthographicFront"/>
+      <a:lightRig rig="threePt" dir="t"/>
+    </dgm:scene3d>
+    <dgm:sp3d/>
+    <dgm:txPr/>
+    <dgm:style>
+      <a:lnRef idx="2">
+        <a:scrgbClr r="0" g="0" b="0"/>
+      </a:lnRef>
+      <a:fillRef idx="1">
+        <a:scrgbClr r="0" g="0" b="0"/>
+      </a:fillRef>
+      <a:effectRef idx="0">
+        <a:scrgbClr r="0" g="0" b="0"/>
+      </a:effectRef>
+      <a:fontRef idx="minor">
+        <a:schemeClr val="lt1"/>
+      </a:fontRef>
+    </dgm:style>
+  </dgm:styleLbl>
+  <dgm:styleLbl name="asst2">
+    <dgm:scene3d>
+      <a:camera prst="orthographicFront"/>
+      <a:lightRig rig="threePt" dir="t"/>
+    </dgm:scene3d>
+    <dgm:sp3d/>
+    <dgm:txPr/>
+    <dgm:style>
+      <a:lnRef idx="2">
+        <a:scrgbClr r="0" g="0" b="0"/>
+      </a:lnRef>
+      <a:fillRef idx="1">
+        <a:scrgbClr r="0" g="0" b="0"/>
+      </a:fillRef>
+      <a:effectRef idx="0">
+        <a:scrgbClr r="0" g="0" b="0"/>
+      </a:effectRef>
+      <a:fontRef idx="minor">
+        <a:schemeClr val="lt1"/>
+      </a:fontRef>
+    </dgm:style>
+  </dgm:styleLbl>
+  <dgm:styleLbl name="asst3">
+    <dgm:scene3d>
+      <a:camera prst="orthographicFront"/>
+      <a:lightRig rig="threePt" dir="t"/>
+    </dgm:scene3d>
+    <dgm:sp3d/>
+    <dgm:txPr/>
+    <dgm:style>
+      <a:lnRef idx="2">
+        <a:scrgbClr r="0" g="0" b="0"/>
+      </a:lnRef>
+      <a:fillRef idx="1">
+        <a:scrgbClr r="0" g="0" b="0"/>
+      </a:fillRef>
+      <a:effectRef idx="0">
+        <a:scrgbClr r="0" g="0" b="0"/>
+      </a:effectRef>
+      <a:fontRef idx="minor">
+        <a:schemeClr val="lt1"/>
+      </a:fontRef>
+    </dgm:style>
+  </dgm:styleLbl>
+  <dgm:styleLbl name="asst4">
+    <dgm:scene3d>
+      <a:camera prst="orthographicFront"/>
+      <a:lightRig rig="threePt" dir="t"/>
+    </dgm:scene3d>
+    <dgm:sp3d/>
+    <dgm:txPr/>
+    <dgm:style>
+      <a:lnRef idx="2">
+        <a:scrgbClr r="0" g="0" b="0"/>
+      </a:lnRef>
+      <a:fillRef idx="1">
+        <a:scrgbClr r="0" g="0" b="0"/>
+      </a:fillRef>
+      <a:effectRef idx="0">
+        <a:scrgbClr r="0" g="0" b="0"/>
+      </a:effectRef>
+      <a:fontRef idx="minor">
+        <a:schemeClr val="lt1"/>
+      </a:fontRef>
+    </dgm:style>
+  </dgm:styleLbl>
+  <dgm:styleLbl name="parChTrans2D1">
+    <dgm:scene3d>
+      <a:camera prst="orthographicFront"/>
+      <a:lightRig rig="threePt" dir="t"/>
+    </dgm:scene3d>
+    <dgm:sp3d/>
+    <dgm:txPr/>
+    <dgm:style>
+      <a:lnRef idx="2">
+        <a:scrgbClr r="0" g="0" b="0"/>
+      </a:lnRef>
+      <a:fillRef idx="1">
+        <a:scrgbClr r="0" g="0" b="0"/>
+      </a:fillRef>
+      <a:effectRef idx="0">
+        <a:scrgbClr r="0" g="0" b="0"/>
+      </a:effectRef>
+      <a:fontRef idx="minor">
+        <a:schemeClr val="lt1"/>
+      </a:fontRef>
+    </dgm:style>
+  </dgm:styleLbl>
+  <dgm:styleLbl name="parChTrans2D2">
+    <dgm:scene3d>
+      <a:camera prst="orthographicFront"/>
+      <a:lightRig rig="threePt" dir="t"/>
+    </dgm:scene3d>
+    <dgm:sp3d/>
+    <dgm:txPr/>
+    <dgm:style>
+      <a:lnRef idx="2">
+        <a:scrgbClr r="0" g="0" b="0"/>
+      </a:lnRef>
+      <a:fillRef idx="1">
+        <a:scrgbClr r="0" g="0" b="0"/>
+      </a:fillRef>
+      <a:effectRef idx="0">
+        <a:scrgbClr r="0" g="0" b="0"/>
+      </a:effectRef>
+      <a:fontRef idx="minor">
+        <a:schemeClr val="lt1"/>
+      </a:fontRef>
+    </dgm:style>
+  </dgm:styleLbl>
+  <dgm:styleLbl name="parChTrans2D3">
+    <dgm:scene3d>
+      <a:camera prst="orthographicFront"/>
+      <a:lightRig rig="threePt" dir="t"/>
+    </dgm:scene3d>
+    <dgm:sp3d/>
+    <dgm:txPr/>
+    <dgm:style>
+      <a:lnRef idx="2">
+        <a:scrgbClr r="0" g="0" b="0"/>
+      </a:lnRef>
+      <a:fillRef idx="1">
+        <a:scrgbClr r="0" g="0" b="0"/>
+      </a:fillRef>
+      <a:effectRef idx="0">
+        <a:scrgbClr r="0" g="0" b="0"/>
+      </a:effectRef>
+      <a:fontRef idx="minor">
+        <a:schemeClr val="lt1"/>
+      </a:fontRef>
+    </dgm:style>
+  </dgm:styleLbl>
+  <dgm:styleLbl name="parChTrans2D4">
+    <dgm:scene3d>
+      <a:camera prst="orthographicFront"/>
+      <a:lightRig rig="threePt" dir="t"/>
+    </dgm:scene3d>
+    <dgm:sp3d/>
+    <dgm:txPr/>
+    <dgm:style>
+      <a:lnRef idx="2">
+        <a:scrgbClr r="0" g="0" b="0"/>
+      </a:lnRef>
+      <a:fillRef idx="1">
+        <a:scrgbClr r="0" g="0" b="0"/>
+      </a:fillRef>
+      <a:effectRef idx="0">
+        <a:scrgbClr r="0" g="0" b="0"/>
+      </a:effectRef>
+      <a:fontRef idx="minor">
+        <a:schemeClr val="lt1"/>
+      </a:fontRef>
+    </dgm:style>
+  </dgm:styleLbl>
+  <dgm:styleLbl name="parChTrans1D1">
+    <dgm:scene3d>
+      <a:camera prst="orthographicFront"/>
+      <a:lightRig rig="threePt" dir="t"/>
+    </dgm:scene3d>
+    <dgm:sp3d/>
+    <dgm:txPr/>
+    <dgm:style>
+      <a:lnRef idx="2">
+        <a:scrgbClr r="0" g="0" b="0"/>
+      </a:lnRef>
+      <a:fillRef idx="0">
+        <a:scrgbClr r="0" g="0" b="0"/>
+      </a:fillRef>
+      <a:effectRef idx="0">
+        <a:scrgbClr r="0" g="0" b="0"/>
+      </a:effectRef>
+      <a:fontRef idx="minor"/>
+    </dgm:style>
+  </dgm:styleLbl>
+  <dgm:styleLbl name="parChTrans1D2">
+    <dgm:scene3d>
+      <a:camera prst="orthographicFront"/>
+      <a:lightRig rig="threePt" dir="t"/>
+    </dgm:scene3d>
+    <dgm:sp3d/>
+    <dgm:txPr/>
+    <dgm:style>
+      <a:lnRef idx="2">
+        <a:scrgbClr r="0" g="0" b="0"/>
+      </a:lnRef>
+      <a:fillRef idx="0">
+        <a:scrgbClr r="0" g="0" b="0"/>
+      </a:fillRef>
+      <a:effectRef idx="0">
+        <a:scrgbClr r="0" g="0" b="0"/>
+      </a:effectRef>
+      <a:fontRef idx="minor"/>
+    </dgm:style>
+  </dgm:styleLbl>
+  <dgm:styleLbl name="parChTrans1D3">
+    <dgm:scene3d>
+      <a:camera prst="orthographicFront"/>
+      <a:lightRig rig="threePt" dir="t"/>
+    </dgm:scene3d>
+    <dgm:sp3d/>
+    <dgm:txPr/>
+    <dgm:style>
+      <a:lnRef idx="2">
+        <a:scrgbClr r="0" g="0" b="0"/>
+      </a:lnRef>
+      <a:fillRef idx="0">
+        <a:scrgbClr r="0" g="0" b="0"/>
+      </a:fillRef>
+      <a:effectRef idx="0">
+        <a:scrgbClr r="0" g="0" b="0"/>
+      </a:effectRef>
+      <a:fontRef idx="minor"/>
+    </dgm:style>
+  </dgm:styleLbl>
+  <dgm:styleLbl name="parChTrans1D4">
+    <dgm:scene3d>
+      <a:camera prst="orthographicFront"/>
+      <a:lightRig rig="threePt" dir="t"/>
+    </dgm:scene3d>
+    <dgm:sp3d/>
+    <dgm:txPr/>
+    <dgm:style>
+      <a:lnRef idx="2">
+        <a:scrgbClr r="0" g="0" b="0"/>
+      </a:lnRef>
+      <a:fillRef idx="0">
+        <a:scrgbClr r="0" g="0" b="0"/>
+      </a:fillRef>
+      <a:effectRef idx="0">
+        <a:scrgbClr r="0" g="0" b="0"/>
+      </a:effectRef>
+      <a:fontRef idx="minor"/>
+    </dgm:style>
+  </dgm:styleLbl>
+  <dgm:styleLbl name="fgAcc1">
+    <dgm:scene3d>
+      <a:camera prst="orthographicFront"/>
+      <a:lightRig rig="threePt" dir="t"/>
+    </dgm:scene3d>
+    <dgm:sp3d/>
+    <dgm:txPr/>
+    <dgm:style>
+      <a:lnRef idx="2">
+        <a:scrgbClr r="0" g="0" b="0"/>
+      </a:lnRef>
+      <a:fillRef idx="1">
+        <a:scrgbClr r="0" g="0" b="0"/>
+      </a:fillRef>
+      <a:effectRef idx="0">
+        <a:scrgbClr r="0" g="0" b="0"/>
+      </a:effectRef>
+      <a:fontRef idx="minor"/>
+    </dgm:style>
+  </dgm:styleLbl>
+  <dgm:styleLbl name="conFgAcc1">
+    <dgm:scene3d>
+      <a:camera prst="orthographicFront"/>
+      <a:lightRig rig="threePt" dir="t"/>
+    </dgm:scene3d>
+    <dgm:sp3d/>
+    <dgm:txPr/>
+    <dgm:style>
+      <a:lnRef idx="2">
+        <a:scrgbClr r="0" g="0" b="0"/>
+      </a:lnRef>
+      <a:fillRef idx="1">
+        <a:scrgbClr r="0" g="0" b="0"/>
+      </a:fillRef>
+      <a:effectRef idx="0">
+        <a:scrgbClr r="0" g="0" b="0"/>
+      </a:effectRef>
+      <a:fontRef idx="minor"/>
+    </dgm:style>
+  </dgm:styleLbl>
+  <dgm:styleLbl name="alignAcc1">
+    <dgm:scene3d>
+      <a:camera prst="orthographicFront"/>
+      <a:lightRig rig="threePt" dir="t"/>
+    </dgm:scene3d>
+    <dgm:sp3d/>
+    <dgm:txPr/>
+    <dgm:style>
+      <a:lnRef idx="2">
+        <a:scrgbClr r="0" g="0" b="0"/>
+      </a:lnRef>
+      <a:fillRef idx="1">
+        <a:scrgbClr r="0" g="0" b="0"/>
+      </a:fillRef>
+      <a:effectRef idx="0">
+        <a:scrgbClr r="0" g="0" b="0"/>
+      </a:effectRef>
+      <a:fontRef idx="minor"/>
+    </dgm:style>
+  </dgm:styleLbl>
+  <dgm:styleLbl name="trAlignAcc1">
+    <dgm:scene3d>
+      <a:camera prst="orthographicFront"/>
+      <a:lightRig rig="threePt" dir="t"/>
+    </dgm:scene3d>
+    <dgm:sp3d/>
+    <dgm:txPr/>
+    <dgm:style>
+      <a:lnRef idx="1">
+        <a:scrgbClr r="0" g="0" b="0"/>
+      </a:lnRef>
+      <a:fillRef idx="1">
+        <a:scrgbClr r="0" g="0" b="0"/>
+      </a:fillRef>
+      <a:effectRef idx="0">
+        <a:scrgbClr r="0" g="0" b="0"/>
+      </a:effectRef>
+      <a:fontRef idx="minor"/>
+    </dgm:style>
+  </dgm:styleLbl>
+  <dgm:styleLbl name="bgAcc1">
+    <dgm:scene3d>
+      <a:camera prst="orthographicFront"/>
+      <a:lightRig rig="threePt" dir="t"/>
+    </dgm:scene3d>
+    <dgm:sp3d/>
+    <dgm:txPr/>
+    <dgm:style>
+      <a:lnRef idx="2">
+        <a:scrgbClr r="0" g="0" b="0"/>
+      </a:lnRef>
+      <a:fillRef idx="1">
+        <a:scrgbClr r="0" g="0" b="0"/>
+      </a:fillRef>
+      <a:effectRef idx="0">
+        <a:scrgbClr r="0" g="0" b="0"/>
+      </a:effectRef>
+      <a:fontRef idx="minor"/>
+    </dgm:style>
+  </dgm:styleLbl>
+  <dgm:styleLbl name="solidFgAcc1">
+    <dgm:scene3d>
+      <a:camera prst="orthographicFront"/>
+      <a:lightRig rig="threePt" dir="t"/>
+    </dgm:scene3d>
+    <dgm:sp3d/>
+    <dgm:txPr/>
+    <dgm:style>
+      <a:lnRef idx="2">
+        <a:scrgbClr r="0" g="0" b="0"/>
+      </a:lnRef>
+      <a:fillRef idx="1">
+        <a:scrgbClr r="0" g="0" b="0"/>
+      </a:fillRef>
+      <a:effectRef idx="0">
+        <a:scrgbClr r="0" g="0" b="0"/>
+      </a:effectRef>
+      <a:fontRef idx="minor"/>
+    </dgm:style>
+  </dgm:styleLbl>
+  <dgm:styleLbl name="solidAlignAcc1">
+    <dgm:scene3d>
+      <a:camera prst="orthographicFront"/>
+      <a:lightRig rig="threePt" dir="t"/>
+    </dgm:scene3d>
+    <dgm:sp3d/>
+    <dgm:txPr/>
+    <dgm:style>
+      <a:lnRef idx="2">
+        <a:scrgbClr r="0" g="0" b="0"/>
+      </a:lnRef>
+      <a:fillRef idx="1">
+        <a:scrgbClr r="0" g="0" b="0"/>
+      </a:fillRef>
+      <a:effectRef idx="0">
+        <a:scrgbClr r="0" g="0" b="0"/>
+      </a:effectRef>
+      <a:fontRef idx="minor"/>
+    </dgm:style>
+  </dgm:styleLbl>
+  <dgm:styleLbl name="solidBgAcc1">
+    <dgm:scene3d>
+      <a:camera prst="orthographicFront"/>
+      <a:lightRig rig="threePt" dir="t"/>
+    </dgm:scene3d>
+    <dgm:sp3d/>
+    <dgm:txPr/>
+    <dgm:style>
+      <a:lnRef idx="2">
+        <a:scrgbClr r="0" g="0" b="0"/>
+      </a:lnRef>
+      <a:fillRef idx="1">
+        <a:scrgbClr r="0" g="0" b="0"/>
+      </a:fillRef>
+      <a:effectRef idx="0">
+        <a:scrgbClr r="0" g="0" b="0"/>
+      </a:effectRef>
+      <a:fontRef idx="minor"/>
+    </dgm:style>
+  </dgm:styleLbl>
+  <dgm:styleLbl name="fgAccFollowNode1">
+    <dgm:scene3d>
+      <a:camera prst="orthographicFront"/>
+      <a:lightRig rig="threePt" dir="t"/>
+    </dgm:scene3d>
+    <dgm:sp3d/>
+    <dgm:txPr/>
+    <dgm:style>
+      <a:lnRef idx="2">
+        <a:scrgbClr r="0" g="0" b="0"/>
+      </a:lnRef>
+      <a:fillRef idx="1">
+        <a:scrgbClr r="0" g="0" b="0"/>
+      </a:fillRef>
+      <a:effectRef idx="0">
+        <a:scrgbClr r="0" g="0" b="0"/>
+      </a:effectRef>
+      <a:fontRef idx="minor"/>
+    </dgm:style>
+  </dgm:styleLbl>
+  <dgm:styleLbl name="alignAccFollowNode1">
+    <dgm:scene3d>
+      <a:camera prst="orthographicFront"/>
+      <a:lightRig rig="threePt" dir="t"/>
+    </dgm:scene3d>
+    <dgm:sp3d/>
+    <dgm:txPr/>
+    <dgm:style>
+      <a:lnRef idx="2">
+        <a:scrgbClr r="0" g="0" b="0"/>
+      </a:lnRef>
+      <a:fillRef idx="1">
+        <a:scrgbClr r="0" g="0" b="0"/>
+      </a:fillRef>
+      <a:effectRef idx="0">
+        <a:scrgbClr r="0" g="0" b="0"/>
+      </a:effectRef>
+      <a:fontRef idx="minor"/>
+    </dgm:style>
+  </dgm:styleLbl>
+  <dgm:styleLbl name="bgAccFollowNode1">
+    <dgm:scene3d>
+      <a:camera prst="orthographicFront"/>
+      <a:lightRig rig="threePt" dir="t"/>
+    </dgm:scene3d>
+    <dgm:sp3d/>
+    <dgm:txPr/>
+    <dgm:style>
+      <a:lnRef idx="2">
+        <a:scrgbClr r="0" g="0" b="0"/>
+      </a:lnRef>
+      <a:fillRef idx="1">
+        <a:scrgbClr r="0" g="0" b="0"/>
+      </a:fillRef>
+      <a:effectRef idx="0">
+        <a:scrgbClr r="0" g="0" b="0"/>
+      </a:effectRef>
+      <a:fontRef idx="minor"/>
+    </dgm:style>
+  </dgm:styleLbl>
+  <dgm:styleLbl name="fgAcc0">
+    <dgm:scene3d>
+      <a:camera prst="orthographicFront"/>
+      <a:lightRig rig="threePt" dir="t"/>
+    </dgm:scene3d>
+    <dgm:sp3d/>
+    <dgm:txPr/>
+    <dgm:style>
+      <a:lnRef idx="2">
+        <a:scrgbClr r="0" g="0" b="0"/>
+      </a:lnRef>
+      <a:fillRef idx="1">
+        <a:scrgbClr r="0" g="0" b="0"/>
+      </a:fillRef>
+      <a:effectRef idx="0">
+        <a:scrgbClr r="0" g="0" b="0"/>
+      </a:effectRef>
+      <a:fontRef idx="minor"/>
+    </dgm:style>
+  </dgm:styleLbl>
+  <dgm:styleLbl name="fgAcc2">
+    <dgm:scene3d>
+      <a:camera prst="orthographicFront"/>
+      <a:lightRig rig="threePt" dir="t"/>
+    </dgm:scene3d>
+    <dgm:sp3d/>
+    <dgm:txPr/>
+    <dgm:style>
+      <a:lnRef idx="2">
+        <a:scrgbClr r="0" g="0" b="0"/>
+      </a:lnRef>
+      <a:fillRef idx="1">
+        <a:scrgbClr r="0" g="0" b="0"/>
+      </a:fillRef>
+      <a:effectRef idx="0">
+        <a:scrgbClr r="0" g="0" b="0"/>
+      </a:effectRef>
+      <a:fontRef idx="minor"/>
+    </dgm:style>
+  </dgm:styleLbl>
+  <dgm:styleLbl name="fgAcc3">
+    <dgm:scene3d>
+      <a:camera prst="orthographicFront"/>
+      <a:lightRig rig="threePt" dir="t"/>
+    </dgm:scene3d>
+    <dgm:sp3d/>
+    <dgm:txPr/>
+    <dgm:style>
+      <a:lnRef idx="2">
+        <a:scrgbClr r="0" g="0" b="0"/>
+      </a:lnRef>
+      <a:fillRef idx="1">
+        <a:scrgbClr r="0" g="0" b="0"/>
+      </a:fillRef>
+      <a:effectRef idx="0">
+        <a:scrgbClr r="0" g="0" b="0"/>
+      </a:effectRef>
+      <a:fontRef idx="minor"/>
+    </dgm:style>
+  </dgm:styleLbl>
+  <dgm:styleLbl name="fgAcc4">
+    <dgm:scene3d>
+      <a:camera prst="orthographicFront"/>
+      <a:lightRig rig="threePt" dir="t"/>
+    </dgm:scene3d>
+    <dgm:sp3d/>
+    <dgm:txPr/>
+    <dgm:style>
+      <a:lnRef idx="2">
+        <a:scrgbClr r="0" g="0" b="0"/>
+      </a:lnRef>
+      <a:fillRef idx="1">
+        <a:scrgbClr r="0" g="0" b="0"/>
+      </a:fillRef>
+      <a:effectRef idx="0">
+        <a:scrgbClr r="0" g="0" b="0"/>
+      </a:effectRef>
+      <a:fontRef idx="minor"/>
+    </dgm:style>
+  </dgm:styleLbl>
+  <dgm:styleLbl name="bgShp">
+    <dgm:scene3d>
+      <a:camera prst="orthographicFront"/>
+      <a:lightRig rig="threePt" dir="t"/>
+    </dgm:scene3d>
+    <dgm:sp3d/>
+    <dgm:txPr/>
+    <dgm:style>
+      <a:lnRef idx="0">
+        <a:scrgbClr r="0" g="0" b="0"/>
+      </a:lnRef>
+      <a:fillRef idx="1">
+        <a:scrgbClr r="0" g="0" b="0"/>
+      </a:fillRef>
+      <a:effectRef idx="0">
+        <a:scrgbClr r="0" g="0" b="0"/>
+      </a:effectRef>
+      <a:fontRef idx="minor"/>
+    </dgm:style>
+  </dgm:styleLbl>
+  <dgm:styleLbl name="dkBgShp">
+    <dgm:scene3d>
+      <a:camera prst="orthographicFront"/>
+      <a:lightRig rig="threePt" dir="t"/>
+    </dgm:scene3d>
+    <dgm:sp3d/>
+    <dgm:txPr/>
+    <dgm:style>
+      <a:lnRef idx="0">
+        <a:scrgbClr r="0" g="0" b="0"/>
+      </a:lnRef>
+      <a:fillRef idx="1">
+        <a:scrgbClr r="0" g="0" b="0"/>
+      </a:fillRef>
+      <a:effectRef idx="0">
+        <a:scrgbClr r="0" g="0" b="0"/>
+      </a:effectRef>
+      <a:fontRef idx="minor"/>
+    </dgm:style>
+  </dgm:styleLbl>
+  <dgm:styleLbl name="trBgShp">
+    <dgm:scene3d>
+      <a:camera prst="orthographicFront"/>
+      <a:lightRig rig="threePt" dir="t"/>
+    </dgm:scene3d>
+    <dgm:sp3d/>
+    <dgm:txPr/>
+    <dgm:style>
+      <a:lnRef idx="0">
+        <a:scrgbClr r="0" g="0" b="0"/>
+      </a:lnRef>
+      <a:fillRef idx="1">
+        <a:scrgbClr r="0" g="0" b="0"/>
+      </a:fillRef>
+      <a:effectRef idx="0">
+        <a:scrgbClr r="0" g="0" b="0"/>
+      </a:effectRef>
+      <a:fontRef idx="minor"/>
+    </dgm:style>
+  </dgm:styleLbl>
+  <dgm:styleLbl name="fgShp">
+    <dgm:scene3d>
+      <a:camera prst="orthographicFront"/>
+      <a:lightRig rig="threePt" dir="t"/>
+    </dgm:scene3d>
+    <dgm:sp3d/>
+    <dgm:txPr/>
+    <dgm:style>
+      <a:lnRef idx="2">
+        <a:scrgbClr r="0" g="0" b="0"/>
+      </a:lnRef>
+      <a:fillRef idx="1">
+        <a:scrgbClr r="0" g="0" b="0"/>
+      </a:fillRef>
+      <a:effectRef idx="0">
+        <a:scrgbClr r="0" g="0" b="0"/>
+      </a:effectRef>
+      <a:fontRef idx="minor"/>
+    </dgm:style>
+  </dgm:styleLbl>
+  <dgm:styleLbl name="revTx">
+    <dgm:scene3d>
+      <a:camera prst="orthographicFront"/>
+      <a:lightRig rig="threePt" dir="t"/>
+    </dgm:scene3d>
+    <dgm:sp3d/>
+    <dgm:txPr/>
+    <dgm:style>
+      <a:lnRef idx="0">
+        <a:scrgbClr r="0" g="0" b="0"/>
+      </a:lnRef>
+      <a:fillRef idx="0">
+        <a:scrgbClr r="0" g="0" b="0"/>
+      </a:fillRef>
+      <a:effectRef idx="0">
+        <a:scrgbClr r="0" g="0" b="0"/>
+      </a:effectRef>
+      <a:fontRef idx="minor"/>
+    </dgm:style>
+  </dgm:styleLbl>
+</dgm:styleDef>
+</file>
+
 <file path=ppt/diagrams/quickStyle2.xml><?xml version="1.0" encoding="utf-8"?>
 <dgm:styleDef xmlns:dgm="http://schemas.openxmlformats.org/drawingml/2006/diagram" xmlns:a="http://schemas.openxmlformats.org/drawingml/2006/main" uniqueId="urn:microsoft.com/office/officeart/2005/8/quickstyle/simple1">
   <dgm:title val=""/>
@@ -20489,7 +22878,7 @@
           <a:p>
             <a:fld id="{C2E97FD6-B269-4CD7-A073-512C01108090}" type="datetimeFigureOut">
               <a:rPr lang="fr-FR" smtClean="0"/>
-              <a:t>12/10/2023</a:t>
+              <a:t>18/10/2023</a:t>
             </a:fld>
             <a:endParaRPr lang="fr-FR"/>
           </a:p>
@@ -20697,7 +23086,7 @@
           <a:p>
             <a:fld id="{C2E97FD6-B269-4CD7-A073-512C01108090}" type="datetimeFigureOut">
               <a:rPr lang="fr-FR" smtClean="0"/>
-              <a:t>12/10/2023</a:t>
+              <a:t>18/10/2023</a:t>
             </a:fld>
             <a:endParaRPr lang="fr-FR"/>
           </a:p>
@@ -20953,7 +23342,7 @@
           <a:p>
             <a:fld id="{C2E97FD6-B269-4CD7-A073-512C01108090}" type="datetimeFigureOut">
               <a:rPr lang="fr-FR" smtClean="0"/>
-              <a:t>12/10/2023</a:t>
+              <a:t>18/10/2023</a:t>
             </a:fld>
             <a:endParaRPr lang="fr-FR"/>
           </a:p>
@@ -21123,7 +23512,7 @@
           <a:p>
             <a:fld id="{C2E97FD6-B269-4CD7-A073-512C01108090}" type="datetimeFigureOut">
               <a:rPr lang="fr-FR" smtClean="0"/>
-              <a:t>12/10/2023</a:t>
+              <a:t>18/10/2023</a:t>
             </a:fld>
             <a:endParaRPr lang="fr-FR"/>
           </a:p>
@@ -21466,7 +23855,7 @@
           <a:p>
             <a:fld id="{C2E97FD6-B269-4CD7-A073-512C01108090}" type="datetimeFigureOut">
               <a:rPr lang="fr-FR" smtClean="0"/>
-              <a:t>12/10/2023</a:t>
+              <a:t>18/10/2023</a:t>
             </a:fld>
             <a:endParaRPr lang="fr-FR"/>
           </a:p>
@@ -21741,7 +24130,7 @@
           <a:p>
             <a:fld id="{C2E97FD6-B269-4CD7-A073-512C01108090}" type="datetimeFigureOut">
               <a:rPr lang="fr-FR" smtClean="0"/>
-              <a:t>12/10/2023</a:t>
+              <a:t>18/10/2023</a:t>
             </a:fld>
             <a:endParaRPr lang="fr-FR"/>
           </a:p>
@@ -22120,7 +24509,7 @@
           <a:p>
             <a:fld id="{C2E97FD6-B269-4CD7-A073-512C01108090}" type="datetimeFigureOut">
               <a:rPr lang="fr-FR" smtClean="0"/>
-              <a:t>12/10/2023</a:t>
+              <a:t>18/10/2023</a:t>
             </a:fld>
             <a:endParaRPr lang="fr-FR"/>
           </a:p>
@@ -22238,7 +24627,7 @@
           <a:p>
             <a:fld id="{C2E97FD6-B269-4CD7-A073-512C01108090}" type="datetimeFigureOut">
               <a:rPr lang="fr-FR" smtClean="0"/>
-              <a:t>12/10/2023</a:t>
+              <a:t>18/10/2023</a:t>
             </a:fld>
             <a:endParaRPr lang="fr-FR"/>
           </a:p>
@@ -22409,7 +24798,7 @@
           <a:p>
             <a:fld id="{C2E97FD6-B269-4CD7-A073-512C01108090}" type="datetimeFigureOut">
               <a:rPr lang="fr-FR" smtClean="0"/>
-              <a:t>12/10/2023</a:t>
+              <a:t>18/10/2023</a:t>
             </a:fld>
             <a:endParaRPr lang="fr-FR"/>
           </a:p>
@@ -22763,7 +25152,7 @@
           <a:p>
             <a:fld id="{C2E97FD6-B269-4CD7-A073-512C01108090}" type="datetimeFigureOut">
               <a:rPr lang="fr-FR" smtClean="0"/>
-              <a:t>12/10/2023</a:t>
+              <a:t>18/10/2023</a:t>
             </a:fld>
             <a:endParaRPr lang="fr-FR"/>
           </a:p>
@@ -23140,7 +25529,7 @@
           <a:p>
             <a:fld id="{C2E97FD6-B269-4CD7-A073-512C01108090}" type="datetimeFigureOut">
               <a:rPr lang="fr-FR" smtClean="0"/>
-              <a:t>12/10/2023</a:t>
+              <a:t>18/10/2023</a:t>
             </a:fld>
             <a:endParaRPr lang="fr-FR"/>
           </a:p>
@@ -23427,7 +25816,7 @@
           <a:p>
             <a:fld id="{C2E97FD6-B269-4CD7-A073-512C01108090}" type="datetimeFigureOut">
               <a:rPr lang="fr-FR" smtClean="0"/>
-              <a:t>12/10/2023</a:t>
+              <a:t>18/10/2023</a:t>
             </a:fld>
             <a:endParaRPr lang="fr-FR"/>
           </a:p>
@@ -24150,7 +26539,7 @@
                 </a:solidFill>
                 <a:latin typeface="JetBrains Mono" panose="02000009000000000000" pitchFamily="49" charset="0"/>
               </a:rPr>
-              <a:t>Question 3 - Answer</a:t>
+              <a:t>Question 3</a:t>
             </a:r>
             <a:endParaRPr lang="fr-FR" dirty="0">
               <a:solidFill>
@@ -24292,6 +26681,225 @@
           </a:p>
           <a:p>
             <a:r>
+              <a:rPr lang="en-US" dirty="0"/>
+              <a:t>d) Using the </a:t>
+            </a:r>
+            <a:r>
+              <a:rPr lang="en-US" dirty="0" err="1"/>
+              <a:t>li.className</a:t>
+            </a:r>
+            <a:r>
+              <a:rPr lang="en-US" dirty="0"/>
+              <a:t> property.</a:t>
+            </a:r>
+            <a:endParaRPr lang="fr-FR" dirty="0"/>
+          </a:p>
+        </p:txBody>
+      </p:sp>
+    </p:spTree>
+    <p:extLst>
+      <p:ext uri="{BB962C8B-B14F-4D97-AF65-F5344CB8AC3E}">
+        <p14:creationId xmlns:p14="http://schemas.microsoft.com/office/powerpoint/2010/main" val="4006538366"/>
+      </p:ext>
+    </p:extLst>
+  </p:cSld>
+  <p:clrMapOvr>
+    <a:masterClrMapping/>
+  </p:clrMapOvr>
+</p:sld>
+</file>
+
+<file path=ppt/slides/slide11.xml><?xml version="1.0" encoding="utf-8"?>
+<p:sld xmlns:a="http://schemas.openxmlformats.org/drawingml/2006/main" xmlns:r="http://schemas.openxmlformats.org/officeDocument/2006/relationships" xmlns:p="http://schemas.openxmlformats.org/presentationml/2006/main">
+  <p:cSld>
+    <p:spTree>
+      <p:nvGrpSpPr>
+        <p:cNvPr id="1" name=""/>
+        <p:cNvGrpSpPr/>
+        <p:nvPr/>
+      </p:nvGrpSpPr>
+      <p:grpSpPr>
+        <a:xfrm>
+          <a:off x="0" y="0"/>
+          <a:ext cx="0" cy="0"/>
+          <a:chOff x="0" y="0"/>
+          <a:chExt cx="0" cy="0"/>
+        </a:xfrm>
+      </p:grpSpPr>
+      <p:sp>
+        <p:nvSpPr>
+          <p:cNvPr id="2" name="Title 1">
+            <a:extLst>
+              <a:ext uri="{FF2B5EF4-FFF2-40B4-BE49-F238E27FC236}">
+                <a16:creationId xmlns:a16="http://schemas.microsoft.com/office/drawing/2014/main" id="{BF1B5C15-8200-4683-A950-5DC04884CD7C}"/>
+              </a:ext>
+            </a:extLst>
+          </p:cNvPr>
+          <p:cNvSpPr>
+            <a:spLocks noGrp="1"/>
+          </p:cNvSpPr>
+          <p:nvPr>
+            <p:ph type="title"/>
+          </p:nvPr>
+        </p:nvSpPr>
+        <p:spPr/>
+        <p:txBody>
+          <a:bodyPr/>
+          <a:lstStyle/>
+          <a:p>
+            <a:r>
+              <a:rPr lang="en-GB" dirty="0"/>
+              <a:t>To-do App – </a:t>
+            </a:r>
+            <a:r>
+              <a:rPr lang="en-GB" dirty="0">
+                <a:solidFill>
+                  <a:srgbClr val="795E26"/>
+                </a:solidFill>
+                <a:latin typeface="JetBrains Mono" panose="02000009000000000000" pitchFamily="49" charset="0"/>
+              </a:rPr>
+              <a:t>Question 3 - Answer</a:t>
+            </a:r>
+            <a:endParaRPr lang="fr-FR" dirty="0">
+              <a:solidFill>
+                <a:srgbClr val="795E26"/>
+              </a:solidFill>
+              <a:latin typeface="JetBrains Mono" panose="02000009000000000000" pitchFamily="49" charset="0"/>
+            </a:endParaRPr>
+          </a:p>
+        </p:txBody>
+      </p:sp>
+      <p:sp>
+        <p:nvSpPr>
+          <p:cNvPr id="6" name="TextBox 5">
+            <a:extLst>
+              <a:ext uri="{FF2B5EF4-FFF2-40B4-BE49-F238E27FC236}">
+                <a16:creationId xmlns:a16="http://schemas.microsoft.com/office/drawing/2014/main" id="{CE3D1F32-584F-4F55-8064-299738F6C6DC}"/>
+              </a:ext>
+            </a:extLst>
+          </p:cNvPr>
+          <p:cNvSpPr txBox="1"/>
+          <p:nvPr/>
+        </p:nvSpPr>
+        <p:spPr>
+          <a:xfrm>
+            <a:off x="1097280" y="6409081"/>
+            <a:ext cx="7115542" cy="369332"/>
+          </a:xfrm>
+          <a:prstGeom prst="rect">
+            <a:avLst/>
+          </a:prstGeom>
+          <a:noFill/>
+        </p:spPr>
+        <p:txBody>
+          <a:bodyPr wrap="square">
+            <a:spAutoFit/>
+          </a:bodyPr>
+          <a:lstStyle/>
+          <a:p>
+            <a:r>
+              <a:rPr lang="en-GB" dirty="0">
+                <a:solidFill>
+                  <a:schemeClr val="accent1">
+                    <a:lumMod val="50000"/>
+                  </a:schemeClr>
+                </a:solidFill>
+              </a:rPr>
+              <a:t>JS Sessions – Full Stack Web Development</a:t>
+            </a:r>
+            <a:endParaRPr lang="fr-FR" dirty="0"/>
+          </a:p>
+        </p:txBody>
+      </p:sp>
+      <p:sp>
+        <p:nvSpPr>
+          <p:cNvPr id="7" name="TextBox 6">
+            <a:extLst>
+              <a:ext uri="{FF2B5EF4-FFF2-40B4-BE49-F238E27FC236}">
+                <a16:creationId xmlns:a16="http://schemas.microsoft.com/office/drawing/2014/main" id="{BDE5415B-BA2E-4F35-A21A-B09FBF6B6ADE}"/>
+              </a:ext>
+            </a:extLst>
+          </p:cNvPr>
+          <p:cNvSpPr txBox="1"/>
+          <p:nvPr/>
+        </p:nvSpPr>
+        <p:spPr>
+          <a:xfrm>
+            <a:off x="1097280" y="2162087"/>
+            <a:ext cx="10058400" cy="1477328"/>
+          </a:xfrm>
+          <a:prstGeom prst="rect">
+            <a:avLst/>
+          </a:prstGeom>
+          <a:noFill/>
+        </p:spPr>
+        <p:txBody>
+          <a:bodyPr wrap="square">
+            <a:spAutoFit/>
+          </a:bodyPr>
+          <a:lstStyle/>
+          <a:p>
+            <a:r>
+              <a:rPr lang="en-US" b="1" dirty="0"/>
+              <a:t>How</a:t>
+            </a:r>
+            <a:r>
+              <a:rPr lang="en-US" dirty="0"/>
+              <a:t> is the class name of the newly created list item set in the </a:t>
+            </a:r>
+            <a:r>
+              <a:rPr lang="en-US" dirty="0" err="1"/>
+              <a:t>addTask</a:t>
+            </a:r>
+            <a:r>
+              <a:rPr lang="en-US" dirty="0"/>
+              <a:t> function?</a:t>
+            </a:r>
+          </a:p>
+          <a:p>
+            <a:r>
+              <a:rPr lang="en-US" dirty="0"/>
+              <a:t>a) Using the </a:t>
+            </a:r>
+            <a:r>
+              <a:rPr lang="en-US" dirty="0" err="1"/>
+              <a:t>innerHTML</a:t>
+            </a:r>
+            <a:r>
+              <a:rPr lang="en-US" dirty="0"/>
+              <a:t> property.</a:t>
+            </a:r>
+          </a:p>
+          <a:p>
+            <a:r>
+              <a:rPr lang="en-US" dirty="0"/>
+              <a:t>b) Using the </a:t>
+            </a:r>
+            <a:r>
+              <a:rPr lang="en-US" dirty="0" err="1"/>
+              <a:t>inputBox.value</a:t>
+            </a:r>
+            <a:r>
+              <a:rPr lang="en-US" dirty="0"/>
+              <a:t> property.</a:t>
+            </a:r>
+          </a:p>
+          <a:p>
+            <a:r>
+              <a:rPr lang="en-US" dirty="0"/>
+              <a:t>c) Using the </a:t>
+            </a:r>
+            <a:r>
+              <a:rPr lang="en-US" dirty="0" err="1"/>
+              <a:t>li.innerHTML</a:t>
+            </a:r>
+            <a:r>
+              <a:rPr lang="en-US" dirty="0"/>
+              <a:t> property.</a:t>
+            </a:r>
+          </a:p>
+          <a:p>
+            <a:r>
               <a:rPr lang="en-US" b="1" dirty="0">
                 <a:solidFill>
                   <a:srgbClr val="00B050"/>
@@ -24336,7 +26944,7 @@
 </p:sld>
 </file>
 
-<file path=ppt/slides/slide11.xml><?xml version="1.0" encoding="utf-8"?>
+<file path=ppt/slides/slide12.xml><?xml version="1.0" encoding="utf-8"?>
 <p:sld xmlns:a="http://schemas.openxmlformats.org/drawingml/2006/main" xmlns:r="http://schemas.openxmlformats.org/officeDocument/2006/relationships" xmlns:p="http://schemas.openxmlformats.org/presentationml/2006/main">
   <p:cSld>
     <p:spTree>
@@ -24919,7 +27527,7 @@
 </p:sld>
 </file>
 
-<file path=ppt/slides/slide12.xml><?xml version="1.0" encoding="utf-8"?>
+<file path=ppt/slides/slide13.xml><?xml version="1.0" encoding="utf-8"?>
 <p:sld xmlns:a="http://schemas.openxmlformats.org/drawingml/2006/main" xmlns:r="http://schemas.openxmlformats.org/officeDocument/2006/relationships" xmlns:p="http://schemas.openxmlformats.org/presentationml/2006/main">
   <p:cSld>
     <p:spTree>
@@ -25731,197 +28339,6 @@
 </p:sld>
 </file>
 
-<file path=ppt/slides/slide13.xml><?xml version="1.0" encoding="utf-8"?>
-<p:sld xmlns:a="http://schemas.openxmlformats.org/drawingml/2006/main" xmlns:r="http://schemas.openxmlformats.org/officeDocument/2006/relationships" xmlns:p="http://schemas.openxmlformats.org/presentationml/2006/main">
-  <p:cSld>
-    <p:spTree>
-      <p:nvGrpSpPr>
-        <p:cNvPr id="1" name=""/>
-        <p:cNvGrpSpPr/>
-        <p:nvPr/>
-      </p:nvGrpSpPr>
-      <p:grpSpPr>
-        <a:xfrm>
-          <a:off x="0" y="0"/>
-          <a:ext cx="0" cy="0"/>
-          <a:chOff x="0" y="0"/>
-          <a:chExt cx="0" cy="0"/>
-        </a:xfrm>
-      </p:grpSpPr>
-      <p:sp>
-        <p:nvSpPr>
-          <p:cNvPr id="2" name="Title 1">
-            <a:extLst>
-              <a:ext uri="{FF2B5EF4-FFF2-40B4-BE49-F238E27FC236}">
-                <a16:creationId xmlns:a16="http://schemas.microsoft.com/office/drawing/2014/main" id="{BF1B5C15-8200-4683-A950-5DC04884CD7C}"/>
-              </a:ext>
-            </a:extLst>
-          </p:cNvPr>
-          <p:cNvSpPr>
-            <a:spLocks noGrp="1"/>
-          </p:cNvSpPr>
-          <p:nvPr>
-            <p:ph type="title"/>
-          </p:nvPr>
-        </p:nvSpPr>
-        <p:spPr/>
-        <p:txBody>
-          <a:bodyPr/>
-          <a:lstStyle/>
-          <a:p>
-            <a:r>
-              <a:rPr lang="en-GB" dirty="0"/>
-              <a:t>To-do App – </a:t>
-            </a:r>
-            <a:r>
-              <a:rPr lang="en-GB" dirty="0">
-                <a:solidFill>
-                  <a:srgbClr val="795E26"/>
-                </a:solidFill>
-                <a:latin typeface="JetBrains Mono" panose="02000009000000000000" pitchFamily="49" charset="0"/>
-              </a:rPr>
-              <a:t>Question 4 </a:t>
-            </a:r>
-            <a:endParaRPr lang="fr-FR" dirty="0">
-              <a:solidFill>
-                <a:srgbClr val="795E26"/>
-              </a:solidFill>
-              <a:latin typeface="JetBrains Mono" panose="02000009000000000000" pitchFamily="49" charset="0"/>
-            </a:endParaRPr>
-          </a:p>
-        </p:txBody>
-      </p:sp>
-      <p:sp>
-        <p:nvSpPr>
-          <p:cNvPr id="6" name="TextBox 5">
-            <a:extLst>
-              <a:ext uri="{FF2B5EF4-FFF2-40B4-BE49-F238E27FC236}">
-                <a16:creationId xmlns:a16="http://schemas.microsoft.com/office/drawing/2014/main" id="{CE3D1F32-584F-4F55-8064-299738F6C6DC}"/>
-              </a:ext>
-            </a:extLst>
-          </p:cNvPr>
-          <p:cNvSpPr txBox="1"/>
-          <p:nvPr/>
-        </p:nvSpPr>
-        <p:spPr>
-          <a:xfrm>
-            <a:off x="1097280" y="6409081"/>
-            <a:ext cx="7115542" cy="369332"/>
-          </a:xfrm>
-          <a:prstGeom prst="rect">
-            <a:avLst/>
-          </a:prstGeom>
-          <a:noFill/>
-        </p:spPr>
-        <p:txBody>
-          <a:bodyPr wrap="square">
-            <a:spAutoFit/>
-          </a:bodyPr>
-          <a:lstStyle/>
-          <a:p>
-            <a:r>
-              <a:rPr lang="en-GB" dirty="0">
-                <a:solidFill>
-                  <a:schemeClr val="accent1">
-                    <a:lumMod val="50000"/>
-                  </a:schemeClr>
-                </a:solidFill>
-              </a:rPr>
-              <a:t>JS Sessions – Full Stack Web Development</a:t>
-            </a:r>
-            <a:endParaRPr lang="fr-FR" dirty="0"/>
-          </a:p>
-        </p:txBody>
-      </p:sp>
-      <p:sp>
-        <p:nvSpPr>
-          <p:cNvPr id="7" name="TextBox 6">
-            <a:extLst>
-              <a:ext uri="{FF2B5EF4-FFF2-40B4-BE49-F238E27FC236}">
-                <a16:creationId xmlns:a16="http://schemas.microsoft.com/office/drawing/2014/main" id="{BDE5415B-BA2E-4F35-A21A-B09FBF6B6ADE}"/>
-              </a:ext>
-            </a:extLst>
-          </p:cNvPr>
-          <p:cNvSpPr txBox="1"/>
-          <p:nvPr/>
-        </p:nvSpPr>
-        <p:spPr>
-          <a:xfrm>
-            <a:off x="1097280" y="2162087"/>
-            <a:ext cx="10058400" cy="1477328"/>
-          </a:xfrm>
-          <a:prstGeom prst="rect">
-            <a:avLst/>
-          </a:prstGeom>
-          <a:noFill/>
-        </p:spPr>
-        <p:txBody>
-          <a:bodyPr wrap="square">
-            <a:spAutoFit/>
-          </a:bodyPr>
-          <a:lstStyle/>
-          <a:p>
-            <a:r>
-              <a:rPr lang="en-US" b="1" dirty="0"/>
-              <a:t>How</a:t>
-            </a:r>
-            <a:r>
-              <a:rPr lang="en-US" dirty="0"/>
-              <a:t> does the "Remove" button get appended to a task (list item) in the </a:t>
-            </a:r>
-            <a:r>
-              <a:rPr lang="en-US" dirty="0" err="1"/>
-              <a:t>addTask</a:t>
-            </a:r>
-            <a:r>
-              <a:rPr lang="en-US" dirty="0"/>
-              <a:t> function?</a:t>
-            </a:r>
-          </a:p>
-          <a:p>
-            <a:r>
-              <a:rPr lang="en-US" dirty="0"/>
-              <a:t>a) It's created as a separate HTML element outside of the list item.</a:t>
-            </a:r>
-          </a:p>
-          <a:p>
-            <a:r>
-              <a:rPr lang="en-US" dirty="0"/>
-              <a:t>b) It's created as a child element of the list item.</a:t>
-            </a:r>
-          </a:p>
-          <a:p>
-            <a:r>
-              <a:rPr lang="en-US" dirty="0"/>
-              <a:t>c) It's created as a sibling element of the list item.</a:t>
-            </a:r>
-          </a:p>
-          <a:p>
-            <a:r>
-              <a:rPr lang="en-US" dirty="0"/>
-              <a:t>d) It's created using a different function.</a:t>
-            </a:r>
-            <a:endParaRPr lang="fr-FR" b="1" dirty="0">
-              <a:solidFill>
-                <a:srgbClr val="00B050"/>
-              </a:solidFill>
-            </a:endParaRPr>
-          </a:p>
-        </p:txBody>
-      </p:sp>
-    </p:spTree>
-    <p:extLst>
-      <p:ext uri="{BB962C8B-B14F-4D97-AF65-F5344CB8AC3E}">
-        <p14:creationId xmlns:p14="http://schemas.microsoft.com/office/powerpoint/2010/main" val="2417583732"/>
-      </p:ext>
-    </p:extLst>
-  </p:cSld>
-  <p:clrMapOvr>
-    <a:masterClrMapping/>
-  </p:clrMapOvr>
-</p:sld>
-</file>
-
 <file path=ppt/slides/slide14.xml><?xml version="1.0" encoding="utf-8"?>
 <p:sld xmlns:a="http://schemas.openxmlformats.org/drawingml/2006/main" xmlns:r="http://schemas.openxmlformats.org/officeDocument/2006/relationships" xmlns:p="http://schemas.openxmlformats.org/presentationml/2006/main">
   <p:cSld>
@@ -25971,7 +28388,7 @@
                 </a:solidFill>
                 <a:latin typeface="JetBrains Mono" panose="02000009000000000000" pitchFamily="49" charset="0"/>
               </a:rPr>
-              <a:t>Question 4 - answer </a:t>
+              <a:t>Question 4 </a:t>
             </a:r>
             <a:endParaRPr lang="fr-FR" dirty="0">
               <a:solidFill>
@@ -26053,6 +28470,197 @@
           <a:lstStyle/>
           <a:p>
             <a:r>
+              <a:rPr lang="en-US" b="1" dirty="0"/>
+              <a:t>How</a:t>
+            </a:r>
+            <a:r>
+              <a:rPr lang="en-US" dirty="0"/>
+              <a:t> does the "Remove" button get appended to a task (list item) in the </a:t>
+            </a:r>
+            <a:r>
+              <a:rPr lang="en-US" dirty="0" err="1"/>
+              <a:t>addTask</a:t>
+            </a:r>
+            <a:r>
+              <a:rPr lang="en-US" dirty="0"/>
+              <a:t> function?</a:t>
+            </a:r>
+          </a:p>
+          <a:p>
+            <a:r>
+              <a:rPr lang="en-US" dirty="0"/>
+              <a:t>a) It's created as a separate HTML element outside of the list item.</a:t>
+            </a:r>
+          </a:p>
+          <a:p>
+            <a:r>
+              <a:rPr lang="en-US" dirty="0"/>
+              <a:t>b) It's created as a child element of the list item.</a:t>
+            </a:r>
+          </a:p>
+          <a:p>
+            <a:r>
+              <a:rPr lang="en-US" dirty="0"/>
+              <a:t>c) It's created as a sibling element of the list item.</a:t>
+            </a:r>
+          </a:p>
+          <a:p>
+            <a:r>
+              <a:rPr lang="en-US" dirty="0"/>
+              <a:t>d) It's created using a different function.</a:t>
+            </a:r>
+            <a:endParaRPr lang="fr-FR" b="1" dirty="0">
+              <a:solidFill>
+                <a:srgbClr val="00B050"/>
+              </a:solidFill>
+            </a:endParaRPr>
+          </a:p>
+        </p:txBody>
+      </p:sp>
+    </p:spTree>
+    <p:extLst>
+      <p:ext uri="{BB962C8B-B14F-4D97-AF65-F5344CB8AC3E}">
+        <p14:creationId xmlns:p14="http://schemas.microsoft.com/office/powerpoint/2010/main" val="2417583732"/>
+      </p:ext>
+    </p:extLst>
+  </p:cSld>
+  <p:clrMapOvr>
+    <a:masterClrMapping/>
+  </p:clrMapOvr>
+</p:sld>
+</file>
+
+<file path=ppt/slides/slide15.xml><?xml version="1.0" encoding="utf-8"?>
+<p:sld xmlns:a="http://schemas.openxmlformats.org/drawingml/2006/main" xmlns:r="http://schemas.openxmlformats.org/officeDocument/2006/relationships" xmlns:p="http://schemas.openxmlformats.org/presentationml/2006/main">
+  <p:cSld>
+    <p:spTree>
+      <p:nvGrpSpPr>
+        <p:cNvPr id="1" name=""/>
+        <p:cNvGrpSpPr/>
+        <p:nvPr/>
+      </p:nvGrpSpPr>
+      <p:grpSpPr>
+        <a:xfrm>
+          <a:off x="0" y="0"/>
+          <a:ext cx="0" cy="0"/>
+          <a:chOff x="0" y="0"/>
+          <a:chExt cx="0" cy="0"/>
+        </a:xfrm>
+      </p:grpSpPr>
+      <p:sp>
+        <p:nvSpPr>
+          <p:cNvPr id="2" name="Title 1">
+            <a:extLst>
+              <a:ext uri="{FF2B5EF4-FFF2-40B4-BE49-F238E27FC236}">
+                <a16:creationId xmlns:a16="http://schemas.microsoft.com/office/drawing/2014/main" id="{BF1B5C15-8200-4683-A950-5DC04884CD7C}"/>
+              </a:ext>
+            </a:extLst>
+          </p:cNvPr>
+          <p:cNvSpPr>
+            <a:spLocks noGrp="1"/>
+          </p:cNvSpPr>
+          <p:nvPr>
+            <p:ph type="title"/>
+          </p:nvPr>
+        </p:nvSpPr>
+        <p:spPr/>
+        <p:txBody>
+          <a:bodyPr/>
+          <a:lstStyle/>
+          <a:p>
+            <a:r>
+              <a:rPr lang="en-GB" dirty="0"/>
+              <a:t>To-do App – </a:t>
+            </a:r>
+            <a:r>
+              <a:rPr lang="en-GB" dirty="0">
+                <a:solidFill>
+                  <a:srgbClr val="795E26"/>
+                </a:solidFill>
+                <a:latin typeface="JetBrains Mono" panose="02000009000000000000" pitchFamily="49" charset="0"/>
+              </a:rPr>
+              <a:t>Question 4 - answer </a:t>
+            </a:r>
+            <a:endParaRPr lang="fr-FR" dirty="0">
+              <a:solidFill>
+                <a:srgbClr val="795E26"/>
+              </a:solidFill>
+              <a:latin typeface="JetBrains Mono" panose="02000009000000000000" pitchFamily="49" charset="0"/>
+            </a:endParaRPr>
+          </a:p>
+        </p:txBody>
+      </p:sp>
+      <p:sp>
+        <p:nvSpPr>
+          <p:cNvPr id="6" name="TextBox 5">
+            <a:extLst>
+              <a:ext uri="{FF2B5EF4-FFF2-40B4-BE49-F238E27FC236}">
+                <a16:creationId xmlns:a16="http://schemas.microsoft.com/office/drawing/2014/main" id="{CE3D1F32-584F-4F55-8064-299738F6C6DC}"/>
+              </a:ext>
+            </a:extLst>
+          </p:cNvPr>
+          <p:cNvSpPr txBox="1"/>
+          <p:nvPr/>
+        </p:nvSpPr>
+        <p:spPr>
+          <a:xfrm>
+            <a:off x="1097280" y="6409081"/>
+            <a:ext cx="7115542" cy="369332"/>
+          </a:xfrm>
+          <a:prstGeom prst="rect">
+            <a:avLst/>
+          </a:prstGeom>
+          <a:noFill/>
+        </p:spPr>
+        <p:txBody>
+          <a:bodyPr wrap="square">
+            <a:spAutoFit/>
+          </a:bodyPr>
+          <a:lstStyle/>
+          <a:p>
+            <a:r>
+              <a:rPr lang="en-GB" dirty="0">
+                <a:solidFill>
+                  <a:schemeClr val="accent1">
+                    <a:lumMod val="50000"/>
+                  </a:schemeClr>
+                </a:solidFill>
+              </a:rPr>
+              <a:t>JS Sessions – Full Stack Web Development</a:t>
+            </a:r>
+            <a:endParaRPr lang="fr-FR" dirty="0"/>
+          </a:p>
+        </p:txBody>
+      </p:sp>
+      <p:sp>
+        <p:nvSpPr>
+          <p:cNvPr id="7" name="TextBox 6">
+            <a:extLst>
+              <a:ext uri="{FF2B5EF4-FFF2-40B4-BE49-F238E27FC236}">
+                <a16:creationId xmlns:a16="http://schemas.microsoft.com/office/drawing/2014/main" id="{BDE5415B-BA2E-4F35-A21A-B09FBF6B6ADE}"/>
+              </a:ext>
+            </a:extLst>
+          </p:cNvPr>
+          <p:cNvSpPr txBox="1"/>
+          <p:nvPr/>
+        </p:nvSpPr>
+        <p:spPr>
+          <a:xfrm>
+            <a:off x="1097280" y="2162087"/>
+            <a:ext cx="10058400" cy="1477328"/>
+          </a:xfrm>
+          <a:prstGeom prst="rect">
+            <a:avLst/>
+          </a:prstGeom>
+          <a:noFill/>
+        </p:spPr>
+        <p:txBody>
+          <a:bodyPr wrap="square">
+            <a:spAutoFit/>
+          </a:bodyPr>
+          <a:lstStyle/>
+          <a:p>
+            <a:r>
               <a:rPr lang="en-US" dirty="0"/>
               <a:t>How does the "Remove" button get appended to a task (list item) in the </a:t>
             </a:r>
@@ -26113,7 +28721,7 @@
 </p:sld>
 </file>
 
-<file path=ppt/slides/slide15.xml><?xml version="1.0" encoding="utf-8"?>
+<file path=ppt/slides/slide16.xml><?xml version="1.0" encoding="utf-8"?>
 <p:sld xmlns:a="http://schemas.openxmlformats.org/drawingml/2006/main" xmlns:r="http://schemas.openxmlformats.org/officeDocument/2006/relationships" xmlns:p="http://schemas.openxmlformats.org/presentationml/2006/main">
   <p:cSld>
     <p:spTree>
@@ -26564,205 +29172,6 @@
 </p:sld>
 </file>
 
-<file path=ppt/slides/slide16.xml><?xml version="1.0" encoding="utf-8"?>
-<p:sld xmlns:a="http://schemas.openxmlformats.org/drawingml/2006/main" xmlns:r="http://schemas.openxmlformats.org/officeDocument/2006/relationships" xmlns:p="http://schemas.openxmlformats.org/presentationml/2006/main">
-  <p:cSld>
-    <p:spTree>
-      <p:nvGrpSpPr>
-        <p:cNvPr id="1" name=""/>
-        <p:cNvGrpSpPr/>
-        <p:nvPr/>
-      </p:nvGrpSpPr>
-      <p:grpSpPr>
-        <a:xfrm>
-          <a:off x="0" y="0"/>
-          <a:ext cx="0" cy="0"/>
-          <a:chOff x="0" y="0"/>
-          <a:chExt cx="0" cy="0"/>
-        </a:xfrm>
-      </p:grpSpPr>
-      <p:sp>
-        <p:nvSpPr>
-          <p:cNvPr id="2" name="Title 1">
-            <a:extLst>
-              <a:ext uri="{FF2B5EF4-FFF2-40B4-BE49-F238E27FC236}">
-                <a16:creationId xmlns:a16="http://schemas.microsoft.com/office/drawing/2014/main" id="{BF1B5C15-8200-4683-A950-5DC04884CD7C}"/>
-              </a:ext>
-            </a:extLst>
-          </p:cNvPr>
-          <p:cNvSpPr>
-            <a:spLocks noGrp="1"/>
-          </p:cNvSpPr>
-          <p:nvPr>
-            <p:ph type="title"/>
-          </p:nvPr>
-        </p:nvSpPr>
-        <p:spPr/>
-        <p:txBody>
-          <a:bodyPr/>
-          <a:lstStyle/>
-          <a:p>
-            <a:r>
-              <a:rPr lang="en-GB" dirty="0"/>
-              <a:t>To-do App – </a:t>
-            </a:r>
-            <a:r>
-              <a:rPr lang="en-GB" dirty="0">
-                <a:solidFill>
-                  <a:srgbClr val="795E26"/>
-                </a:solidFill>
-                <a:latin typeface="JetBrains Mono" panose="02000009000000000000" pitchFamily="49" charset="0"/>
-              </a:rPr>
-              <a:t>Question 5 </a:t>
-            </a:r>
-            <a:endParaRPr lang="fr-FR" dirty="0">
-              <a:solidFill>
-                <a:srgbClr val="795E26"/>
-              </a:solidFill>
-              <a:latin typeface="JetBrains Mono" panose="02000009000000000000" pitchFamily="49" charset="0"/>
-            </a:endParaRPr>
-          </a:p>
-        </p:txBody>
-      </p:sp>
-      <p:sp>
-        <p:nvSpPr>
-          <p:cNvPr id="6" name="TextBox 5">
-            <a:extLst>
-              <a:ext uri="{FF2B5EF4-FFF2-40B4-BE49-F238E27FC236}">
-                <a16:creationId xmlns:a16="http://schemas.microsoft.com/office/drawing/2014/main" id="{CE3D1F32-584F-4F55-8064-299738F6C6DC}"/>
-              </a:ext>
-            </a:extLst>
-          </p:cNvPr>
-          <p:cNvSpPr txBox="1"/>
-          <p:nvPr/>
-        </p:nvSpPr>
-        <p:spPr>
-          <a:xfrm>
-            <a:off x="1097280" y="6409081"/>
-            <a:ext cx="7115542" cy="369332"/>
-          </a:xfrm>
-          <a:prstGeom prst="rect">
-            <a:avLst/>
-          </a:prstGeom>
-          <a:noFill/>
-        </p:spPr>
-        <p:txBody>
-          <a:bodyPr wrap="square">
-            <a:spAutoFit/>
-          </a:bodyPr>
-          <a:lstStyle/>
-          <a:p>
-            <a:r>
-              <a:rPr lang="en-GB" dirty="0">
-                <a:solidFill>
-                  <a:schemeClr val="accent1">
-                    <a:lumMod val="50000"/>
-                  </a:schemeClr>
-                </a:solidFill>
-              </a:rPr>
-              <a:t>JS Sessions – Full Stack Web Development</a:t>
-            </a:r>
-            <a:endParaRPr lang="fr-FR" dirty="0"/>
-          </a:p>
-        </p:txBody>
-      </p:sp>
-      <p:sp>
-        <p:nvSpPr>
-          <p:cNvPr id="7" name="TextBox 6">
-            <a:extLst>
-              <a:ext uri="{FF2B5EF4-FFF2-40B4-BE49-F238E27FC236}">
-                <a16:creationId xmlns:a16="http://schemas.microsoft.com/office/drawing/2014/main" id="{BDE5415B-BA2E-4F35-A21A-B09FBF6B6ADE}"/>
-              </a:ext>
-            </a:extLst>
-          </p:cNvPr>
-          <p:cNvSpPr txBox="1"/>
-          <p:nvPr/>
-        </p:nvSpPr>
-        <p:spPr>
-          <a:xfrm>
-            <a:off x="1097280" y="2162087"/>
-            <a:ext cx="10058400" cy="1477328"/>
-          </a:xfrm>
-          <a:prstGeom prst="rect">
-            <a:avLst/>
-          </a:prstGeom>
-          <a:noFill/>
-        </p:spPr>
-        <p:txBody>
-          <a:bodyPr wrap="square">
-            <a:spAutoFit/>
-          </a:bodyPr>
-          <a:lstStyle/>
-          <a:p>
-            <a:r>
-              <a:rPr lang="en-US" b="1" dirty="0"/>
-              <a:t>What</a:t>
-            </a:r>
-            <a:r>
-              <a:rPr lang="en-US" dirty="0"/>
-              <a:t> is the purpose of the </a:t>
-            </a:r>
-            <a:r>
-              <a:rPr lang="en-US" dirty="0" err="1"/>
-              <a:t>inputBox.value</a:t>
-            </a:r>
-            <a:r>
-              <a:rPr lang="en-US" dirty="0"/>
-              <a:t> = "" line in the </a:t>
-            </a:r>
-            <a:r>
-              <a:rPr lang="en-US" dirty="0" err="1"/>
-              <a:t>addTask</a:t>
-            </a:r>
-            <a:r>
-              <a:rPr lang="en-US" dirty="0"/>
-              <a:t> function?</a:t>
-            </a:r>
-          </a:p>
-          <a:p>
-            <a:r>
-              <a:rPr lang="en-US" dirty="0"/>
-              <a:t>a) It adds an empty list item to the task list.</a:t>
-            </a:r>
-          </a:p>
-          <a:p>
-            <a:r>
-              <a:rPr lang="en-US" dirty="0"/>
-              <a:t>b) It removes the last added task from the list.</a:t>
-            </a:r>
-          </a:p>
-          <a:p>
-            <a:r>
-              <a:rPr lang="en-US" dirty="0"/>
-              <a:t>c) It clears the input field after adding a task.</a:t>
-            </a:r>
-          </a:p>
-          <a:p>
-            <a:r>
-              <a:rPr lang="en-US" dirty="0"/>
-              <a:t>d) It sets the value of the input field to the task text.</a:t>
-            </a:r>
-            <a:endParaRPr lang="fr-FR" b="1" dirty="0">
-              <a:solidFill>
-                <a:srgbClr val="00B050"/>
-              </a:solidFill>
-            </a:endParaRPr>
-          </a:p>
-        </p:txBody>
-      </p:sp>
-    </p:spTree>
-    <p:extLst>
-      <p:ext uri="{BB962C8B-B14F-4D97-AF65-F5344CB8AC3E}">
-        <p14:creationId xmlns:p14="http://schemas.microsoft.com/office/powerpoint/2010/main" val="374737330"/>
-      </p:ext>
-    </p:extLst>
-  </p:cSld>
-  <p:clrMapOvr>
-    <a:masterClrMapping/>
-  </p:clrMapOvr>
-</p:sld>
-</file>
-
 <file path=ppt/slides/slide17.xml><?xml version="1.0" encoding="utf-8"?>
 <p:sld xmlns:a="http://schemas.openxmlformats.org/drawingml/2006/main" xmlns:r="http://schemas.openxmlformats.org/officeDocument/2006/relationships" xmlns:p="http://schemas.openxmlformats.org/presentationml/2006/main">
   <p:cSld>
@@ -26812,7 +29221,7 @@
                 </a:solidFill>
                 <a:latin typeface="JetBrains Mono" panose="02000009000000000000" pitchFamily="49" charset="0"/>
               </a:rPr>
-              <a:t>Question 5 - Answer</a:t>
+              <a:t>Question 5 </a:t>
             </a:r>
             <a:endParaRPr lang="fr-FR" dirty="0">
               <a:solidFill>
@@ -26932,6 +29341,205 @@
           </a:p>
           <a:p>
             <a:r>
+              <a:rPr lang="en-US" dirty="0"/>
+              <a:t>c) It clears the input field after adding a task.</a:t>
+            </a:r>
+          </a:p>
+          <a:p>
+            <a:r>
+              <a:rPr lang="en-US" dirty="0"/>
+              <a:t>d) It sets the value of the input field to the task text.</a:t>
+            </a:r>
+            <a:endParaRPr lang="fr-FR" b="1" dirty="0">
+              <a:solidFill>
+                <a:srgbClr val="00B050"/>
+              </a:solidFill>
+            </a:endParaRPr>
+          </a:p>
+        </p:txBody>
+      </p:sp>
+    </p:spTree>
+    <p:extLst>
+      <p:ext uri="{BB962C8B-B14F-4D97-AF65-F5344CB8AC3E}">
+        <p14:creationId xmlns:p14="http://schemas.microsoft.com/office/powerpoint/2010/main" val="374737330"/>
+      </p:ext>
+    </p:extLst>
+  </p:cSld>
+  <p:clrMapOvr>
+    <a:masterClrMapping/>
+  </p:clrMapOvr>
+</p:sld>
+</file>
+
+<file path=ppt/slides/slide18.xml><?xml version="1.0" encoding="utf-8"?>
+<p:sld xmlns:a="http://schemas.openxmlformats.org/drawingml/2006/main" xmlns:r="http://schemas.openxmlformats.org/officeDocument/2006/relationships" xmlns:p="http://schemas.openxmlformats.org/presentationml/2006/main">
+  <p:cSld>
+    <p:spTree>
+      <p:nvGrpSpPr>
+        <p:cNvPr id="1" name=""/>
+        <p:cNvGrpSpPr/>
+        <p:nvPr/>
+      </p:nvGrpSpPr>
+      <p:grpSpPr>
+        <a:xfrm>
+          <a:off x="0" y="0"/>
+          <a:ext cx="0" cy="0"/>
+          <a:chOff x="0" y="0"/>
+          <a:chExt cx="0" cy="0"/>
+        </a:xfrm>
+      </p:grpSpPr>
+      <p:sp>
+        <p:nvSpPr>
+          <p:cNvPr id="2" name="Title 1">
+            <a:extLst>
+              <a:ext uri="{FF2B5EF4-FFF2-40B4-BE49-F238E27FC236}">
+                <a16:creationId xmlns:a16="http://schemas.microsoft.com/office/drawing/2014/main" id="{BF1B5C15-8200-4683-A950-5DC04884CD7C}"/>
+              </a:ext>
+            </a:extLst>
+          </p:cNvPr>
+          <p:cNvSpPr>
+            <a:spLocks noGrp="1"/>
+          </p:cNvSpPr>
+          <p:nvPr>
+            <p:ph type="title"/>
+          </p:nvPr>
+        </p:nvSpPr>
+        <p:spPr/>
+        <p:txBody>
+          <a:bodyPr/>
+          <a:lstStyle/>
+          <a:p>
+            <a:r>
+              <a:rPr lang="en-GB" dirty="0"/>
+              <a:t>To-do App – </a:t>
+            </a:r>
+            <a:r>
+              <a:rPr lang="en-GB" dirty="0">
+                <a:solidFill>
+                  <a:srgbClr val="795E26"/>
+                </a:solidFill>
+                <a:latin typeface="JetBrains Mono" panose="02000009000000000000" pitchFamily="49" charset="0"/>
+              </a:rPr>
+              <a:t>Question 5 - Answer</a:t>
+            </a:r>
+            <a:endParaRPr lang="fr-FR" dirty="0">
+              <a:solidFill>
+                <a:srgbClr val="795E26"/>
+              </a:solidFill>
+              <a:latin typeface="JetBrains Mono" panose="02000009000000000000" pitchFamily="49" charset="0"/>
+            </a:endParaRPr>
+          </a:p>
+        </p:txBody>
+      </p:sp>
+      <p:sp>
+        <p:nvSpPr>
+          <p:cNvPr id="6" name="TextBox 5">
+            <a:extLst>
+              <a:ext uri="{FF2B5EF4-FFF2-40B4-BE49-F238E27FC236}">
+                <a16:creationId xmlns:a16="http://schemas.microsoft.com/office/drawing/2014/main" id="{CE3D1F32-584F-4F55-8064-299738F6C6DC}"/>
+              </a:ext>
+            </a:extLst>
+          </p:cNvPr>
+          <p:cNvSpPr txBox="1"/>
+          <p:nvPr/>
+        </p:nvSpPr>
+        <p:spPr>
+          <a:xfrm>
+            <a:off x="1097280" y="6409081"/>
+            <a:ext cx="7115542" cy="369332"/>
+          </a:xfrm>
+          <a:prstGeom prst="rect">
+            <a:avLst/>
+          </a:prstGeom>
+          <a:noFill/>
+        </p:spPr>
+        <p:txBody>
+          <a:bodyPr wrap="square">
+            <a:spAutoFit/>
+          </a:bodyPr>
+          <a:lstStyle/>
+          <a:p>
+            <a:r>
+              <a:rPr lang="en-GB" dirty="0">
+                <a:solidFill>
+                  <a:schemeClr val="accent1">
+                    <a:lumMod val="50000"/>
+                  </a:schemeClr>
+                </a:solidFill>
+              </a:rPr>
+              <a:t>JS Sessions – Full Stack Web Development</a:t>
+            </a:r>
+            <a:endParaRPr lang="fr-FR" dirty="0"/>
+          </a:p>
+        </p:txBody>
+      </p:sp>
+      <p:sp>
+        <p:nvSpPr>
+          <p:cNvPr id="7" name="TextBox 6">
+            <a:extLst>
+              <a:ext uri="{FF2B5EF4-FFF2-40B4-BE49-F238E27FC236}">
+                <a16:creationId xmlns:a16="http://schemas.microsoft.com/office/drawing/2014/main" id="{BDE5415B-BA2E-4F35-A21A-B09FBF6B6ADE}"/>
+              </a:ext>
+            </a:extLst>
+          </p:cNvPr>
+          <p:cNvSpPr txBox="1"/>
+          <p:nvPr/>
+        </p:nvSpPr>
+        <p:spPr>
+          <a:xfrm>
+            <a:off x="1097280" y="2162087"/>
+            <a:ext cx="10058400" cy="1477328"/>
+          </a:xfrm>
+          <a:prstGeom prst="rect">
+            <a:avLst/>
+          </a:prstGeom>
+          <a:noFill/>
+        </p:spPr>
+        <p:txBody>
+          <a:bodyPr wrap="square">
+            <a:spAutoFit/>
+          </a:bodyPr>
+          <a:lstStyle/>
+          <a:p>
+            <a:r>
+              <a:rPr lang="en-US" b="1" dirty="0"/>
+              <a:t>What</a:t>
+            </a:r>
+            <a:r>
+              <a:rPr lang="en-US" dirty="0"/>
+              <a:t> is the purpose of the </a:t>
+            </a:r>
+            <a:r>
+              <a:rPr lang="en-US" dirty="0" err="1"/>
+              <a:t>inputBox.value</a:t>
+            </a:r>
+            <a:r>
+              <a:rPr lang="en-US" dirty="0"/>
+              <a:t> = "" line in the </a:t>
+            </a:r>
+            <a:r>
+              <a:rPr lang="en-US" dirty="0" err="1"/>
+              <a:t>addTask</a:t>
+            </a:r>
+            <a:r>
+              <a:rPr lang="en-US" dirty="0"/>
+              <a:t> function?</a:t>
+            </a:r>
+          </a:p>
+          <a:p>
+            <a:r>
+              <a:rPr lang="en-US" dirty="0"/>
+              <a:t>a) It adds an empty list item to the task list.</a:t>
+            </a:r>
+          </a:p>
+          <a:p>
+            <a:r>
+              <a:rPr lang="en-US" dirty="0"/>
+              <a:t>b) It removes the last added task from the list.</a:t>
+            </a:r>
+          </a:p>
+          <a:p>
+            <a:r>
               <a:rPr lang="en-US" b="1" dirty="0">
                 <a:solidFill>
                   <a:srgbClr val="00B050"/>
@@ -26966,7 +29574,7 @@
 </p:sld>
 </file>
 
-<file path=ppt/slides/slide18.xml><?xml version="1.0" encoding="utf-8"?>
+<file path=ppt/slides/slide19.xml><?xml version="1.0" encoding="utf-8"?>
 <p:sld xmlns:a="http://schemas.openxmlformats.org/drawingml/2006/main" xmlns:r="http://schemas.openxmlformats.org/officeDocument/2006/relationships" xmlns:p="http://schemas.openxmlformats.org/presentationml/2006/main">
   <p:cSld>
     <p:spTree>
@@ -28108,7 +30716,138 @@
 </p:sld>
 </file>
 
-<file path=ppt/slides/slide19.xml><?xml version="1.0" encoding="utf-8"?>
+<file path=ppt/slides/slide2.xml><?xml version="1.0" encoding="utf-8"?>
+<p:sld xmlns:a="http://schemas.openxmlformats.org/drawingml/2006/main" xmlns:r="http://schemas.openxmlformats.org/officeDocument/2006/relationships" xmlns:p="http://schemas.openxmlformats.org/presentationml/2006/main">
+  <p:cSld>
+    <p:spTree>
+      <p:nvGrpSpPr>
+        <p:cNvPr id="1" name=""/>
+        <p:cNvGrpSpPr/>
+        <p:nvPr/>
+      </p:nvGrpSpPr>
+      <p:grpSpPr>
+        <a:xfrm>
+          <a:off x="0" y="0"/>
+          <a:ext cx="0" cy="0"/>
+          <a:chOff x="0" y="0"/>
+          <a:chExt cx="0" cy="0"/>
+        </a:xfrm>
+      </p:grpSpPr>
+      <p:sp>
+        <p:nvSpPr>
+          <p:cNvPr id="2" name="Title 1">
+            <a:extLst>
+              <a:ext uri="{FF2B5EF4-FFF2-40B4-BE49-F238E27FC236}">
+                <a16:creationId xmlns:a16="http://schemas.microsoft.com/office/drawing/2014/main" id="{10A6E79C-7337-425C-AD7E-D6AD9FF66A06}"/>
+              </a:ext>
+            </a:extLst>
+          </p:cNvPr>
+          <p:cNvSpPr>
+            <a:spLocks noGrp="1"/>
+          </p:cNvSpPr>
+          <p:nvPr>
+            <p:ph type="title"/>
+          </p:nvPr>
+        </p:nvSpPr>
+        <p:spPr/>
+        <p:txBody>
+          <a:bodyPr/>
+          <a:lstStyle/>
+          <a:p>
+            <a:r>
+              <a:rPr lang="fr-FR" dirty="0"/>
+              <a:t>Agenda</a:t>
+            </a:r>
+          </a:p>
+        </p:txBody>
+      </p:sp>
+      <p:graphicFrame>
+        <p:nvGraphicFramePr>
+          <p:cNvPr id="5" name="Content Placeholder 4">
+            <a:extLst>
+              <a:ext uri="{FF2B5EF4-FFF2-40B4-BE49-F238E27FC236}">
+                <a16:creationId xmlns:a16="http://schemas.microsoft.com/office/drawing/2014/main" id="{D2DC05D4-49AB-492C-A93C-2719CB5B2F56}"/>
+              </a:ext>
+            </a:extLst>
+          </p:cNvPr>
+          <p:cNvGraphicFramePr>
+            <a:graphicFrameLocks noGrp="1"/>
+          </p:cNvGraphicFramePr>
+          <p:nvPr>
+            <p:ph idx="1"/>
+            <p:extLst>
+              <p:ext uri="{D42A27DB-BD31-4B8C-83A1-F6EECF244321}">
+                <p14:modId xmlns:p14="http://schemas.microsoft.com/office/powerpoint/2010/main" val="1469939722"/>
+              </p:ext>
+            </p:extLst>
+          </p:nvPr>
+        </p:nvGraphicFramePr>
+        <p:xfrm>
+          <a:off x="1097280" y="1845734"/>
+          <a:ext cx="10058400" cy="4023360"/>
+        </p:xfrm>
+        <a:graphic>
+          <a:graphicData uri="http://schemas.openxmlformats.org/drawingml/2006/diagram">
+            <dgm:relIds xmlns:dgm="http://schemas.openxmlformats.org/drawingml/2006/diagram" xmlns:r="http://schemas.openxmlformats.org/officeDocument/2006/relationships" r:dm="rId2" r:lo="rId3" r:qs="rId4" r:cs="rId5"/>
+          </a:graphicData>
+        </a:graphic>
+      </p:graphicFrame>
+      <p:sp>
+        <p:nvSpPr>
+          <p:cNvPr id="4" name="TextBox 3">
+            <a:extLst>
+              <a:ext uri="{FF2B5EF4-FFF2-40B4-BE49-F238E27FC236}">
+                <a16:creationId xmlns:a16="http://schemas.microsoft.com/office/drawing/2014/main" id="{0AC67184-91FA-461E-B408-AB4E50330515}"/>
+              </a:ext>
+            </a:extLst>
+          </p:cNvPr>
+          <p:cNvSpPr txBox="1"/>
+          <p:nvPr/>
+        </p:nvSpPr>
+        <p:spPr>
+          <a:xfrm>
+            <a:off x="1097280" y="6409081"/>
+            <a:ext cx="7115542" cy="369332"/>
+          </a:xfrm>
+          <a:prstGeom prst="rect">
+            <a:avLst/>
+          </a:prstGeom>
+          <a:noFill/>
+        </p:spPr>
+        <p:txBody>
+          <a:bodyPr wrap="square">
+            <a:spAutoFit/>
+          </a:bodyPr>
+          <a:lstStyle/>
+          <a:p>
+            <a:r>
+              <a:rPr lang="en-GB" dirty="0">
+                <a:solidFill>
+                  <a:schemeClr val="accent1">
+                    <a:lumMod val="50000"/>
+                  </a:schemeClr>
+                </a:solidFill>
+              </a:rPr>
+              <a:t> JS Sessions – Full Stack Web Development</a:t>
+            </a:r>
+            <a:endParaRPr lang="fr-FR" dirty="0"/>
+          </a:p>
+        </p:txBody>
+      </p:sp>
+    </p:spTree>
+    <p:extLst>
+      <p:ext uri="{BB962C8B-B14F-4D97-AF65-F5344CB8AC3E}">
+        <p14:creationId xmlns:p14="http://schemas.microsoft.com/office/powerpoint/2010/main" val="3117829345"/>
+      </p:ext>
+    </p:extLst>
+  </p:cSld>
+  <p:clrMapOvr>
+    <a:masterClrMapping/>
+  </p:clrMapOvr>
+</p:sld>
+</file>
+
+<file path=ppt/slides/slide20.xml><?xml version="1.0" encoding="utf-8"?>
 <p:sld xmlns:a="http://schemas.openxmlformats.org/drawingml/2006/main" xmlns:r="http://schemas.openxmlformats.org/officeDocument/2006/relationships" xmlns:p="http://schemas.openxmlformats.org/presentationml/2006/main">
   <p:cSld>
     <p:spTree>
@@ -28292,7 +31031,482 @@
 </p:sld>
 </file>
 
-<file path=ppt/slides/slide2.xml><?xml version="1.0" encoding="utf-8"?>
+<file path=ppt/slides/slide21.xml><?xml version="1.0" encoding="utf-8"?>
+<p:sld xmlns:a="http://schemas.openxmlformats.org/drawingml/2006/main" xmlns:r="http://schemas.openxmlformats.org/officeDocument/2006/relationships" xmlns:p="http://schemas.openxmlformats.org/presentationml/2006/main">
+  <p:cSld>
+    <p:spTree>
+      <p:nvGrpSpPr>
+        <p:cNvPr id="1" name=""/>
+        <p:cNvGrpSpPr/>
+        <p:nvPr/>
+      </p:nvGrpSpPr>
+      <p:grpSpPr>
+        <a:xfrm>
+          <a:off x="0" y="0"/>
+          <a:ext cx="0" cy="0"/>
+          <a:chOff x="0" y="0"/>
+          <a:chExt cx="0" cy="0"/>
+        </a:xfrm>
+      </p:grpSpPr>
+      <p:sp>
+        <p:nvSpPr>
+          <p:cNvPr id="2" name="Title 1">
+            <a:extLst>
+              <a:ext uri="{FF2B5EF4-FFF2-40B4-BE49-F238E27FC236}">
+                <a16:creationId xmlns:a16="http://schemas.microsoft.com/office/drawing/2014/main" id="{BF1B5C15-8200-4683-A950-5DC04884CD7C}"/>
+              </a:ext>
+            </a:extLst>
+          </p:cNvPr>
+          <p:cNvSpPr>
+            <a:spLocks noGrp="1"/>
+          </p:cNvSpPr>
+          <p:nvPr>
+            <p:ph type="title"/>
+          </p:nvPr>
+        </p:nvSpPr>
+        <p:spPr/>
+        <p:txBody>
+          <a:bodyPr/>
+          <a:lstStyle/>
+          <a:p>
+            <a:r>
+              <a:rPr lang="en-GB" dirty="0"/>
+              <a:t>To-do App – </a:t>
+            </a:r>
+            <a:r>
+              <a:rPr lang="en-GB" dirty="0">
+                <a:solidFill>
+                  <a:srgbClr val="795E26"/>
+                </a:solidFill>
+                <a:latin typeface="JetBrains Mono" panose="02000009000000000000" pitchFamily="49" charset="0"/>
+              </a:rPr>
+              <a:t>Question 6 - Answer</a:t>
+            </a:r>
+            <a:endParaRPr lang="fr-FR" dirty="0">
+              <a:solidFill>
+                <a:srgbClr val="795E26"/>
+              </a:solidFill>
+              <a:latin typeface="JetBrains Mono" panose="02000009000000000000" pitchFamily="49" charset="0"/>
+            </a:endParaRPr>
+          </a:p>
+        </p:txBody>
+      </p:sp>
+      <p:sp>
+        <p:nvSpPr>
+          <p:cNvPr id="6" name="TextBox 5">
+            <a:extLst>
+              <a:ext uri="{FF2B5EF4-FFF2-40B4-BE49-F238E27FC236}">
+                <a16:creationId xmlns:a16="http://schemas.microsoft.com/office/drawing/2014/main" id="{CE3D1F32-584F-4F55-8064-299738F6C6DC}"/>
+              </a:ext>
+            </a:extLst>
+          </p:cNvPr>
+          <p:cNvSpPr txBox="1"/>
+          <p:nvPr/>
+        </p:nvSpPr>
+        <p:spPr>
+          <a:xfrm>
+            <a:off x="1097280" y="6409081"/>
+            <a:ext cx="7115542" cy="369332"/>
+          </a:xfrm>
+          <a:prstGeom prst="rect">
+            <a:avLst/>
+          </a:prstGeom>
+          <a:noFill/>
+        </p:spPr>
+        <p:txBody>
+          <a:bodyPr wrap="square">
+            <a:spAutoFit/>
+          </a:bodyPr>
+          <a:lstStyle/>
+          <a:p>
+            <a:r>
+              <a:rPr lang="en-GB" dirty="0">
+                <a:solidFill>
+                  <a:schemeClr val="accent1">
+                    <a:lumMod val="50000"/>
+                  </a:schemeClr>
+                </a:solidFill>
+              </a:rPr>
+              <a:t>JS Sessions – Full Stack Web Development</a:t>
+            </a:r>
+            <a:endParaRPr lang="fr-FR" dirty="0"/>
+          </a:p>
+        </p:txBody>
+      </p:sp>
+      <p:sp>
+        <p:nvSpPr>
+          <p:cNvPr id="7" name="TextBox 6">
+            <a:extLst>
+              <a:ext uri="{FF2B5EF4-FFF2-40B4-BE49-F238E27FC236}">
+                <a16:creationId xmlns:a16="http://schemas.microsoft.com/office/drawing/2014/main" id="{BDE5415B-BA2E-4F35-A21A-B09FBF6B6ADE}"/>
+              </a:ext>
+            </a:extLst>
+          </p:cNvPr>
+          <p:cNvSpPr txBox="1"/>
+          <p:nvPr/>
+        </p:nvSpPr>
+        <p:spPr>
+          <a:xfrm>
+            <a:off x="1097280" y="2162087"/>
+            <a:ext cx="10058400" cy="1477328"/>
+          </a:xfrm>
+          <a:prstGeom prst="rect">
+            <a:avLst/>
+          </a:prstGeom>
+          <a:noFill/>
+        </p:spPr>
+        <p:txBody>
+          <a:bodyPr wrap="square">
+            <a:spAutoFit/>
+          </a:bodyPr>
+          <a:lstStyle/>
+          <a:p>
+            <a:r>
+              <a:rPr lang="en-US" b="1" dirty="0"/>
+              <a:t>Which</a:t>
+            </a:r>
+            <a:r>
+              <a:rPr lang="en-US" dirty="0"/>
+              <a:t> event triggers the removal of a task in the code?</a:t>
+            </a:r>
+          </a:p>
+          <a:p>
+            <a:r>
+              <a:rPr lang="en-US" dirty="0"/>
+              <a:t>a) Mouseover</a:t>
+            </a:r>
+          </a:p>
+          <a:p>
+            <a:r>
+              <a:rPr lang="en-US" b="1" dirty="0">
+                <a:solidFill>
+                  <a:srgbClr val="00B050"/>
+                </a:solidFill>
+              </a:rPr>
+              <a:t>b) Click</a:t>
+            </a:r>
+          </a:p>
+          <a:p>
+            <a:r>
+              <a:rPr lang="en-US" dirty="0"/>
+              <a:t>c) </a:t>
+            </a:r>
+            <a:r>
+              <a:rPr lang="en-US" dirty="0" err="1"/>
+              <a:t>Keydown</a:t>
+            </a:r>
+            <a:endParaRPr lang="en-US" dirty="0"/>
+          </a:p>
+          <a:p>
+            <a:r>
+              <a:rPr lang="en-US" dirty="0"/>
+              <a:t>d) Double click</a:t>
+            </a:r>
+            <a:endParaRPr lang="fr-FR" dirty="0"/>
+          </a:p>
+        </p:txBody>
+      </p:sp>
+    </p:spTree>
+    <p:extLst>
+      <p:ext uri="{BB962C8B-B14F-4D97-AF65-F5344CB8AC3E}">
+        <p14:creationId xmlns:p14="http://schemas.microsoft.com/office/powerpoint/2010/main" val="106692982"/>
+      </p:ext>
+    </p:extLst>
+  </p:cSld>
+  <p:clrMapOvr>
+    <a:masterClrMapping/>
+  </p:clrMapOvr>
+</p:sld>
+</file>
+
+<file path=ppt/slides/slide22.xml><?xml version="1.0" encoding="utf-8"?>
+<p:sld xmlns:a="http://schemas.openxmlformats.org/drawingml/2006/main" xmlns:r="http://schemas.openxmlformats.org/officeDocument/2006/relationships" xmlns:p="http://schemas.openxmlformats.org/presentationml/2006/main">
+  <p:cSld>
+    <p:spTree>
+      <p:nvGrpSpPr>
+        <p:cNvPr id="1" name=""/>
+        <p:cNvGrpSpPr/>
+        <p:nvPr/>
+      </p:nvGrpSpPr>
+      <p:grpSpPr>
+        <a:xfrm>
+          <a:off x="0" y="0"/>
+          <a:ext cx="0" cy="0"/>
+          <a:chOff x="0" y="0"/>
+          <a:chExt cx="0" cy="0"/>
+        </a:xfrm>
+      </p:grpSpPr>
+      <p:sp>
+        <p:nvSpPr>
+          <p:cNvPr id="2" name="Title 1">
+            <a:extLst>
+              <a:ext uri="{FF2B5EF4-FFF2-40B4-BE49-F238E27FC236}">
+                <a16:creationId xmlns:a16="http://schemas.microsoft.com/office/drawing/2014/main" id="{D79C418B-4026-4687-92F7-264371B56E8B}"/>
+              </a:ext>
+            </a:extLst>
+          </p:cNvPr>
+          <p:cNvSpPr>
+            <a:spLocks noGrp="1"/>
+          </p:cNvSpPr>
+          <p:nvPr>
+            <p:ph type="title"/>
+          </p:nvPr>
+        </p:nvSpPr>
+        <p:spPr/>
+        <p:txBody>
+          <a:bodyPr/>
+          <a:lstStyle/>
+          <a:p>
+            <a:r>
+              <a:rPr lang="en-GB" dirty="0"/>
+              <a:t>Your Questions</a:t>
+            </a:r>
+            <a:endParaRPr lang="fr-FR" dirty="0"/>
+          </a:p>
+        </p:txBody>
+      </p:sp>
+      <p:sp>
+        <p:nvSpPr>
+          <p:cNvPr id="3" name="Content Placeholder 2">
+            <a:extLst>
+              <a:ext uri="{FF2B5EF4-FFF2-40B4-BE49-F238E27FC236}">
+                <a16:creationId xmlns:a16="http://schemas.microsoft.com/office/drawing/2014/main" id="{F5A54933-BDDA-43B2-9AF9-CE655FDFBFE6}"/>
+              </a:ext>
+            </a:extLst>
+          </p:cNvPr>
+          <p:cNvSpPr>
+            <a:spLocks noGrp="1"/>
+          </p:cNvSpPr>
+          <p:nvPr>
+            <p:ph idx="1"/>
+          </p:nvPr>
+        </p:nvSpPr>
+        <p:spPr/>
+        <p:txBody>
+          <a:bodyPr/>
+          <a:lstStyle/>
+          <a:p>
+            <a:endParaRPr lang="fr-FR"/>
+          </a:p>
+        </p:txBody>
+      </p:sp>
+    </p:spTree>
+    <p:extLst>
+      <p:ext uri="{BB962C8B-B14F-4D97-AF65-F5344CB8AC3E}">
+        <p14:creationId xmlns:p14="http://schemas.microsoft.com/office/powerpoint/2010/main" val="4042276254"/>
+      </p:ext>
+    </p:extLst>
+  </p:cSld>
+  <p:clrMapOvr>
+    <a:masterClrMapping/>
+  </p:clrMapOvr>
+</p:sld>
+</file>
+
+<file path=ppt/slides/slide23.xml><?xml version="1.0" encoding="utf-8"?>
+<p:sld xmlns:a="http://schemas.openxmlformats.org/drawingml/2006/main" xmlns:r="http://schemas.openxmlformats.org/officeDocument/2006/relationships" xmlns:p="http://schemas.openxmlformats.org/presentationml/2006/main">
+  <p:cSld>
+    <p:spTree>
+      <p:nvGrpSpPr>
+        <p:cNvPr id="1" name=""/>
+        <p:cNvGrpSpPr/>
+        <p:nvPr/>
+      </p:nvGrpSpPr>
+      <p:grpSpPr>
+        <a:xfrm>
+          <a:off x="0" y="0"/>
+          <a:ext cx="0" cy="0"/>
+          <a:chOff x="0" y="0"/>
+          <a:chExt cx="0" cy="0"/>
+        </a:xfrm>
+      </p:grpSpPr>
+      <p:sp>
+        <p:nvSpPr>
+          <p:cNvPr id="2" name="Title 1">
+            <a:extLst>
+              <a:ext uri="{FF2B5EF4-FFF2-40B4-BE49-F238E27FC236}">
+                <a16:creationId xmlns:a16="http://schemas.microsoft.com/office/drawing/2014/main" id="{BF1B5C15-8200-4683-A950-5DC04884CD7C}"/>
+              </a:ext>
+            </a:extLst>
+          </p:cNvPr>
+          <p:cNvSpPr>
+            <a:spLocks noGrp="1"/>
+          </p:cNvSpPr>
+          <p:nvPr>
+            <p:ph type="title"/>
+          </p:nvPr>
+        </p:nvSpPr>
+        <p:spPr/>
+        <p:txBody>
+          <a:bodyPr/>
+          <a:lstStyle/>
+          <a:p>
+            <a:r>
+              <a:rPr lang="en-GB" dirty="0">
+                <a:solidFill>
+                  <a:srgbClr val="795E26"/>
+                </a:solidFill>
+                <a:latin typeface="JetBrains Mono" panose="02000009000000000000" pitchFamily="49" charset="0"/>
+              </a:rPr>
+              <a:t>Next:</a:t>
+            </a:r>
+            <a:endParaRPr lang="fr-FR" dirty="0">
+              <a:solidFill>
+                <a:srgbClr val="795E26"/>
+              </a:solidFill>
+              <a:latin typeface="JetBrains Mono" panose="02000009000000000000" pitchFamily="49" charset="0"/>
+            </a:endParaRPr>
+          </a:p>
+        </p:txBody>
+      </p:sp>
+      <p:sp>
+        <p:nvSpPr>
+          <p:cNvPr id="6" name="TextBox 5">
+            <a:extLst>
+              <a:ext uri="{FF2B5EF4-FFF2-40B4-BE49-F238E27FC236}">
+                <a16:creationId xmlns:a16="http://schemas.microsoft.com/office/drawing/2014/main" id="{CE3D1F32-584F-4F55-8064-299738F6C6DC}"/>
+              </a:ext>
+            </a:extLst>
+          </p:cNvPr>
+          <p:cNvSpPr txBox="1"/>
+          <p:nvPr/>
+        </p:nvSpPr>
+        <p:spPr>
+          <a:xfrm>
+            <a:off x="1097280" y="6409081"/>
+            <a:ext cx="7115542" cy="369332"/>
+          </a:xfrm>
+          <a:prstGeom prst="rect">
+            <a:avLst/>
+          </a:prstGeom>
+          <a:noFill/>
+        </p:spPr>
+        <p:txBody>
+          <a:bodyPr wrap="square">
+            <a:spAutoFit/>
+          </a:bodyPr>
+          <a:lstStyle/>
+          <a:p>
+            <a:r>
+              <a:rPr lang="en-GB" dirty="0">
+                <a:solidFill>
+                  <a:schemeClr val="accent1">
+                    <a:lumMod val="50000"/>
+                  </a:schemeClr>
+                </a:solidFill>
+              </a:rPr>
+              <a:t>JS Sessions </a:t>
+            </a:r>
+            <a:endParaRPr lang="fr-FR" dirty="0"/>
+          </a:p>
+        </p:txBody>
+      </p:sp>
+      <p:pic>
+        <p:nvPicPr>
+          <p:cNvPr id="4" name="Picture 3">
+            <a:extLst>
+              <a:ext uri="{FF2B5EF4-FFF2-40B4-BE49-F238E27FC236}">
+                <a16:creationId xmlns:a16="http://schemas.microsoft.com/office/drawing/2014/main" id="{58D4E104-ACE8-414D-998A-93CD28B1EFE2}"/>
+              </a:ext>
+            </a:extLst>
+          </p:cNvPr>
+          <p:cNvPicPr>
+            <a:picLocks noChangeAspect="1"/>
+          </p:cNvPicPr>
+          <p:nvPr/>
+        </p:nvPicPr>
+        <p:blipFill>
+          <a:blip r:embed="rId2">
+            <a:extLst>
+              <a:ext uri="{28A0092B-C50C-407E-A947-70E740481C1C}">
+                <a14:useLocalDpi xmlns:a14="http://schemas.microsoft.com/office/drawing/2010/main" val="0"/>
+              </a:ext>
+            </a:extLst>
+          </a:blip>
+          <a:stretch>
+            <a:fillRect/>
+          </a:stretch>
+        </p:blipFill>
+        <p:spPr>
+          <a:xfrm>
+            <a:off x="4167187" y="0"/>
+            <a:ext cx="3857625" cy="6858000"/>
+          </a:xfrm>
+          <a:prstGeom prst="rect">
+            <a:avLst/>
+          </a:prstGeom>
+        </p:spPr>
+      </p:pic>
+      <p:pic>
+        <p:nvPicPr>
+          <p:cNvPr id="1026" name="Picture 2" descr="Glossy 30 Days Money Back Guarantee, Full Refund Guarantee, 100 Percent  Refund Badge, Quality Assurance Badge, Reliability In Business And Services  Online And Offline Design Element 25469427 Vector Art at Vecteezy">
+            <a:extLst>
+              <a:ext uri="{FF2B5EF4-FFF2-40B4-BE49-F238E27FC236}">
+                <a16:creationId xmlns:a16="http://schemas.microsoft.com/office/drawing/2014/main" id="{DD5C3D6F-2938-4D5F-AFE3-9B492FCFD983}"/>
+              </a:ext>
+            </a:extLst>
+          </p:cNvPr>
+          <p:cNvPicPr>
+            <a:picLocks noChangeAspect="1" noChangeArrowheads="1"/>
+          </p:cNvPicPr>
+          <p:nvPr/>
+        </p:nvPicPr>
+        <p:blipFill>
+          <a:blip r:embed="rId3">
+            <a:extLst>
+              <a:ext uri="{BEBA8EAE-BF5A-486C-A8C5-ECC9F3942E4B}">
+                <a14:imgProps xmlns:a14="http://schemas.microsoft.com/office/drawing/2010/main">
+                  <a14:imgLayer r:embed="rId4">
+                    <a14:imgEffect>
+                      <a14:backgroundRemoval t="10000" b="90000" l="10000" r="90000"/>
+                    </a14:imgEffect>
+                  </a14:imgLayer>
+                </a14:imgProps>
+              </a:ext>
+              <a:ext uri="{28A0092B-C50C-407E-A947-70E740481C1C}">
+                <a14:useLocalDpi xmlns:a14="http://schemas.microsoft.com/office/drawing/2010/main" val="0"/>
+              </a:ext>
+            </a:extLst>
+          </a:blip>
+          <a:srcRect/>
+          <a:stretch>
+            <a:fillRect/>
+          </a:stretch>
+        </p:blipFill>
+        <p:spPr bwMode="auto">
+          <a:xfrm>
+            <a:off x="7118892" y="-81167"/>
+            <a:ext cx="2187860" cy="2187860"/>
+          </a:xfrm>
+          <a:prstGeom prst="rect">
+            <a:avLst/>
+          </a:prstGeom>
+          <a:noFill/>
+          <a:extLst>
+            <a:ext uri="{909E8E84-426E-40DD-AFC4-6F175D3DCCD1}">
+              <a14:hiddenFill xmlns:a14="http://schemas.microsoft.com/office/drawing/2010/main">
+                <a:solidFill>
+                  <a:srgbClr val="FFFFFF"/>
+                </a:solidFill>
+              </a14:hiddenFill>
+            </a:ext>
+          </a:extLst>
+        </p:spPr>
+      </p:pic>
+    </p:spTree>
+    <p:extLst>
+      <p:ext uri="{BB962C8B-B14F-4D97-AF65-F5344CB8AC3E}">
+        <p14:creationId xmlns:p14="http://schemas.microsoft.com/office/powerpoint/2010/main" val="1780642150"/>
+      </p:ext>
+    </p:extLst>
+  </p:cSld>
+  <p:clrMapOvr>
+    <a:masterClrMapping/>
+  </p:clrMapOvr>
+</p:sld>
+</file>
+
+<file path=ppt/slides/slide3.xml><?xml version="1.0" encoding="utf-8"?>
 <p:sld xmlns:a="http://schemas.openxmlformats.org/drawingml/2006/main" xmlns:r="http://schemas.openxmlformats.org/officeDocument/2006/relationships" xmlns:p="http://schemas.openxmlformats.org/presentationml/2006/main">
   <p:cSld>
     <p:spTree>
@@ -28862,482 +32076,7 @@
 </p:sld>
 </file>
 
-<file path=ppt/slides/slide20.xml><?xml version="1.0" encoding="utf-8"?>
-<p:sld xmlns:a="http://schemas.openxmlformats.org/drawingml/2006/main" xmlns:r="http://schemas.openxmlformats.org/officeDocument/2006/relationships" xmlns:p="http://schemas.openxmlformats.org/presentationml/2006/main">
-  <p:cSld>
-    <p:spTree>
-      <p:nvGrpSpPr>
-        <p:cNvPr id="1" name=""/>
-        <p:cNvGrpSpPr/>
-        <p:nvPr/>
-      </p:nvGrpSpPr>
-      <p:grpSpPr>
-        <a:xfrm>
-          <a:off x="0" y="0"/>
-          <a:ext cx="0" cy="0"/>
-          <a:chOff x="0" y="0"/>
-          <a:chExt cx="0" cy="0"/>
-        </a:xfrm>
-      </p:grpSpPr>
-      <p:sp>
-        <p:nvSpPr>
-          <p:cNvPr id="2" name="Title 1">
-            <a:extLst>
-              <a:ext uri="{FF2B5EF4-FFF2-40B4-BE49-F238E27FC236}">
-                <a16:creationId xmlns:a16="http://schemas.microsoft.com/office/drawing/2014/main" id="{BF1B5C15-8200-4683-A950-5DC04884CD7C}"/>
-              </a:ext>
-            </a:extLst>
-          </p:cNvPr>
-          <p:cNvSpPr>
-            <a:spLocks noGrp="1"/>
-          </p:cNvSpPr>
-          <p:nvPr>
-            <p:ph type="title"/>
-          </p:nvPr>
-        </p:nvSpPr>
-        <p:spPr/>
-        <p:txBody>
-          <a:bodyPr/>
-          <a:lstStyle/>
-          <a:p>
-            <a:r>
-              <a:rPr lang="en-GB" dirty="0"/>
-              <a:t>To-do App – </a:t>
-            </a:r>
-            <a:r>
-              <a:rPr lang="en-GB" dirty="0">
-                <a:solidFill>
-                  <a:srgbClr val="795E26"/>
-                </a:solidFill>
-                <a:latin typeface="JetBrains Mono" panose="02000009000000000000" pitchFamily="49" charset="0"/>
-              </a:rPr>
-              <a:t>Question 6 - Answer</a:t>
-            </a:r>
-            <a:endParaRPr lang="fr-FR" dirty="0">
-              <a:solidFill>
-                <a:srgbClr val="795E26"/>
-              </a:solidFill>
-              <a:latin typeface="JetBrains Mono" panose="02000009000000000000" pitchFamily="49" charset="0"/>
-            </a:endParaRPr>
-          </a:p>
-        </p:txBody>
-      </p:sp>
-      <p:sp>
-        <p:nvSpPr>
-          <p:cNvPr id="6" name="TextBox 5">
-            <a:extLst>
-              <a:ext uri="{FF2B5EF4-FFF2-40B4-BE49-F238E27FC236}">
-                <a16:creationId xmlns:a16="http://schemas.microsoft.com/office/drawing/2014/main" id="{CE3D1F32-584F-4F55-8064-299738F6C6DC}"/>
-              </a:ext>
-            </a:extLst>
-          </p:cNvPr>
-          <p:cNvSpPr txBox="1"/>
-          <p:nvPr/>
-        </p:nvSpPr>
-        <p:spPr>
-          <a:xfrm>
-            <a:off x="1097280" y="6409081"/>
-            <a:ext cx="7115542" cy="369332"/>
-          </a:xfrm>
-          <a:prstGeom prst="rect">
-            <a:avLst/>
-          </a:prstGeom>
-          <a:noFill/>
-        </p:spPr>
-        <p:txBody>
-          <a:bodyPr wrap="square">
-            <a:spAutoFit/>
-          </a:bodyPr>
-          <a:lstStyle/>
-          <a:p>
-            <a:r>
-              <a:rPr lang="en-GB" dirty="0">
-                <a:solidFill>
-                  <a:schemeClr val="accent1">
-                    <a:lumMod val="50000"/>
-                  </a:schemeClr>
-                </a:solidFill>
-              </a:rPr>
-              <a:t>JS Sessions – Full Stack Web Development</a:t>
-            </a:r>
-            <a:endParaRPr lang="fr-FR" dirty="0"/>
-          </a:p>
-        </p:txBody>
-      </p:sp>
-      <p:sp>
-        <p:nvSpPr>
-          <p:cNvPr id="7" name="TextBox 6">
-            <a:extLst>
-              <a:ext uri="{FF2B5EF4-FFF2-40B4-BE49-F238E27FC236}">
-                <a16:creationId xmlns:a16="http://schemas.microsoft.com/office/drawing/2014/main" id="{BDE5415B-BA2E-4F35-A21A-B09FBF6B6ADE}"/>
-              </a:ext>
-            </a:extLst>
-          </p:cNvPr>
-          <p:cNvSpPr txBox="1"/>
-          <p:nvPr/>
-        </p:nvSpPr>
-        <p:spPr>
-          <a:xfrm>
-            <a:off x="1097280" y="2162087"/>
-            <a:ext cx="10058400" cy="1477328"/>
-          </a:xfrm>
-          <a:prstGeom prst="rect">
-            <a:avLst/>
-          </a:prstGeom>
-          <a:noFill/>
-        </p:spPr>
-        <p:txBody>
-          <a:bodyPr wrap="square">
-            <a:spAutoFit/>
-          </a:bodyPr>
-          <a:lstStyle/>
-          <a:p>
-            <a:r>
-              <a:rPr lang="en-US" b="1" dirty="0"/>
-              <a:t>Which</a:t>
-            </a:r>
-            <a:r>
-              <a:rPr lang="en-US" dirty="0"/>
-              <a:t> event triggers the removal of a task in the code?</a:t>
-            </a:r>
-          </a:p>
-          <a:p>
-            <a:r>
-              <a:rPr lang="en-US" dirty="0"/>
-              <a:t>a) Mouseover</a:t>
-            </a:r>
-          </a:p>
-          <a:p>
-            <a:r>
-              <a:rPr lang="en-US" b="1" dirty="0">
-                <a:solidFill>
-                  <a:srgbClr val="00B050"/>
-                </a:solidFill>
-              </a:rPr>
-              <a:t>b) Click</a:t>
-            </a:r>
-          </a:p>
-          <a:p>
-            <a:r>
-              <a:rPr lang="en-US" dirty="0"/>
-              <a:t>c) </a:t>
-            </a:r>
-            <a:r>
-              <a:rPr lang="en-US" dirty="0" err="1"/>
-              <a:t>Keydown</a:t>
-            </a:r>
-            <a:endParaRPr lang="en-US" dirty="0"/>
-          </a:p>
-          <a:p>
-            <a:r>
-              <a:rPr lang="en-US" dirty="0"/>
-              <a:t>d) Double click</a:t>
-            </a:r>
-            <a:endParaRPr lang="fr-FR" dirty="0"/>
-          </a:p>
-        </p:txBody>
-      </p:sp>
-    </p:spTree>
-    <p:extLst>
-      <p:ext uri="{BB962C8B-B14F-4D97-AF65-F5344CB8AC3E}">
-        <p14:creationId xmlns:p14="http://schemas.microsoft.com/office/powerpoint/2010/main" val="106692982"/>
-      </p:ext>
-    </p:extLst>
-  </p:cSld>
-  <p:clrMapOvr>
-    <a:masterClrMapping/>
-  </p:clrMapOvr>
-</p:sld>
-</file>
-
-<file path=ppt/slides/slide21.xml><?xml version="1.0" encoding="utf-8"?>
-<p:sld xmlns:a="http://schemas.openxmlformats.org/drawingml/2006/main" xmlns:r="http://schemas.openxmlformats.org/officeDocument/2006/relationships" xmlns:p="http://schemas.openxmlformats.org/presentationml/2006/main">
-  <p:cSld>
-    <p:spTree>
-      <p:nvGrpSpPr>
-        <p:cNvPr id="1" name=""/>
-        <p:cNvGrpSpPr/>
-        <p:nvPr/>
-      </p:nvGrpSpPr>
-      <p:grpSpPr>
-        <a:xfrm>
-          <a:off x="0" y="0"/>
-          <a:ext cx="0" cy="0"/>
-          <a:chOff x="0" y="0"/>
-          <a:chExt cx="0" cy="0"/>
-        </a:xfrm>
-      </p:grpSpPr>
-      <p:sp>
-        <p:nvSpPr>
-          <p:cNvPr id="2" name="Title 1">
-            <a:extLst>
-              <a:ext uri="{FF2B5EF4-FFF2-40B4-BE49-F238E27FC236}">
-                <a16:creationId xmlns:a16="http://schemas.microsoft.com/office/drawing/2014/main" id="{D79C418B-4026-4687-92F7-264371B56E8B}"/>
-              </a:ext>
-            </a:extLst>
-          </p:cNvPr>
-          <p:cNvSpPr>
-            <a:spLocks noGrp="1"/>
-          </p:cNvSpPr>
-          <p:nvPr>
-            <p:ph type="title"/>
-          </p:nvPr>
-        </p:nvSpPr>
-        <p:spPr/>
-        <p:txBody>
-          <a:bodyPr/>
-          <a:lstStyle/>
-          <a:p>
-            <a:r>
-              <a:rPr lang="en-GB" dirty="0"/>
-              <a:t>Your Questions</a:t>
-            </a:r>
-            <a:endParaRPr lang="fr-FR" dirty="0"/>
-          </a:p>
-        </p:txBody>
-      </p:sp>
-      <p:sp>
-        <p:nvSpPr>
-          <p:cNvPr id="3" name="Content Placeholder 2">
-            <a:extLst>
-              <a:ext uri="{FF2B5EF4-FFF2-40B4-BE49-F238E27FC236}">
-                <a16:creationId xmlns:a16="http://schemas.microsoft.com/office/drawing/2014/main" id="{F5A54933-BDDA-43B2-9AF9-CE655FDFBFE6}"/>
-              </a:ext>
-            </a:extLst>
-          </p:cNvPr>
-          <p:cNvSpPr>
-            <a:spLocks noGrp="1"/>
-          </p:cNvSpPr>
-          <p:nvPr>
-            <p:ph idx="1"/>
-          </p:nvPr>
-        </p:nvSpPr>
-        <p:spPr/>
-        <p:txBody>
-          <a:bodyPr/>
-          <a:lstStyle/>
-          <a:p>
-            <a:endParaRPr lang="fr-FR"/>
-          </a:p>
-        </p:txBody>
-      </p:sp>
-    </p:spTree>
-    <p:extLst>
-      <p:ext uri="{BB962C8B-B14F-4D97-AF65-F5344CB8AC3E}">
-        <p14:creationId xmlns:p14="http://schemas.microsoft.com/office/powerpoint/2010/main" val="4042276254"/>
-      </p:ext>
-    </p:extLst>
-  </p:cSld>
-  <p:clrMapOvr>
-    <a:masterClrMapping/>
-  </p:clrMapOvr>
-</p:sld>
-</file>
-
-<file path=ppt/slides/slide22.xml><?xml version="1.0" encoding="utf-8"?>
-<p:sld xmlns:a="http://schemas.openxmlformats.org/drawingml/2006/main" xmlns:r="http://schemas.openxmlformats.org/officeDocument/2006/relationships" xmlns:p="http://schemas.openxmlformats.org/presentationml/2006/main">
-  <p:cSld>
-    <p:spTree>
-      <p:nvGrpSpPr>
-        <p:cNvPr id="1" name=""/>
-        <p:cNvGrpSpPr/>
-        <p:nvPr/>
-      </p:nvGrpSpPr>
-      <p:grpSpPr>
-        <a:xfrm>
-          <a:off x="0" y="0"/>
-          <a:ext cx="0" cy="0"/>
-          <a:chOff x="0" y="0"/>
-          <a:chExt cx="0" cy="0"/>
-        </a:xfrm>
-      </p:grpSpPr>
-      <p:sp>
-        <p:nvSpPr>
-          <p:cNvPr id="2" name="Title 1">
-            <a:extLst>
-              <a:ext uri="{FF2B5EF4-FFF2-40B4-BE49-F238E27FC236}">
-                <a16:creationId xmlns:a16="http://schemas.microsoft.com/office/drawing/2014/main" id="{BF1B5C15-8200-4683-A950-5DC04884CD7C}"/>
-              </a:ext>
-            </a:extLst>
-          </p:cNvPr>
-          <p:cNvSpPr>
-            <a:spLocks noGrp="1"/>
-          </p:cNvSpPr>
-          <p:nvPr>
-            <p:ph type="title"/>
-          </p:nvPr>
-        </p:nvSpPr>
-        <p:spPr/>
-        <p:txBody>
-          <a:bodyPr/>
-          <a:lstStyle/>
-          <a:p>
-            <a:r>
-              <a:rPr lang="en-GB" dirty="0">
-                <a:solidFill>
-                  <a:srgbClr val="795E26"/>
-                </a:solidFill>
-                <a:latin typeface="JetBrains Mono" panose="02000009000000000000" pitchFamily="49" charset="0"/>
-              </a:rPr>
-              <a:t>Next:</a:t>
-            </a:r>
-            <a:endParaRPr lang="fr-FR" dirty="0">
-              <a:solidFill>
-                <a:srgbClr val="795E26"/>
-              </a:solidFill>
-              <a:latin typeface="JetBrains Mono" panose="02000009000000000000" pitchFamily="49" charset="0"/>
-            </a:endParaRPr>
-          </a:p>
-        </p:txBody>
-      </p:sp>
-      <p:sp>
-        <p:nvSpPr>
-          <p:cNvPr id="6" name="TextBox 5">
-            <a:extLst>
-              <a:ext uri="{FF2B5EF4-FFF2-40B4-BE49-F238E27FC236}">
-                <a16:creationId xmlns:a16="http://schemas.microsoft.com/office/drawing/2014/main" id="{CE3D1F32-584F-4F55-8064-299738F6C6DC}"/>
-              </a:ext>
-            </a:extLst>
-          </p:cNvPr>
-          <p:cNvSpPr txBox="1"/>
-          <p:nvPr/>
-        </p:nvSpPr>
-        <p:spPr>
-          <a:xfrm>
-            <a:off x="1097280" y="6409081"/>
-            <a:ext cx="7115542" cy="369332"/>
-          </a:xfrm>
-          <a:prstGeom prst="rect">
-            <a:avLst/>
-          </a:prstGeom>
-          <a:noFill/>
-        </p:spPr>
-        <p:txBody>
-          <a:bodyPr wrap="square">
-            <a:spAutoFit/>
-          </a:bodyPr>
-          <a:lstStyle/>
-          <a:p>
-            <a:r>
-              <a:rPr lang="en-GB" dirty="0">
-                <a:solidFill>
-                  <a:schemeClr val="accent1">
-                    <a:lumMod val="50000"/>
-                  </a:schemeClr>
-                </a:solidFill>
-              </a:rPr>
-              <a:t>JS Sessions </a:t>
-            </a:r>
-            <a:endParaRPr lang="fr-FR" dirty="0"/>
-          </a:p>
-        </p:txBody>
-      </p:sp>
-      <p:pic>
-        <p:nvPicPr>
-          <p:cNvPr id="4" name="Picture 3">
-            <a:extLst>
-              <a:ext uri="{FF2B5EF4-FFF2-40B4-BE49-F238E27FC236}">
-                <a16:creationId xmlns:a16="http://schemas.microsoft.com/office/drawing/2014/main" id="{58D4E104-ACE8-414D-998A-93CD28B1EFE2}"/>
-              </a:ext>
-            </a:extLst>
-          </p:cNvPr>
-          <p:cNvPicPr>
-            <a:picLocks noChangeAspect="1"/>
-          </p:cNvPicPr>
-          <p:nvPr/>
-        </p:nvPicPr>
-        <p:blipFill>
-          <a:blip r:embed="rId2">
-            <a:extLst>
-              <a:ext uri="{28A0092B-C50C-407E-A947-70E740481C1C}">
-                <a14:useLocalDpi xmlns:a14="http://schemas.microsoft.com/office/drawing/2010/main" val="0"/>
-              </a:ext>
-            </a:extLst>
-          </a:blip>
-          <a:stretch>
-            <a:fillRect/>
-          </a:stretch>
-        </p:blipFill>
-        <p:spPr>
-          <a:xfrm>
-            <a:off x="4167187" y="0"/>
-            <a:ext cx="3857625" cy="6858000"/>
-          </a:xfrm>
-          <a:prstGeom prst="rect">
-            <a:avLst/>
-          </a:prstGeom>
-        </p:spPr>
-      </p:pic>
-      <p:pic>
-        <p:nvPicPr>
-          <p:cNvPr id="1026" name="Picture 2" descr="Glossy 30 Days Money Back Guarantee, Full Refund Guarantee, 100 Percent  Refund Badge, Quality Assurance Badge, Reliability In Business And Services  Online And Offline Design Element 25469427 Vector Art at Vecteezy">
-            <a:extLst>
-              <a:ext uri="{FF2B5EF4-FFF2-40B4-BE49-F238E27FC236}">
-                <a16:creationId xmlns:a16="http://schemas.microsoft.com/office/drawing/2014/main" id="{DD5C3D6F-2938-4D5F-AFE3-9B492FCFD983}"/>
-              </a:ext>
-            </a:extLst>
-          </p:cNvPr>
-          <p:cNvPicPr>
-            <a:picLocks noChangeAspect="1" noChangeArrowheads="1"/>
-          </p:cNvPicPr>
-          <p:nvPr/>
-        </p:nvPicPr>
-        <p:blipFill>
-          <a:blip r:embed="rId3">
-            <a:extLst>
-              <a:ext uri="{BEBA8EAE-BF5A-486C-A8C5-ECC9F3942E4B}">
-                <a14:imgProps xmlns:a14="http://schemas.microsoft.com/office/drawing/2010/main">
-                  <a14:imgLayer r:embed="rId4">
-                    <a14:imgEffect>
-                      <a14:backgroundRemoval t="10000" b="90000" l="10000" r="90000"/>
-                    </a14:imgEffect>
-                  </a14:imgLayer>
-                </a14:imgProps>
-              </a:ext>
-              <a:ext uri="{28A0092B-C50C-407E-A947-70E740481C1C}">
-                <a14:useLocalDpi xmlns:a14="http://schemas.microsoft.com/office/drawing/2010/main" val="0"/>
-              </a:ext>
-            </a:extLst>
-          </a:blip>
-          <a:srcRect/>
-          <a:stretch>
-            <a:fillRect/>
-          </a:stretch>
-        </p:blipFill>
-        <p:spPr bwMode="auto">
-          <a:xfrm>
-            <a:off x="7118892" y="-81167"/>
-            <a:ext cx="2187860" cy="2187860"/>
-          </a:xfrm>
-          <a:prstGeom prst="rect">
-            <a:avLst/>
-          </a:prstGeom>
-          <a:noFill/>
-          <a:extLst>
-            <a:ext uri="{909E8E84-426E-40DD-AFC4-6F175D3DCCD1}">
-              <a14:hiddenFill xmlns:a14="http://schemas.microsoft.com/office/drawing/2010/main">
-                <a:solidFill>
-                  <a:srgbClr val="FFFFFF"/>
-                </a:solidFill>
-              </a14:hiddenFill>
-            </a:ext>
-          </a:extLst>
-        </p:spPr>
-      </p:pic>
-    </p:spTree>
-    <p:extLst>
-      <p:ext uri="{BB962C8B-B14F-4D97-AF65-F5344CB8AC3E}">
-        <p14:creationId xmlns:p14="http://schemas.microsoft.com/office/powerpoint/2010/main" val="1780642150"/>
-      </p:ext>
-    </p:extLst>
-  </p:cSld>
-  <p:clrMapOvr>
-    <a:masterClrMapping/>
-  </p:clrMapOvr>
-</p:sld>
-</file>
-
-<file path=ppt/slides/slide3.xml><?xml version="1.0" encoding="utf-8"?>
+<file path=ppt/slides/slide4.xml><?xml version="1.0" encoding="utf-8"?>
 <p:sld xmlns:a="http://schemas.openxmlformats.org/drawingml/2006/main" xmlns:r="http://schemas.openxmlformats.org/officeDocument/2006/relationships" xmlns:p="http://schemas.openxmlformats.org/presentationml/2006/main">
   <p:cSld>
     <p:spTree>
@@ -29685,7 +32424,7 @@
 </p:sld>
 </file>
 
-<file path=ppt/slides/slide4.xml><?xml version="1.0" encoding="utf-8"?>
+<file path=ppt/slides/slide5.xml><?xml version="1.0" encoding="utf-8"?>
 <p:sld xmlns:a="http://schemas.openxmlformats.org/drawingml/2006/main" xmlns:r="http://schemas.openxmlformats.org/officeDocument/2006/relationships" xmlns:p="http://schemas.openxmlformats.org/presentationml/2006/main">
   <p:cSld>
     <p:spTree>
@@ -30037,7 +32776,7 @@
 </p:sld>
 </file>
 
-<file path=ppt/slides/slide5.xml><?xml version="1.0" encoding="utf-8"?>
+<file path=ppt/slides/slide6.xml><?xml version="1.0" encoding="utf-8"?>
 <p:sld xmlns:a="http://schemas.openxmlformats.org/drawingml/2006/main" xmlns:r="http://schemas.openxmlformats.org/officeDocument/2006/relationships" xmlns:p="http://schemas.openxmlformats.org/presentationml/2006/main">
   <p:cSld>
     <p:spTree>
@@ -30389,7 +33128,7 @@
 </p:sld>
 </file>
 
-<file path=ppt/slides/slide6.xml><?xml version="1.0" encoding="utf-8"?>
+<file path=ppt/slides/slide7.xml><?xml version="1.0" encoding="utf-8"?>
 <p:sld xmlns:a="http://schemas.openxmlformats.org/drawingml/2006/main" xmlns:r="http://schemas.openxmlformats.org/officeDocument/2006/relationships" xmlns:p="http://schemas.openxmlformats.org/presentationml/2006/main">
   <p:cSld>
     <p:spTree>
@@ -30749,7 +33488,7 @@
 </p:sld>
 </file>
 
-<file path=ppt/slides/slide7.xml><?xml version="1.0" encoding="utf-8"?>
+<file path=ppt/slides/slide8.xml><?xml version="1.0" encoding="utf-8"?>
 <p:sld xmlns:a="http://schemas.openxmlformats.org/drawingml/2006/main" xmlns:r="http://schemas.openxmlformats.org/officeDocument/2006/relationships" xmlns:p="http://schemas.openxmlformats.org/presentationml/2006/main">
   <p:cSld>
     <p:spTree>
@@ -31026,7 +33765,7 @@
 </p:sld>
 </file>
 
-<file path=ppt/slides/slide8.xml><?xml version="1.0" encoding="utf-8"?>
+<file path=ppt/slides/slide9.xml><?xml version="1.0" encoding="utf-8"?>
 <p:sld xmlns:a="http://schemas.openxmlformats.org/drawingml/2006/main" xmlns:r="http://schemas.openxmlformats.org/officeDocument/2006/relationships" xmlns:p="http://schemas.openxmlformats.org/presentationml/2006/main">
   <p:cSld>
     <p:spTree>
@@ -31549,225 +34288,6 @@
     <p:extLst>
       <p:ext uri="{BB962C8B-B14F-4D97-AF65-F5344CB8AC3E}">
         <p14:creationId xmlns:p14="http://schemas.microsoft.com/office/powerpoint/2010/main" val="2603836219"/>
-      </p:ext>
-    </p:extLst>
-  </p:cSld>
-  <p:clrMapOvr>
-    <a:masterClrMapping/>
-  </p:clrMapOvr>
-</p:sld>
-</file>
-
-<file path=ppt/slides/slide9.xml><?xml version="1.0" encoding="utf-8"?>
-<p:sld xmlns:a="http://schemas.openxmlformats.org/drawingml/2006/main" xmlns:r="http://schemas.openxmlformats.org/officeDocument/2006/relationships" xmlns:p="http://schemas.openxmlformats.org/presentationml/2006/main">
-  <p:cSld>
-    <p:spTree>
-      <p:nvGrpSpPr>
-        <p:cNvPr id="1" name=""/>
-        <p:cNvGrpSpPr/>
-        <p:nvPr/>
-      </p:nvGrpSpPr>
-      <p:grpSpPr>
-        <a:xfrm>
-          <a:off x="0" y="0"/>
-          <a:ext cx="0" cy="0"/>
-          <a:chOff x="0" y="0"/>
-          <a:chExt cx="0" cy="0"/>
-        </a:xfrm>
-      </p:grpSpPr>
-      <p:sp>
-        <p:nvSpPr>
-          <p:cNvPr id="2" name="Title 1">
-            <a:extLst>
-              <a:ext uri="{FF2B5EF4-FFF2-40B4-BE49-F238E27FC236}">
-                <a16:creationId xmlns:a16="http://schemas.microsoft.com/office/drawing/2014/main" id="{BF1B5C15-8200-4683-A950-5DC04884CD7C}"/>
-              </a:ext>
-            </a:extLst>
-          </p:cNvPr>
-          <p:cNvSpPr>
-            <a:spLocks noGrp="1"/>
-          </p:cNvSpPr>
-          <p:nvPr>
-            <p:ph type="title"/>
-          </p:nvPr>
-        </p:nvSpPr>
-        <p:spPr/>
-        <p:txBody>
-          <a:bodyPr/>
-          <a:lstStyle/>
-          <a:p>
-            <a:r>
-              <a:rPr lang="en-GB" dirty="0"/>
-              <a:t>To-do App – </a:t>
-            </a:r>
-            <a:r>
-              <a:rPr lang="en-GB" dirty="0">
-                <a:solidFill>
-                  <a:srgbClr val="795E26"/>
-                </a:solidFill>
-                <a:latin typeface="JetBrains Mono" panose="02000009000000000000" pitchFamily="49" charset="0"/>
-              </a:rPr>
-              <a:t>Question 3</a:t>
-            </a:r>
-            <a:endParaRPr lang="fr-FR" dirty="0">
-              <a:solidFill>
-                <a:srgbClr val="795E26"/>
-              </a:solidFill>
-              <a:latin typeface="JetBrains Mono" panose="02000009000000000000" pitchFamily="49" charset="0"/>
-            </a:endParaRPr>
-          </a:p>
-        </p:txBody>
-      </p:sp>
-      <p:sp>
-        <p:nvSpPr>
-          <p:cNvPr id="6" name="TextBox 5">
-            <a:extLst>
-              <a:ext uri="{FF2B5EF4-FFF2-40B4-BE49-F238E27FC236}">
-                <a16:creationId xmlns:a16="http://schemas.microsoft.com/office/drawing/2014/main" id="{CE3D1F32-584F-4F55-8064-299738F6C6DC}"/>
-              </a:ext>
-            </a:extLst>
-          </p:cNvPr>
-          <p:cNvSpPr txBox="1"/>
-          <p:nvPr/>
-        </p:nvSpPr>
-        <p:spPr>
-          <a:xfrm>
-            <a:off x="1097280" y="6409081"/>
-            <a:ext cx="7115542" cy="369332"/>
-          </a:xfrm>
-          <a:prstGeom prst="rect">
-            <a:avLst/>
-          </a:prstGeom>
-          <a:noFill/>
-        </p:spPr>
-        <p:txBody>
-          <a:bodyPr wrap="square">
-            <a:spAutoFit/>
-          </a:bodyPr>
-          <a:lstStyle/>
-          <a:p>
-            <a:r>
-              <a:rPr lang="en-GB" dirty="0">
-                <a:solidFill>
-                  <a:schemeClr val="accent1">
-                    <a:lumMod val="50000"/>
-                  </a:schemeClr>
-                </a:solidFill>
-              </a:rPr>
-              <a:t>JS Sessions – Full Stack Web Development</a:t>
-            </a:r>
-            <a:endParaRPr lang="fr-FR" dirty="0"/>
-          </a:p>
-        </p:txBody>
-      </p:sp>
-      <p:sp>
-        <p:nvSpPr>
-          <p:cNvPr id="7" name="TextBox 6">
-            <a:extLst>
-              <a:ext uri="{FF2B5EF4-FFF2-40B4-BE49-F238E27FC236}">
-                <a16:creationId xmlns:a16="http://schemas.microsoft.com/office/drawing/2014/main" id="{BDE5415B-BA2E-4F35-A21A-B09FBF6B6ADE}"/>
-              </a:ext>
-            </a:extLst>
-          </p:cNvPr>
-          <p:cNvSpPr txBox="1"/>
-          <p:nvPr/>
-        </p:nvSpPr>
-        <p:spPr>
-          <a:xfrm>
-            <a:off x="1097280" y="2162087"/>
-            <a:ext cx="10058400" cy="1477328"/>
-          </a:xfrm>
-          <a:prstGeom prst="rect">
-            <a:avLst/>
-          </a:prstGeom>
-          <a:noFill/>
-        </p:spPr>
-        <p:txBody>
-          <a:bodyPr wrap="square">
-            <a:spAutoFit/>
-          </a:bodyPr>
-          <a:lstStyle/>
-          <a:p>
-            <a:r>
-              <a:rPr lang="en-US" b="1" dirty="0"/>
-              <a:t>How</a:t>
-            </a:r>
-            <a:r>
-              <a:rPr lang="en-US" dirty="0"/>
-              <a:t> is the class name of the newly created list item set in the </a:t>
-            </a:r>
-            <a:r>
-              <a:rPr lang="en-US" dirty="0" err="1"/>
-              <a:t>addTask</a:t>
-            </a:r>
-            <a:r>
-              <a:rPr lang="en-US" dirty="0"/>
-              <a:t> function?</a:t>
-            </a:r>
-          </a:p>
-          <a:p>
-            <a:r>
-              <a:rPr lang="en-US" dirty="0"/>
-              <a:t>a) Using the </a:t>
-            </a:r>
-            <a:r>
-              <a:rPr lang="en-US" dirty="0" err="1"/>
-              <a:t>innerHTML</a:t>
-            </a:r>
-            <a:r>
-              <a:rPr lang="en-US" dirty="0"/>
-              <a:t> property.</a:t>
-            </a:r>
-          </a:p>
-          <a:p>
-            <a:r>
-              <a:rPr lang="en-US" dirty="0"/>
-              <a:t>b) Using the </a:t>
-            </a:r>
-            <a:r>
-              <a:rPr lang="en-US" dirty="0" err="1"/>
-              <a:t>inputBox.value</a:t>
-            </a:r>
-            <a:r>
-              <a:rPr lang="en-US" dirty="0"/>
-              <a:t> property.</a:t>
-            </a:r>
-          </a:p>
-          <a:p>
-            <a:r>
-              <a:rPr lang="en-US" dirty="0"/>
-              <a:t>c) Using the </a:t>
-            </a:r>
-            <a:r>
-              <a:rPr lang="en-US" dirty="0" err="1"/>
-              <a:t>li.innerHTML</a:t>
-            </a:r>
-            <a:r>
-              <a:rPr lang="en-US" dirty="0"/>
-              <a:t> property.</a:t>
-            </a:r>
-          </a:p>
-          <a:p>
-            <a:r>
-              <a:rPr lang="en-US" dirty="0"/>
-              <a:t>d) Using the </a:t>
-            </a:r>
-            <a:r>
-              <a:rPr lang="en-US" dirty="0" err="1"/>
-              <a:t>li.className</a:t>
-            </a:r>
-            <a:r>
-              <a:rPr lang="en-US" dirty="0"/>
-              <a:t> property.</a:t>
-            </a:r>
-            <a:endParaRPr lang="fr-FR" dirty="0"/>
-          </a:p>
-        </p:txBody>
-      </p:sp>
-    </p:spTree>
-    <p:extLst>
-      <p:ext uri="{BB962C8B-B14F-4D97-AF65-F5344CB8AC3E}">
-        <p14:creationId xmlns:p14="http://schemas.microsoft.com/office/powerpoint/2010/main" val="4006538366"/>
       </p:ext>
     </p:extLst>
   </p:cSld>
